--- a/git-workshop-opdracht-rebase.pptx
+++ b/git-workshop-opdracht-rebase.pptx
@@ -268,7 +268,7 @@
       </p15:sldGuideLst>
     </p:ext>
     <p:ext uri="http://customooxmlschemas.google.com/">
-      <go:slidesCustomData xmlns:go="http://customooxmlschemas.google.com/" r:id="rId18" roundtripDataSignature="AMtx7mhgYRmiXaTG8WRi3YyZeP6GFAmesw=="/>
+      <go:slidesCustomData xmlns:go="http://customooxmlschemas.google.com/" r:id="rId18" roundtripDataSignature="AMtx7mjNwNa8ZlpNT+SxtdHhBtrf7HgV+Q=="/>
     </p:ext>
   </p:extLst>
 </p:presentation>
@@ -957,7 +957,7 @@
   <p:cSld>
     <p:spTree>
       <p:nvGrpSpPr>
-        <p:cNvPr id="172" name="Shape 172"/>
+        <p:cNvPr id="181" name="Shape 181"/>
         <p:cNvGrpSpPr/>
         <p:nvPr/>
       </p:nvGrpSpPr>
@@ -971,7 +971,7 @@
       </p:grpSpPr>
       <p:sp>
         <p:nvSpPr>
-          <p:cNvPr id="173" name="Google Shape;173;g7052abb337_0_0:notes"/>
+          <p:cNvPr id="182" name="Google Shape;182;g7052abb337_0_0:notes"/>
           <p:cNvSpPr/>
           <p:nvPr>
             <p:ph idx="2" type="sldImg"/>
@@ -1016,7 +1016,7 @@
       </p:sp>
       <p:sp>
         <p:nvSpPr>
-          <p:cNvPr id="174" name="Google Shape;174;g7052abb337_0_0:notes"/>
+          <p:cNvPr id="183" name="Google Shape;183;g7052abb337_0_0:notes"/>
           <p:cNvSpPr txBox="1"/>
           <p:nvPr>
             <p:ph idx="1" type="body"/>
@@ -1074,7 +1074,7 @@
   <p:cSld>
     <p:spTree>
       <p:nvGrpSpPr>
-        <p:cNvPr id="190" name="Shape 190"/>
+        <p:cNvPr id="200" name="Shape 200"/>
         <p:cNvGrpSpPr/>
         <p:nvPr/>
       </p:nvGrpSpPr>
@@ -1088,7 +1088,7 @@
       </p:grpSpPr>
       <p:sp>
         <p:nvSpPr>
-          <p:cNvPr id="191" name="Google Shape;191;p10:notes"/>
+          <p:cNvPr id="201" name="Google Shape;201;p10:notes"/>
           <p:cNvSpPr/>
           <p:nvPr>
             <p:ph idx="2" type="sldImg"/>
@@ -1133,7 +1133,7 @@
       </p:sp>
       <p:sp>
         <p:nvSpPr>
-          <p:cNvPr id="192" name="Google Shape;192;p10:notes"/>
+          <p:cNvPr id="202" name="Google Shape;202;p10:notes"/>
           <p:cNvSpPr txBox="1"/>
           <p:nvPr>
             <p:ph idx="1" type="body"/>
@@ -1191,7 +1191,7 @@
   <p:cSld>
     <p:spTree>
       <p:nvGrpSpPr>
-        <p:cNvPr id="208" name="Shape 208"/>
+        <p:cNvPr id="219" name="Shape 219"/>
         <p:cNvGrpSpPr/>
         <p:nvPr/>
       </p:nvGrpSpPr>
@@ -1205,7 +1205,7 @@
       </p:grpSpPr>
       <p:sp>
         <p:nvSpPr>
-          <p:cNvPr id="209" name="Google Shape;209;p11:notes"/>
+          <p:cNvPr id="220" name="Google Shape;220;p11:notes"/>
           <p:cNvSpPr/>
           <p:nvPr>
             <p:ph idx="2" type="sldImg"/>
@@ -1250,7 +1250,7 @@
       </p:sp>
       <p:sp>
         <p:nvSpPr>
-          <p:cNvPr id="210" name="Google Shape;210;p11:notes"/>
+          <p:cNvPr id="221" name="Google Shape;221;p11:notes"/>
           <p:cNvSpPr txBox="1"/>
           <p:nvPr>
             <p:ph idx="1" type="body"/>
@@ -1308,7 +1308,7 @@
   <p:cSld>
     <p:spTree>
       <p:nvGrpSpPr>
-        <p:cNvPr id="58" name="Shape 58"/>
+        <p:cNvPr id="59" name="Shape 59"/>
         <p:cNvGrpSpPr/>
         <p:nvPr/>
       </p:nvGrpSpPr>
@@ -1322,7 +1322,7 @@
       </p:grpSpPr>
       <p:sp>
         <p:nvSpPr>
-          <p:cNvPr id="59" name="Google Shape;59;p2:notes"/>
+          <p:cNvPr id="60" name="Google Shape;60;p2:notes"/>
           <p:cNvSpPr/>
           <p:nvPr>
             <p:ph idx="2" type="sldImg"/>
@@ -1367,7 +1367,7 @@
       </p:sp>
       <p:sp>
         <p:nvSpPr>
-          <p:cNvPr id="60" name="Google Shape;60;p2:notes"/>
+          <p:cNvPr id="61" name="Google Shape;61;p2:notes"/>
           <p:cNvSpPr txBox="1"/>
           <p:nvPr>
             <p:ph idx="1" type="body"/>
@@ -1425,7 +1425,7 @@
   <p:cSld>
     <p:spTree>
       <p:nvGrpSpPr>
-        <p:cNvPr id="67" name="Shape 67"/>
+        <p:cNvPr id="69" name="Shape 69"/>
         <p:cNvGrpSpPr/>
         <p:nvPr/>
       </p:nvGrpSpPr>
@@ -1439,7 +1439,7 @@
       </p:grpSpPr>
       <p:sp>
         <p:nvSpPr>
-          <p:cNvPr id="68" name="Google Shape;68;p3:notes"/>
+          <p:cNvPr id="70" name="Google Shape;70;p3:notes"/>
           <p:cNvSpPr/>
           <p:nvPr>
             <p:ph idx="2" type="sldImg"/>
@@ -1484,7 +1484,7 @@
       </p:sp>
       <p:sp>
         <p:nvSpPr>
-          <p:cNvPr id="69" name="Google Shape;69;p3:notes"/>
+          <p:cNvPr id="71" name="Google Shape;71;p3:notes"/>
           <p:cNvSpPr txBox="1"/>
           <p:nvPr>
             <p:ph idx="1" type="body"/>
@@ -1542,7 +1542,7 @@
   <p:cSld>
     <p:spTree>
       <p:nvGrpSpPr>
-        <p:cNvPr id="76" name="Shape 76"/>
+        <p:cNvPr id="79" name="Shape 79"/>
         <p:cNvGrpSpPr/>
         <p:nvPr/>
       </p:nvGrpSpPr>
@@ -1556,7 +1556,7 @@
       </p:grpSpPr>
       <p:sp>
         <p:nvSpPr>
-          <p:cNvPr id="77" name="Google Shape;77;p4:notes"/>
+          <p:cNvPr id="80" name="Google Shape;80;p4:notes"/>
           <p:cNvSpPr/>
           <p:nvPr>
             <p:ph idx="2" type="sldImg"/>
@@ -1601,7 +1601,7 @@
       </p:sp>
       <p:sp>
         <p:nvSpPr>
-          <p:cNvPr id="78" name="Google Shape;78;p4:notes"/>
+          <p:cNvPr id="81" name="Google Shape;81;p4:notes"/>
           <p:cNvSpPr txBox="1"/>
           <p:nvPr>
             <p:ph idx="1" type="body"/>
@@ -1659,7 +1659,7 @@
   <p:cSld>
     <p:spTree>
       <p:nvGrpSpPr>
-        <p:cNvPr id="88" name="Shape 88"/>
+        <p:cNvPr id="92" name="Shape 92"/>
         <p:cNvGrpSpPr/>
         <p:nvPr/>
       </p:nvGrpSpPr>
@@ -1673,7 +1673,7 @@
       </p:grpSpPr>
       <p:sp>
         <p:nvSpPr>
-          <p:cNvPr id="89" name="Google Shape;89;p5:notes"/>
+          <p:cNvPr id="93" name="Google Shape;93;p5:notes"/>
           <p:cNvSpPr/>
           <p:nvPr>
             <p:ph idx="2" type="sldImg"/>
@@ -1718,7 +1718,7 @@
       </p:sp>
       <p:sp>
         <p:nvSpPr>
-          <p:cNvPr id="90" name="Google Shape;90;p5:notes"/>
+          <p:cNvPr id="94" name="Google Shape;94;p5:notes"/>
           <p:cNvSpPr txBox="1"/>
           <p:nvPr>
             <p:ph idx="1" type="body"/>
@@ -1776,7 +1776,7 @@
   <p:cSld>
     <p:spTree>
       <p:nvGrpSpPr>
-        <p:cNvPr id="103" name="Shape 103"/>
+        <p:cNvPr id="108" name="Shape 108"/>
         <p:cNvGrpSpPr/>
         <p:nvPr/>
       </p:nvGrpSpPr>
@@ -1790,7 +1790,7 @@
       </p:grpSpPr>
       <p:sp>
         <p:nvSpPr>
-          <p:cNvPr id="104" name="Google Shape;104;p6:notes"/>
+          <p:cNvPr id="109" name="Google Shape;109;p6:notes"/>
           <p:cNvSpPr/>
           <p:nvPr>
             <p:ph idx="2" type="sldImg"/>
@@ -1835,7 +1835,7 @@
       </p:sp>
       <p:sp>
         <p:nvSpPr>
-          <p:cNvPr id="105" name="Google Shape;105;p6:notes"/>
+          <p:cNvPr id="110" name="Google Shape;110;p6:notes"/>
           <p:cNvSpPr txBox="1"/>
           <p:nvPr>
             <p:ph idx="1" type="body"/>
@@ -1893,7 +1893,7 @@
   <p:cSld>
     <p:spTree>
       <p:nvGrpSpPr>
-        <p:cNvPr id="118" name="Shape 118"/>
+        <p:cNvPr id="124" name="Shape 124"/>
         <p:cNvGrpSpPr/>
         <p:nvPr/>
       </p:nvGrpSpPr>
@@ -1907,7 +1907,7 @@
       </p:grpSpPr>
       <p:sp>
         <p:nvSpPr>
-          <p:cNvPr id="119" name="Google Shape;119;p7:notes"/>
+          <p:cNvPr id="125" name="Google Shape;125;p7:notes"/>
           <p:cNvSpPr/>
           <p:nvPr>
             <p:ph idx="2" type="sldImg"/>
@@ -1952,7 +1952,7 @@
       </p:sp>
       <p:sp>
         <p:nvSpPr>
-          <p:cNvPr id="120" name="Google Shape;120;p7:notes"/>
+          <p:cNvPr id="126" name="Google Shape;126;p7:notes"/>
           <p:cNvSpPr txBox="1"/>
           <p:nvPr>
             <p:ph idx="1" type="body"/>
@@ -2010,7 +2010,7 @@
   <p:cSld>
     <p:spTree>
       <p:nvGrpSpPr>
-        <p:cNvPr id="136" name="Shape 136"/>
+        <p:cNvPr id="143" name="Shape 143"/>
         <p:cNvGrpSpPr/>
         <p:nvPr/>
       </p:nvGrpSpPr>
@@ -2024,7 +2024,7 @@
       </p:grpSpPr>
       <p:sp>
         <p:nvSpPr>
-          <p:cNvPr id="137" name="Google Shape;137;p8:notes"/>
+          <p:cNvPr id="144" name="Google Shape;144;p8:notes"/>
           <p:cNvSpPr/>
           <p:nvPr>
             <p:ph idx="2" type="sldImg"/>
@@ -2069,7 +2069,7 @@
       </p:sp>
       <p:sp>
         <p:nvSpPr>
-          <p:cNvPr id="138" name="Google Shape;138;p8:notes"/>
+          <p:cNvPr id="145" name="Google Shape;145;p8:notes"/>
           <p:cNvSpPr txBox="1"/>
           <p:nvPr>
             <p:ph idx="1" type="body"/>
@@ -2127,7 +2127,7 @@
   <p:cSld>
     <p:spTree>
       <p:nvGrpSpPr>
-        <p:cNvPr id="154" name="Shape 154"/>
+        <p:cNvPr id="162" name="Shape 162"/>
         <p:cNvGrpSpPr/>
         <p:nvPr/>
       </p:nvGrpSpPr>
@@ -2141,7 +2141,7 @@
       </p:grpSpPr>
       <p:sp>
         <p:nvSpPr>
-          <p:cNvPr id="155" name="Google Shape;155;p9:notes"/>
+          <p:cNvPr id="163" name="Google Shape;163;p9:notes"/>
           <p:cNvSpPr/>
           <p:nvPr>
             <p:ph idx="2" type="sldImg"/>
@@ -2186,7 +2186,7 @@
       </p:sp>
       <p:sp>
         <p:nvSpPr>
-          <p:cNvPr id="156" name="Google Shape;156;p9:notes"/>
+          <p:cNvPr id="164" name="Google Shape;164;p9:notes"/>
           <p:cNvSpPr txBox="1"/>
           <p:nvPr>
             <p:ph idx="1" type="body"/>
@@ -9907,7 +9907,7 @@
         </p:nvSpPr>
         <p:spPr>
           <a:xfrm>
-            <a:off x="2852450" y="914400"/>
+            <a:off x="1455772" y="914400"/>
             <a:ext cx="183000" cy="182100"/>
           </a:xfrm>
           <a:prstGeom prst="ellipse">
@@ -9972,7 +9972,7 @@
         </p:nvSpPr>
         <p:spPr>
           <a:xfrm>
-            <a:off x="3568700" y="868350"/>
+            <a:off x="2172022" y="868350"/>
             <a:ext cx="1097400" cy="274200"/>
           </a:xfrm>
           <a:prstGeom prst="rect">
@@ -10038,7 +10038,7 @@
         </p:nvSpPr>
         <p:spPr>
           <a:xfrm>
-            <a:off x="2201350" y="914400"/>
+            <a:off x="804672" y="914400"/>
             <a:ext cx="479700" cy="182100"/>
           </a:xfrm>
           <a:prstGeom prst="rect">
@@ -10143,16 +10143,8 @@
               <a:buNone/>
             </a:pPr>
             <a:r>
-              <a:rPr b="0" i="0" lang="en" sz="1400" u="none" cap="none" strike="noStrike">
-                <a:solidFill>
-                  <a:srgbClr val="000000"/>
-                </a:solidFill>
-                <a:latin typeface="Arial"/>
-                <a:ea typeface="Arial"/>
-                <a:cs typeface="Arial"/>
-                <a:sym typeface="Arial"/>
-              </a:rPr>
-              <a:t>REBASE</a:t>
+              <a:rPr lang="en"/>
+              <a:t>5. Opdracht REBASE</a:t>
             </a:r>
             <a:endParaRPr b="0" i="0" sz="1400" u="none" cap="none" strike="noStrike">
               <a:solidFill>
@@ -10163,6 +10155,269 @@
               <a:cs typeface="Arial"/>
               <a:sym typeface="Arial"/>
             </a:endParaRPr>
+          </a:p>
+        </p:txBody>
+      </p:sp>
+      <p:sp>
+        <p:nvSpPr>
+          <p:cNvPr id="58" name="Google Shape;58;p1"/>
+          <p:cNvSpPr txBox="1"/>
+          <p:nvPr/>
+        </p:nvSpPr>
+        <p:spPr>
+          <a:xfrm>
+            <a:off x="3961975" y="742875"/>
+            <a:ext cx="5181900" cy="3190800"/>
+          </a:xfrm>
+          <a:prstGeom prst="rect">
+            <a:avLst/>
+          </a:prstGeom>
+          <a:noFill/>
+          <a:ln>
+            <a:noFill/>
+          </a:ln>
+        </p:spPr>
+        <p:txBody>
+          <a:bodyPr anchorCtr="0" anchor="t" bIns="91425" lIns="91425" spcFirstLastPara="1" rIns="91425" wrap="square" tIns="91425">
+            <a:noAutofit/>
+          </a:bodyPr>
+          <a:lstStyle/>
+          <a:p>
+            <a:pPr indent="-330200" lvl="0" marL="457200" rtl="0" algn="l">
+              <a:spcBef>
+                <a:spcPts val="0"/>
+              </a:spcBef>
+              <a:spcAft>
+                <a:spcPts val="0"/>
+              </a:spcAft>
+              <a:buSzPts val="1600"/>
+              <a:buChar char="●"/>
+            </a:pPr>
+            <a:r>
+              <a:rPr lang="en" sz="1600"/>
+              <a:t>maak initial commit</a:t>
+            </a:r>
+            <a:endParaRPr sz="1600"/>
+          </a:p>
+          <a:p>
+            <a:pPr indent="-330200" lvl="0" marL="457200" rtl="0" algn="l">
+              <a:spcBef>
+                <a:spcPts val="0"/>
+              </a:spcBef>
+              <a:spcAft>
+                <a:spcPts val="0"/>
+              </a:spcAft>
+              <a:buSzPts val="1600"/>
+              <a:buChar char="●"/>
+            </a:pPr>
+            <a:r>
+              <a:rPr lang="en" sz="1600"/>
+              <a:t>maak branch develop</a:t>
+            </a:r>
+            <a:endParaRPr sz="1600"/>
+          </a:p>
+          <a:p>
+            <a:pPr indent="-330200" lvl="0" marL="457200" rtl="0" algn="l">
+              <a:spcBef>
+                <a:spcPts val="0"/>
+              </a:spcBef>
+              <a:spcAft>
+                <a:spcPts val="0"/>
+              </a:spcAft>
+              <a:buSzPts val="1600"/>
+              <a:buChar char="●"/>
+            </a:pPr>
+            <a:r>
+              <a:rPr lang="en" sz="1600"/>
+              <a:t>checkout develop</a:t>
+            </a:r>
+            <a:endParaRPr sz="1600"/>
+          </a:p>
+          <a:p>
+            <a:pPr indent="-330200" lvl="0" marL="457200" rtl="0" algn="l">
+              <a:spcBef>
+                <a:spcPts val="0"/>
+              </a:spcBef>
+              <a:spcAft>
+                <a:spcPts val="0"/>
+              </a:spcAft>
+              <a:buClr>
+                <a:schemeClr val="dk1"/>
+              </a:buClr>
+              <a:buSzPts val="1600"/>
+              <a:buChar char="●"/>
+            </a:pPr>
+            <a:r>
+              <a:rPr lang="en" sz="1600">
+                <a:solidFill>
+                  <a:schemeClr val="dk1"/>
+                </a:solidFill>
+              </a:rPr>
+              <a:t>maak wijziging en commit</a:t>
+            </a:r>
+            <a:endParaRPr sz="1600">
+              <a:solidFill>
+                <a:schemeClr val="dk1"/>
+              </a:solidFill>
+            </a:endParaRPr>
+          </a:p>
+          <a:p>
+            <a:pPr indent="-330200" lvl="0" marL="457200" rtl="0" algn="l">
+              <a:spcBef>
+                <a:spcPts val="0"/>
+              </a:spcBef>
+              <a:spcAft>
+                <a:spcPts val="0"/>
+              </a:spcAft>
+              <a:buClr>
+                <a:schemeClr val="dk1"/>
+              </a:buClr>
+              <a:buSzPts val="1600"/>
+              <a:buChar char="●"/>
+            </a:pPr>
+            <a:r>
+              <a:rPr lang="en" sz="1600">
+                <a:solidFill>
+                  <a:schemeClr val="dk1"/>
+                </a:solidFill>
+              </a:rPr>
+              <a:t>maak wijziging en commit</a:t>
+            </a:r>
+            <a:endParaRPr sz="1600">
+              <a:solidFill>
+                <a:schemeClr val="dk1"/>
+              </a:solidFill>
+            </a:endParaRPr>
+          </a:p>
+          <a:p>
+            <a:pPr indent="-330200" lvl="0" marL="457200" rtl="0" algn="l">
+              <a:spcBef>
+                <a:spcPts val="0"/>
+              </a:spcBef>
+              <a:spcAft>
+                <a:spcPts val="0"/>
+              </a:spcAft>
+              <a:buSzPts val="1600"/>
+              <a:buChar char="●"/>
+            </a:pPr>
+            <a:r>
+              <a:rPr lang="en" sz="1600"/>
+              <a:t>checkout master</a:t>
+            </a:r>
+            <a:endParaRPr sz="1600"/>
+          </a:p>
+          <a:p>
+            <a:pPr indent="-330200" lvl="0" marL="457200" rtl="0" algn="l">
+              <a:spcBef>
+                <a:spcPts val="0"/>
+              </a:spcBef>
+              <a:spcAft>
+                <a:spcPts val="0"/>
+              </a:spcAft>
+              <a:buClr>
+                <a:schemeClr val="dk1"/>
+              </a:buClr>
+              <a:buSzPts val="1600"/>
+              <a:buChar char="●"/>
+            </a:pPr>
+            <a:r>
+              <a:rPr lang="en" sz="1600">
+                <a:solidFill>
+                  <a:schemeClr val="dk1"/>
+                </a:solidFill>
+              </a:rPr>
+              <a:t>maak wijziging en commit</a:t>
+            </a:r>
+            <a:endParaRPr sz="1600">
+              <a:solidFill>
+                <a:schemeClr val="dk1"/>
+              </a:solidFill>
+            </a:endParaRPr>
+          </a:p>
+          <a:p>
+            <a:pPr indent="-330200" lvl="0" marL="457200" rtl="0" algn="l">
+              <a:spcBef>
+                <a:spcPts val="0"/>
+              </a:spcBef>
+              <a:spcAft>
+                <a:spcPts val="0"/>
+              </a:spcAft>
+              <a:buSzPts val="1600"/>
+              <a:buChar char="●"/>
+            </a:pPr>
+            <a:r>
+              <a:rPr lang="en" sz="1600"/>
+              <a:t>checkout develop</a:t>
+            </a:r>
+            <a:endParaRPr sz="1600"/>
+          </a:p>
+          <a:p>
+            <a:pPr indent="-330200" lvl="0" marL="457200" rtl="0" algn="l">
+              <a:spcBef>
+                <a:spcPts val="0"/>
+              </a:spcBef>
+              <a:spcAft>
+                <a:spcPts val="0"/>
+              </a:spcAft>
+              <a:buSzPts val="1600"/>
+              <a:buChar char="●"/>
+            </a:pPr>
+            <a:r>
+              <a:rPr lang="en" sz="1600"/>
+              <a:t>rebase develop naar master</a:t>
+            </a:r>
+            <a:endParaRPr sz="1600"/>
+          </a:p>
+          <a:p>
+            <a:pPr indent="-330200" lvl="0" marL="457200" rtl="0" algn="l">
+              <a:spcBef>
+                <a:spcPts val="0"/>
+              </a:spcBef>
+              <a:spcAft>
+                <a:spcPts val="0"/>
+              </a:spcAft>
+              <a:buSzPts val="1600"/>
+              <a:buChar char="●"/>
+            </a:pPr>
+            <a:r>
+              <a:rPr lang="en" sz="1600"/>
+              <a:t>checkout master</a:t>
+            </a:r>
+            <a:endParaRPr sz="1600"/>
+          </a:p>
+          <a:p>
+            <a:pPr indent="-330200" lvl="0" marL="457200" rtl="0" algn="l">
+              <a:spcBef>
+                <a:spcPts val="0"/>
+              </a:spcBef>
+              <a:spcAft>
+                <a:spcPts val="0"/>
+              </a:spcAft>
+              <a:buSzPts val="1600"/>
+              <a:buChar char="●"/>
+            </a:pPr>
+            <a:r>
+              <a:rPr lang="en" sz="1600"/>
+              <a:t>rebase master naar develop(fast-forward)</a:t>
+            </a:r>
+            <a:endParaRPr sz="1600"/>
+          </a:p>
+          <a:p>
+            <a:pPr indent="-330200" lvl="0" marL="457200" rtl="0" algn="l">
+              <a:spcBef>
+                <a:spcPts val="0"/>
+              </a:spcBef>
+              <a:spcAft>
+                <a:spcPts val="0"/>
+              </a:spcAft>
+              <a:buSzPts val="1600"/>
+              <a:buChar char="●"/>
+            </a:pPr>
+            <a:r>
+              <a:rPr lang="en" sz="1600"/>
+              <a:t>delete develop</a:t>
+            </a:r>
+            <a:endParaRPr sz="1600"/>
           </a:p>
         </p:txBody>
       </p:sp>
@@ -10179,7 +10434,7 @@
   <p:cSld>
     <p:spTree>
       <p:nvGrpSpPr>
-        <p:cNvPr id="175" name="Shape 175"/>
+        <p:cNvPr id="184" name="Shape 184"/>
         <p:cNvGrpSpPr/>
         <p:nvPr/>
       </p:nvGrpSpPr>
@@ -10193,13 +10448,13 @@
       </p:grpSpPr>
       <p:sp>
         <p:nvSpPr>
-          <p:cNvPr id="176" name="Google Shape;176;g7052abb337_0_0"/>
+          <p:cNvPr id="185" name="Google Shape;185;g7052abb337_0_0"/>
           <p:cNvSpPr/>
           <p:nvPr/>
         </p:nvSpPr>
         <p:spPr>
           <a:xfrm>
-            <a:off x="2852450" y="914400"/>
+            <a:off x="1458820" y="914400"/>
             <a:ext cx="183000" cy="182100"/>
           </a:xfrm>
           <a:prstGeom prst="ellipse">
@@ -10258,13 +10513,13 @@
       </p:sp>
       <p:sp>
         <p:nvSpPr>
-          <p:cNvPr id="177" name="Google Shape;177;g7052abb337_0_0"/>
+          <p:cNvPr id="186" name="Google Shape;186;g7052abb337_0_0"/>
           <p:cNvSpPr/>
           <p:nvPr/>
         </p:nvSpPr>
         <p:spPr>
           <a:xfrm>
-            <a:off x="2852450" y="2789250"/>
+            <a:off x="1458820" y="2789250"/>
             <a:ext cx="183000" cy="182100"/>
           </a:xfrm>
           <a:prstGeom prst="ellipse">
@@ -10323,16 +10578,16 @@
       </p:sp>
       <p:cxnSp>
         <p:nvCxnSpPr>
-          <p:cNvPr id="178" name="Google Shape;178;g7052abb337_0_0"/>
+          <p:cNvPr id="187" name="Google Shape;187;g7052abb337_0_0"/>
           <p:cNvCxnSpPr>
-            <a:stCxn id="179" idx="4"/>
-            <a:endCxn id="177" idx="0"/>
+            <a:stCxn id="188" idx="4"/>
+            <a:endCxn id="186" idx="0"/>
           </p:cNvCxnSpPr>
           <p:nvPr/>
         </p:nvCxnSpPr>
         <p:spPr>
           <a:xfrm flipH="1">
-            <a:off x="2943828" y="2468100"/>
+            <a:off x="1550198" y="2468100"/>
             <a:ext cx="600" cy="321300"/>
           </a:xfrm>
           <a:prstGeom prst="straightConnector1">
@@ -10352,13 +10607,13 @@
       </p:cxnSp>
       <p:sp>
         <p:nvSpPr>
-          <p:cNvPr id="180" name="Google Shape;180;g7052abb337_0_0"/>
+          <p:cNvPr id="189" name="Google Shape;189;g7052abb337_0_0"/>
           <p:cNvSpPr txBox="1"/>
           <p:nvPr/>
         </p:nvSpPr>
         <p:spPr>
           <a:xfrm>
-            <a:off x="3568700" y="868350"/>
+            <a:off x="2175070" y="868350"/>
             <a:ext cx="1097400" cy="274200"/>
           </a:xfrm>
           <a:prstGeom prst="rect">
@@ -10418,13 +10673,13 @@
       </p:sp>
       <p:sp>
         <p:nvSpPr>
-          <p:cNvPr id="181" name="Google Shape;181;g7052abb337_0_0"/>
+          <p:cNvPr id="190" name="Google Shape;190;g7052abb337_0_0"/>
           <p:cNvSpPr/>
           <p:nvPr/>
         </p:nvSpPr>
         <p:spPr>
           <a:xfrm>
-            <a:off x="2852450" y="3246450"/>
+            <a:off x="1458820" y="3246450"/>
             <a:ext cx="183000" cy="182100"/>
           </a:xfrm>
           <a:prstGeom prst="ellipse">
@@ -10483,13 +10738,13 @@
       </p:sp>
       <p:sp>
         <p:nvSpPr>
-          <p:cNvPr id="182" name="Google Shape;182;g7052abb337_0_0"/>
+          <p:cNvPr id="191" name="Google Shape;191;g7052abb337_0_0"/>
           <p:cNvSpPr txBox="1"/>
           <p:nvPr/>
         </p:nvSpPr>
         <p:spPr>
           <a:xfrm>
-            <a:off x="3568700" y="2743200"/>
+            <a:off x="2175070" y="2743200"/>
             <a:ext cx="1097400" cy="274200"/>
           </a:xfrm>
           <a:prstGeom prst="rect">
@@ -10549,13 +10804,13 @@
       </p:sp>
       <p:sp>
         <p:nvSpPr>
-          <p:cNvPr id="183" name="Google Shape;183;g7052abb337_0_0"/>
+          <p:cNvPr id="192" name="Google Shape;192;g7052abb337_0_0"/>
           <p:cNvSpPr txBox="1"/>
           <p:nvPr/>
         </p:nvSpPr>
         <p:spPr>
           <a:xfrm>
-            <a:off x="3568700" y="3200400"/>
+            <a:off x="2175070" y="3200400"/>
             <a:ext cx="1097400" cy="274200"/>
           </a:xfrm>
           <a:prstGeom prst="rect">
@@ -10615,13 +10870,13 @@
       </p:sp>
       <p:sp>
         <p:nvSpPr>
-          <p:cNvPr id="184" name="Google Shape;184;g7052abb337_0_0"/>
+          <p:cNvPr id="193" name="Google Shape;193;g7052abb337_0_0"/>
           <p:cNvSpPr txBox="1"/>
           <p:nvPr/>
         </p:nvSpPr>
         <p:spPr>
           <a:xfrm>
-            <a:off x="2201350" y="2286000"/>
+            <a:off x="807720" y="2286000"/>
             <a:ext cx="479700" cy="182100"/>
           </a:xfrm>
           <a:prstGeom prst="rect">
@@ -10662,6 +10917,10 @@
                 <a:solidFill>
                   <a:srgbClr val="000000"/>
                 </a:solidFill>
+                <a:latin typeface="Arial"/>
+                <a:ea typeface="Arial"/>
+                <a:cs typeface="Arial"/>
+                <a:sym typeface="Arial"/>
               </a:rPr>
               <a:t>master</a:t>
             </a:r>
@@ -10669,22 +10928,26 @@
               <a:solidFill>
                 <a:srgbClr val="000000"/>
               </a:solidFill>
+              <a:latin typeface="Arial"/>
+              <a:ea typeface="Arial"/>
+              <a:cs typeface="Arial"/>
+              <a:sym typeface="Arial"/>
             </a:endParaRPr>
           </a:p>
         </p:txBody>
       </p:sp>
       <p:cxnSp>
         <p:nvCxnSpPr>
-          <p:cNvPr id="185" name="Google Shape;185;g7052abb337_0_0"/>
+          <p:cNvPr id="194" name="Google Shape;194;g7052abb337_0_0"/>
           <p:cNvCxnSpPr>
-            <a:stCxn id="177" idx="4"/>
-            <a:endCxn id="181" idx="0"/>
+            <a:stCxn id="186" idx="4"/>
+            <a:endCxn id="190" idx="0"/>
           </p:cNvCxnSpPr>
           <p:nvPr/>
         </p:nvCxnSpPr>
         <p:spPr>
           <a:xfrm>
-            <a:off x="2943950" y="2971350"/>
+            <a:off x="1550320" y="2971350"/>
             <a:ext cx="0" cy="275100"/>
           </a:xfrm>
           <a:prstGeom prst="straightConnector1">
@@ -10704,13 +10967,13 @@
       </p:cxnSp>
       <p:sp>
         <p:nvSpPr>
-          <p:cNvPr id="179" name="Google Shape;179;g7052abb337_0_0"/>
+          <p:cNvPr id="188" name="Google Shape;188;g7052abb337_0_0"/>
           <p:cNvSpPr/>
           <p:nvPr/>
         </p:nvSpPr>
         <p:spPr>
           <a:xfrm>
-            <a:off x="2852928" y="2286000"/>
+            <a:off x="1459298" y="2286000"/>
             <a:ext cx="183000" cy="182100"/>
           </a:xfrm>
           <a:prstGeom prst="ellipse">
@@ -10769,16 +11032,16 @@
       </p:sp>
       <p:cxnSp>
         <p:nvCxnSpPr>
-          <p:cNvPr id="186" name="Google Shape;186;g7052abb337_0_0"/>
+          <p:cNvPr id="195" name="Google Shape;195;g7052abb337_0_0"/>
           <p:cNvCxnSpPr>
-            <a:stCxn id="176" idx="4"/>
-            <a:endCxn id="179" idx="0"/>
+            <a:stCxn id="185" idx="4"/>
+            <a:endCxn id="188" idx="0"/>
           </p:cNvCxnSpPr>
           <p:nvPr/>
         </p:nvCxnSpPr>
         <p:spPr>
           <a:xfrm>
-            <a:off x="2943950" y="1096500"/>
+            <a:off x="1550320" y="1096500"/>
             <a:ext cx="600" cy="1189500"/>
           </a:xfrm>
           <a:prstGeom prst="straightConnector1">
@@ -10798,13 +11061,13 @@
       </p:cxnSp>
       <p:sp>
         <p:nvSpPr>
-          <p:cNvPr id="187" name="Google Shape;187;g7052abb337_0_0"/>
+          <p:cNvPr id="196" name="Google Shape;196;g7052abb337_0_0"/>
           <p:cNvSpPr txBox="1"/>
           <p:nvPr/>
         </p:nvSpPr>
         <p:spPr>
           <a:xfrm>
-            <a:off x="1667950" y="3200400"/>
+            <a:off x="274320" y="3200400"/>
             <a:ext cx="479700" cy="182100"/>
           </a:xfrm>
           <a:prstGeom prst="rect">
@@ -10841,24 +11104,32 @@
               <a:buNone/>
             </a:pPr>
             <a:r>
-              <a:rPr i="0" lang="en" sz="900" u="none" cap="none" strike="noStrike">
+              <a:rPr b="0" i="0" lang="en" sz="900" u="none" cap="none" strike="noStrike">
                 <a:solidFill>
                   <a:srgbClr val="000000"/>
                 </a:solidFill>
+                <a:latin typeface="Arial"/>
+                <a:ea typeface="Arial"/>
+                <a:cs typeface="Arial"/>
+                <a:sym typeface="Arial"/>
               </a:rPr>
               <a:t>develop</a:t>
             </a:r>
-            <a:endParaRPr i="0" sz="900" u="none" cap="none" strike="noStrike">
+            <a:endParaRPr b="0" i="0" sz="900" u="none" cap="none" strike="noStrike">
               <a:solidFill>
                 <a:srgbClr val="000000"/>
               </a:solidFill>
+              <a:latin typeface="Arial"/>
+              <a:ea typeface="Arial"/>
+              <a:cs typeface="Arial"/>
+              <a:sym typeface="Arial"/>
             </a:endParaRPr>
           </a:p>
         </p:txBody>
       </p:sp>
       <p:sp>
         <p:nvSpPr>
-          <p:cNvPr id="188" name="Google Shape;188;g7052abb337_0_0"/>
+          <p:cNvPr id="197" name="Google Shape;197;g7052abb337_0_0"/>
           <p:cNvSpPr txBox="1"/>
           <p:nvPr/>
         </p:nvSpPr>
@@ -10901,16 +11172,8 @@
               <a:buNone/>
             </a:pPr>
             <a:r>
-              <a:rPr b="0" i="0" lang="en" sz="1400" u="none" cap="none" strike="noStrike">
-                <a:solidFill>
-                  <a:srgbClr val="000000"/>
-                </a:solidFill>
-                <a:latin typeface="Arial"/>
-                <a:ea typeface="Arial"/>
-                <a:cs typeface="Arial"/>
-                <a:sym typeface="Arial"/>
-              </a:rPr>
-              <a:t>REBASE</a:t>
+              <a:rPr lang="en"/>
+              <a:t>5. Opdracht REBASE</a:t>
             </a:r>
             <a:endParaRPr b="0" i="0" sz="1400" u="none" cap="none" strike="noStrike">
               <a:solidFill>
@@ -10926,13 +11189,13 @@
       </p:sp>
       <p:sp>
         <p:nvSpPr>
-          <p:cNvPr id="189" name="Google Shape;189;g7052abb337_0_0"/>
+          <p:cNvPr id="198" name="Google Shape;198;g7052abb337_0_0"/>
           <p:cNvSpPr txBox="1"/>
           <p:nvPr/>
         </p:nvSpPr>
         <p:spPr>
           <a:xfrm>
-            <a:off x="3568700" y="2240275"/>
+            <a:off x="2175070" y="2240275"/>
             <a:ext cx="1688100" cy="274200"/>
           </a:xfrm>
           <a:prstGeom prst="rect">
@@ -10990,6 +11253,285 @@
           </a:p>
         </p:txBody>
       </p:sp>
+      <p:sp>
+        <p:nvSpPr>
+          <p:cNvPr id="199" name="Google Shape;199;g7052abb337_0_0"/>
+          <p:cNvSpPr txBox="1"/>
+          <p:nvPr/>
+        </p:nvSpPr>
+        <p:spPr>
+          <a:xfrm>
+            <a:off x="3961975" y="742875"/>
+            <a:ext cx="5181900" cy="3190800"/>
+          </a:xfrm>
+          <a:prstGeom prst="rect">
+            <a:avLst/>
+          </a:prstGeom>
+          <a:noFill/>
+          <a:ln>
+            <a:noFill/>
+          </a:ln>
+        </p:spPr>
+        <p:txBody>
+          <a:bodyPr anchorCtr="0" anchor="t" bIns="91425" lIns="91425" spcFirstLastPara="1" rIns="91425" wrap="square" tIns="91425">
+            <a:noAutofit/>
+          </a:bodyPr>
+          <a:lstStyle/>
+          <a:p>
+            <a:pPr indent="-330200" lvl="0" marL="457200" rtl="0" algn="l">
+              <a:spcBef>
+                <a:spcPts val="0"/>
+              </a:spcBef>
+              <a:spcAft>
+                <a:spcPts val="0"/>
+              </a:spcAft>
+              <a:buSzPts val="1600"/>
+              <a:buChar char="●"/>
+            </a:pPr>
+            <a:r>
+              <a:rPr lang="en" sz="1600"/>
+              <a:t>m</a:t>
+            </a:r>
+            <a:r>
+              <a:rPr lang="en" sz="1600"/>
+              <a:t>aak initial</a:t>
+            </a:r>
+            <a:r>
+              <a:rPr lang="en" sz="1600"/>
+              <a:t> commit</a:t>
+            </a:r>
+            <a:endParaRPr sz="1600"/>
+          </a:p>
+          <a:p>
+            <a:pPr indent="-330200" lvl="0" marL="457200" rtl="0" algn="l">
+              <a:spcBef>
+                <a:spcPts val="0"/>
+              </a:spcBef>
+              <a:spcAft>
+                <a:spcPts val="0"/>
+              </a:spcAft>
+              <a:buSzPts val="1600"/>
+              <a:buChar char="●"/>
+            </a:pPr>
+            <a:r>
+              <a:rPr lang="en" sz="1600"/>
+              <a:t>m</a:t>
+            </a:r>
+            <a:r>
+              <a:rPr lang="en" sz="1600"/>
+              <a:t>aak branch develop</a:t>
+            </a:r>
+            <a:endParaRPr sz="1600"/>
+          </a:p>
+          <a:p>
+            <a:pPr indent="-330200" lvl="0" marL="457200" rtl="0" algn="l">
+              <a:spcBef>
+                <a:spcPts val="0"/>
+              </a:spcBef>
+              <a:spcAft>
+                <a:spcPts val="0"/>
+              </a:spcAft>
+              <a:buSzPts val="1600"/>
+              <a:buChar char="●"/>
+            </a:pPr>
+            <a:r>
+              <a:rPr lang="en" sz="1600"/>
+              <a:t>c</a:t>
+            </a:r>
+            <a:r>
+              <a:rPr lang="en" sz="1600"/>
+              <a:t>heckout develop</a:t>
+            </a:r>
+            <a:endParaRPr sz="1600"/>
+          </a:p>
+          <a:p>
+            <a:pPr indent="-330200" lvl="0" marL="457200" rtl="0" algn="l">
+              <a:spcBef>
+                <a:spcPts val="0"/>
+              </a:spcBef>
+              <a:spcAft>
+                <a:spcPts val="0"/>
+              </a:spcAft>
+              <a:buClr>
+                <a:schemeClr val="dk1"/>
+              </a:buClr>
+              <a:buSzPts val="1600"/>
+              <a:buChar char="●"/>
+            </a:pPr>
+            <a:r>
+              <a:rPr lang="en" sz="1600">
+                <a:solidFill>
+                  <a:schemeClr val="dk1"/>
+                </a:solidFill>
+              </a:rPr>
+              <a:t>maak wijziging en commit</a:t>
+            </a:r>
+            <a:endParaRPr sz="1600">
+              <a:solidFill>
+                <a:schemeClr val="dk1"/>
+              </a:solidFill>
+            </a:endParaRPr>
+          </a:p>
+          <a:p>
+            <a:pPr indent="-330200" lvl="0" marL="457200" rtl="0" algn="l">
+              <a:spcBef>
+                <a:spcPts val="0"/>
+              </a:spcBef>
+              <a:spcAft>
+                <a:spcPts val="0"/>
+              </a:spcAft>
+              <a:buClr>
+                <a:schemeClr val="dk1"/>
+              </a:buClr>
+              <a:buSzPts val="1600"/>
+              <a:buChar char="●"/>
+            </a:pPr>
+            <a:r>
+              <a:rPr lang="en" sz="1600">
+                <a:solidFill>
+                  <a:schemeClr val="dk1"/>
+                </a:solidFill>
+              </a:rPr>
+              <a:t>maak wijziging en commit</a:t>
+            </a:r>
+            <a:endParaRPr sz="1600">
+              <a:solidFill>
+                <a:schemeClr val="dk1"/>
+              </a:solidFill>
+            </a:endParaRPr>
+          </a:p>
+          <a:p>
+            <a:pPr indent="-330200" lvl="0" marL="457200" rtl="0" algn="l">
+              <a:spcBef>
+                <a:spcPts val="0"/>
+              </a:spcBef>
+              <a:spcAft>
+                <a:spcPts val="0"/>
+              </a:spcAft>
+              <a:buSzPts val="1600"/>
+              <a:buChar char="●"/>
+            </a:pPr>
+            <a:r>
+              <a:rPr lang="en" sz="1600"/>
+              <a:t>checkout master</a:t>
+            </a:r>
+            <a:endParaRPr sz="1600"/>
+          </a:p>
+          <a:p>
+            <a:pPr indent="-330200" lvl="0" marL="457200" rtl="0" algn="l">
+              <a:spcBef>
+                <a:spcPts val="0"/>
+              </a:spcBef>
+              <a:spcAft>
+                <a:spcPts val="0"/>
+              </a:spcAft>
+              <a:buClr>
+                <a:schemeClr val="dk1"/>
+              </a:buClr>
+              <a:buSzPts val="1600"/>
+              <a:buChar char="●"/>
+            </a:pPr>
+            <a:r>
+              <a:rPr lang="en" sz="1600">
+                <a:solidFill>
+                  <a:schemeClr val="dk1"/>
+                </a:solidFill>
+              </a:rPr>
+              <a:t>maak wijziging en commit</a:t>
+            </a:r>
+            <a:endParaRPr sz="1600">
+              <a:solidFill>
+                <a:schemeClr val="dk1"/>
+              </a:solidFill>
+            </a:endParaRPr>
+          </a:p>
+          <a:p>
+            <a:pPr indent="-330200" lvl="0" marL="457200" rtl="0" algn="l">
+              <a:spcBef>
+                <a:spcPts val="0"/>
+              </a:spcBef>
+              <a:spcAft>
+                <a:spcPts val="0"/>
+              </a:spcAft>
+              <a:buSzPts val="1600"/>
+              <a:buChar char="●"/>
+            </a:pPr>
+            <a:r>
+              <a:rPr lang="en" sz="1600"/>
+              <a:t>checkout develop</a:t>
+            </a:r>
+            <a:endParaRPr sz="1600"/>
+          </a:p>
+          <a:p>
+            <a:pPr indent="-330200" lvl="0" marL="457200" rtl="0" algn="l">
+              <a:spcBef>
+                <a:spcPts val="0"/>
+              </a:spcBef>
+              <a:spcAft>
+                <a:spcPts val="0"/>
+              </a:spcAft>
+              <a:buSzPts val="1600"/>
+              <a:buChar char="●"/>
+            </a:pPr>
+            <a:r>
+              <a:rPr lang="en" sz="1600"/>
+              <a:t>rebase develop naar master</a:t>
+            </a:r>
+            <a:endParaRPr sz="1600"/>
+          </a:p>
+          <a:p>
+            <a:pPr indent="-330200" lvl="0" marL="457200" rtl="0" algn="l">
+              <a:spcBef>
+                <a:spcPts val="0"/>
+              </a:spcBef>
+              <a:spcAft>
+                <a:spcPts val="0"/>
+              </a:spcAft>
+              <a:buSzPts val="1600"/>
+              <a:buChar char="●"/>
+            </a:pPr>
+            <a:r>
+              <a:rPr lang="en" sz="1600"/>
+              <a:t>checkout master</a:t>
+            </a:r>
+            <a:endParaRPr sz="1600"/>
+          </a:p>
+          <a:p>
+            <a:pPr indent="-330200" lvl="0" marL="457200" rtl="0" algn="l">
+              <a:spcBef>
+                <a:spcPts val="0"/>
+              </a:spcBef>
+              <a:spcAft>
+                <a:spcPts val="0"/>
+              </a:spcAft>
+              <a:buSzPts val="1600"/>
+              <a:buChar char="●"/>
+            </a:pPr>
+            <a:r>
+              <a:rPr lang="en" sz="1600"/>
+              <a:t>rebase master naar develop(fast-forward)</a:t>
+            </a:r>
+            <a:endParaRPr sz="1600"/>
+          </a:p>
+          <a:p>
+            <a:pPr indent="-330200" lvl="0" marL="457200" rtl="0" algn="l">
+              <a:spcBef>
+                <a:spcPts val="0"/>
+              </a:spcBef>
+              <a:spcAft>
+                <a:spcPts val="0"/>
+              </a:spcAft>
+              <a:buSzPts val="1600"/>
+              <a:buChar char="●"/>
+            </a:pPr>
+            <a:r>
+              <a:rPr lang="en" sz="1600"/>
+              <a:t>delete develop</a:t>
+            </a:r>
+            <a:endParaRPr sz="1600"/>
+          </a:p>
+        </p:txBody>
+      </p:sp>
     </p:spTree>
   </p:cSld>
   <p:clrMapOvr>
@@ -11003,7 +11545,7 @@
   <p:cSld>
     <p:spTree>
       <p:nvGrpSpPr>
-        <p:cNvPr id="193" name="Shape 193"/>
+        <p:cNvPr id="203" name="Shape 203"/>
         <p:cNvGrpSpPr/>
         <p:nvPr/>
       </p:nvGrpSpPr>
@@ -11017,13 +11559,13 @@
       </p:grpSpPr>
       <p:sp>
         <p:nvSpPr>
-          <p:cNvPr id="194" name="Google Shape;194;p10"/>
+          <p:cNvPr id="204" name="Google Shape;204;p10"/>
           <p:cNvSpPr/>
           <p:nvPr/>
         </p:nvSpPr>
         <p:spPr>
           <a:xfrm>
-            <a:off x="2852450" y="914400"/>
+            <a:off x="1458820" y="914400"/>
             <a:ext cx="183000" cy="182100"/>
           </a:xfrm>
           <a:prstGeom prst="ellipse">
@@ -11082,13 +11624,13 @@
       </p:sp>
       <p:sp>
         <p:nvSpPr>
-          <p:cNvPr id="195" name="Google Shape;195;p10"/>
+          <p:cNvPr id="205" name="Google Shape;205;p10"/>
           <p:cNvSpPr/>
           <p:nvPr/>
         </p:nvSpPr>
         <p:spPr>
           <a:xfrm>
-            <a:off x="2852450" y="2789250"/>
+            <a:off x="1458820" y="2789250"/>
             <a:ext cx="183000" cy="182100"/>
           </a:xfrm>
           <a:prstGeom prst="ellipse">
@@ -11147,16 +11689,16 @@
       </p:sp>
       <p:cxnSp>
         <p:nvCxnSpPr>
-          <p:cNvPr id="196" name="Google Shape;196;p10"/>
+          <p:cNvPr id="206" name="Google Shape;206;p10"/>
           <p:cNvCxnSpPr>
-            <a:stCxn id="197" idx="4"/>
-            <a:endCxn id="195" idx="0"/>
+            <a:stCxn id="207" idx="4"/>
+            <a:endCxn id="205" idx="0"/>
           </p:cNvCxnSpPr>
           <p:nvPr/>
         </p:nvCxnSpPr>
         <p:spPr>
           <a:xfrm flipH="1">
-            <a:off x="2943828" y="2468100"/>
+            <a:off x="1550198" y="2468100"/>
             <a:ext cx="600" cy="321300"/>
           </a:xfrm>
           <a:prstGeom prst="straightConnector1">
@@ -11176,13 +11718,13 @@
       </p:cxnSp>
       <p:sp>
         <p:nvSpPr>
-          <p:cNvPr id="198" name="Google Shape;198;p10"/>
+          <p:cNvPr id="208" name="Google Shape;208;p10"/>
           <p:cNvSpPr txBox="1"/>
           <p:nvPr/>
         </p:nvSpPr>
         <p:spPr>
           <a:xfrm>
-            <a:off x="3568700" y="868350"/>
+            <a:off x="2175070" y="868350"/>
             <a:ext cx="1097400" cy="274200"/>
           </a:xfrm>
           <a:prstGeom prst="rect">
@@ -11242,13 +11784,13 @@
       </p:sp>
       <p:sp>
         <p:nvSpPr>
-          <p:cNvPr id="199" name="Google Shape;199;p10"/>
+          <p:cNvPr id="209" name="Google Shape;209;p10"/>
           <p:cNvSpPr/>
           <p:nvPr/>
         </p:nvSpPr>
         <p:spPr>
           <a:xfrm>
-            <a:off x="2852450" y="3246450"/>
+            <a:off x="1458820" y="3246450"/>
             <a:ext cx="183000" cy="182100"/>
           </a:xfrm>
           <a:prstGeom prst="ellipse">
@@ -11307,13 +11849,13 @@
       </p:sp>
       <p:sp>
         <p:nvSpPr>
-          <p:cNvPr id="200" name="Google Shape;200;p10"/>
+          <p:cNvPr id="210" name="Google Shape;210;p10"/>
           <p:cNvSpPr txBox="1"/>
           <p:nvPr/>
         </p:nvSpPr>
         <p:spPr>
           <a:xfrm>
-            <a:off x="3568700" y="2743200"/>
+            <a:off x="2175070" y="2743200"/>
             <a:ext cx="1097400" cy="274200"/>
           </a:xfrm>
           <a:prstGeom prst="rect">
@@ -11373,13 +11915,13 @@
       </p:sp>
       <p:sp>
         <p:nvSpPr>
-          <p:cNvPr id="201" name="Google Shape;201;p10"/>
+          <p:cNvPr id="211" name="Google Shape;211;p10"/>
           <p:cNvSpPr txBox="1"/>
           <p:nvPr/>
         </p:nvSpPr>
         <p:spPr>
           <a:xfrm>
-            <a:off x="3568700" y="3200400"/>
+            <a:off x="2175070" y="3200400"/>
             <a:ext cx="1097400" cy="274200"/>
           </a:xfrm>
           <a:prstGeom prst="rect">
@@ -11439,13 +11981,13 @@
       </p:sp>
       <p:sp>
         <p:nvSpPr>
-          <p:cNvPr id="202" name="Google Shape;202;p10"/>
+          <p:cNvPr id="212" name="Google Shape;212;p10"/>
           <p:cNvSpPr txBox="1"/>
           <p:nvPr/>
         </p:nvSpPr>
         <p:spPr>
           <a:xfrm>
-            <a:off x="2201350" y="3200400"/>
+            <a:off x="807720" y="3200400"/>
             <a:ext cx="479700" cy="182100"/>
           </a:xfrm>
           <a:prstGeom prst="rect">
@@ -11507,16 +12049,16 @@
       </p:sp>
       <p:cxnSp>
         <p:nvCxnSpPr>
-          <p:cNvPr id="203" name="Google Shape;203;p10"/>
+          <p:cNvPr id="213" name="Google Shape;213;p10"/>
           <p:cNvCxnSpPr>
-            <a:stCxn id="195" idx="4"/>
-            <a:endCxn id="199" idx="0"/>
+            <a:stCxn id="205" idx="4"/>
+            <a:endCxn id="209" idx="0"/>
           </p:cNvCxnSpPr>
           <p:nvPr/>
         </p:nvCxnSpPr>
         <p:spPr>
           <a:xfrm>
-            <a:off x="2943950" y="2971350"/>
+            <a:off x="1550320" y="2971350"/>
             <a:ext cx="0" cy="275100"/>
           </a:xfrm>
           <a:prstGeom prst="straightConnector1">
@@ -11536,13 +12078,13 @@
       </p:cxnSp>
       <p:sp>
         <p:nvSpPr>
-          <p:cNvPr id="197" name="Google Shape;197;p10"/>
+          <p:cNvPr id="207" name="Google Shape;207;p10"/>
           <p:cNvSpPr/>
           <p:nvPr/>
         </p:nvSpPr>
         <p:spPr>
           <a:xfrm>
-            <a:off x="2852928" y="2286000"/>
+            <a:off x="1459298" y="2286000"/>
             <a:ext cx="183000" cy="182100"/>
           </a:xfrm>
           <a:prstGeom prst="ellipse">
@@ -11601,16 +12143,16 @@
       </p:sp>
       <p:cxnSp>
         <p:nvCxnSpPr>
-          <p:cNvPr id="204" name="Google Shape;204;p10"/>
+          <p:cNvPr id="214" name="Google Shape;214;p10"/>
           <p:cNvCxnSpPr>
-            <a:stCxn id="194" idx="4"/>
-            <a:endCxn id="197" idx="0"/>
+            <a:stCxn id="204" idx="4"/>
+            <a:endCxn id="207" idx="0"/>
           </p:cNvCxnSpPr>
           <p:nvPr/>
         </p:nvCxnSpPr>
         <p:spPr>
           <a:xfrm>
-            <a:off x="2943950" y="1096500"/>
+            <a:off x="1550320" y="1096500"/>
             <a:ext cx="600" cy="1189500"/>
           </a:xfrm>
           <a:prstGeom prst="straightConnector1">
@@ -11630,13 +12172,13 @@
       </p:cxnSp>
       <p:sp>
         <p:nvSpPr>
-          <p:cNvPr id="205" name="Google Shape;205;p10"/>
+          <p:cNvPr id="215" name="Google Shape;215;p10"/>
           <p:cNvSpPr txBox="1"/>
           <p:nvPr/>
         </p:nvSpPr>
         <p:spPr>
           <a:xfrm>
-            <a:off x="1667950" y="3200400"/>
+            <a:off x="274320" y="3200400"/>
             <a:ext cx="479700" cy="182100"/>
           </a:xfrm>
           <a:prstGeom prst="rect">
@@ -11698,7 +12240,73 @@
       </p:sp>
       <p:sp>
         <p:nvSpPr>
-          <p:cNvPr id="206" name="Google Shape;206;p10"/>
+          <p:cNvPr id="216" name="Google Shape;216;p10"/>
+          <p:cNvSpPr txBox="1"/>
+          <p:nvPr/>
+        </p:nvSpPr>
+        <p:spPr>
+          <a:xfrm>
+            <a:off x="2175070" y="2240275"/>
+            <a:ext cx="1688100" cy="274200"/>
+          </a:xfrm>
+          <a:prstGeom prst="rect">
+            <a:avLst/>
+          </a:prstGeom>
+          <a:noFill/>
+          <a:ln>
+            <a:noFill/>
+          </a:ln>
+        </p:spPr>
+        <p:txBody>
+          <a:bodyPr anchorCtr="0" anchor="t" bIns="0" lIns="0" spcFirstLastPara="1" rIns="0" wrap="square" tIns="0">
+            <a:noAutofit/>
+          </a:bodyPr>
+          <a:lstStyle/>
+          <a:p>
+            <a:pPr indent="0" lvl="0" marL="0" marR="0" rtl="0" algn="l">
+              <a:lnSpc>
+                <a:spcPct val="100000"/>
+              </a:lnSpc>
+              <a:spcBef>
+                <a:spcPts val="0"/>
+              </a:spcBef>
+              <a:spcAft>
+                <a:spcPts val="0"/>
+              </a:spcAft>
+              <a:buClr>
+                <a:srgbClr val="000000"/>
+              </a:buClr>
+              <a:buSzPts val="1400"/>
+              <a:buFont typeface="Arial"/>
+              <a:buNone/>
+            </a:pPr>
+            <a:r>
+              <a:rPr b="0" i="0" lang="en" sz="1400" u="none" cap="none" strike="noStrike">
+                <a:solidFill>
+                  <a:srgbClr val="000000"/>
+                </a:solidFill>
+                <a:latin typeface="Arial"/>
+                <a:ea typeface="Arial"/>
+                <a:cs typeface="Arial"/>
+                <a:sym typeface="Arial"/>
+              </a:rPr>
+              <a:t>Wijziging op master</a:t>
+            </a:r>
+            <a:endParaRPr b="0" i="0" sz="1400" u="none" cap="none" strike="noStrike">
+              <a:solidFill>
+                <a:srgbClr val="000000"/>
+              </a:solidFill>
+              <a:latin typeface="Arial"/>
+              <a:ea typeface="Arial"/>
+              <a:cs typeface="Arial"/>
+              <a:sym typeface="Arial"/>
+            </a:endParaRPr>
+          </a:p>
+        </p:txBody>
+      </p:sp>
+      <p:sp>
+        <p:nvSpPr>
+          <p:cNvPr id="217" name="Google Shape;217;p10"/>
           <p:cNvSpPr txBox="1"/>
           <p:nvPr/>
         </p:nvSpPr>
@@ -11741,16 +12349,8 @@
               <a:buNone/>
             </a:pPr>
             <a:r>
-              <a:rPr b="0" i="0" lang="en" sz="1400" u="none" cap="none" strike="noStrike">
-                <a:solidFill>
-                  <a:srgbClr val="000000"/>
-                </a:solidFill>
-                <a:latin typeface="Arial"/>
-                <a:ea typeface="Arial"/>
-                <a:cs typeface="Arial"/>
-                <a:sym typeface="Arial"/>
-              </a:rPr>
-              <a:t>REBASE</a:t>
+              <a:rPr lang="en"/>
+              <a:t>5. Opdracht REBASE</a:t>
             </a:r>
             <a:endParaRPr b="0" i="0" sz="1400" u="none" cap="none" strike="noStrike">
               <a:solidFill>
@@ -11766,14 +12366,14 @@
       </p:sp>
       <p:sp>
         <p:nvSpPr>
-          <p:cNvPr id="207" name="Google Shape;207;p10"/>
+          <p:cNvPr id="218" name="Google Shape;218;p10"/>
           <p:cNvSpPr txBox="1"/>
           <p:nvPr/>
         </p:nvSpPr>
         <p:spPr>
           <a:xfrm>
-            <a:off x="3568700" y="2240275"/>
-            <a:ext cx="1688100" cy="274200"/>
+            <a:off x="3961975" y="742875"/>
+            <a:ext cx="5181900" cy="3190800"/>
           </a:xfrm>
           <a:prstGeom prst="rect">
             <a:avLst/>
@@ -11784,49 +12384,246 @@
           </a:ln>
         </p:spPr>
         <p:txBody>
-          <a:bodyPr anchorCtr="0" anchor="t" bIns="0" lIns="0" spcFirstLastPara="1" rIns="0" wrap="square" tIns="0">
+          <a:bodyPr anchorCtr="0" anchor="t" bIns="91425" lIns="91425" spcFirstLastPara="1" rIns="91425" wrap="square" tIns="91425">
             <a:noAutofit/>
           </a:bodyPr>
           <a:lstStyle/>
           <a:p>
-            <a:pPr indent="0" lvl="0" marL="0" marR="0" rtl="0" algn="l">
-              <a:lnSpc>
-                <a:spcPct val="100000"/>
-              </a:lnSpc>
-              <a:spcBef>
-                <a:spcPts val="0"/>
-              </a:spcBef>
-              <a:spcAft>
-                <a:spcPts val="0"/>
-              </a:spcAft>
-              <a:buClr>
-                <a:srgbClr val="000000"/>
-              </a:buClr>
-              <a:buSzPts val="1400"/>
-              <a:buFont typeface="Arial"/>
-              <a:buNone/>
-            </a:pPr>
-            <a:r>
-              <a:rPr b="0" i="0" lang="en" sz="1400" u="none" cap="none" strike="noStrike">
-                <a:solidFill>
-                  <a:srgbClr val="000000"/>
-                </a:solidFill>
-                <a:latin typeface="Arial"/>
-                <a:ea typeface="Arial"/>
-                <a:cs typeface="Arial"/>
-                <a:sym typeface="Arial"/>
+            <a:pPr indent="-330200" lvl="0" marL="457200" rtl="0" algn="l">
+              <a:spcBef>
+                <a:spcPts val="0"/>
+              </a:spcBef>
+              <a:spcAft>
+                <a:spcPts val="0"/>
+              </a:spcAft>
+              <a:buSzPts val="1600"/>
+              <a:buChar char="●"/>
+            </a:pPr>
+            <a:r>
+              <a:rPr lang="en" sz="1600"/>
+              <a:t>maak initial commit</a:t>
+            </a:r>
+            <a:endParaRPr sz="1600"/>
+          </a:p>
+          <a:p>
+            <a:pPr indent="-330200" lvl="0" marL="457200" rtl="0" algn="l">
+              <a:spcBef>
+                <a:spcPts val="0"/>
+              </a:spcBef>
+              <a:spcAft>
+                <a:spcPts val="0"/>
+              </a:spcAft>
+              <a:buSzPts val="1600"/>
+              <a:buChar char="●"/>
+            </a:pPr>
+            <a:r>
+              <a:rPr lang="en" sz="1600"/>
+              <a:t>maak branch develop</a:t>
+            </a:r>
+            <a:endParaRPr sz="1600"/>
+          </a:p>
+          <a:p>
+            <a:pPr indent="-330200" lvl="0" marL="457200" rtl="0" algn="l">
+              <a:spcBef>
+                <a:spcPts val="0"/>
+              </a:spcBef>
+              <a:spcAft>
+                <a:spcPts val="0"/>
+              </a:spcAft>
+              <a:buSzPts val="1600"/>
+              <a:buChar char="●"/>
+            </a:pPr>
+            <a:r>
+              <a:rPr lang="en" sz="1600"/>
+              <a:t>checkout develop</a:t>
+            </a:r>
+            <a:endParaRPr sz="1600"/>
+          </a:p>
+          <a:p>
+            <a:pPr indent="-330200" lvl="0" marL="457200" rtl="0" algn="l">
+              <a:spcBef>
+                <a:spcPts val="0"/>
+              </a:spcBef>
+              <a:spcAft>
+                <a:spcPts val="0"/>
+              </a:spcAft>
+              <a:buClr>
+                <a:schemeClr val="dk1"/>
+              </a:buClr>
+              <a:buSzPts val="1600"/>
+              <a:buChar char="●"/>
+            </a:pPr>
+            <a:r>
+              <a:rPr lang="en" sz="1600">
+                <a:solidFill>
+                  <a:schemeClr val="dk1"/>
+                </a:solidFill>
               </a:rPr>
-              <a:t>Wijziging op master</a:t>
-            </a:r>
-            <a:endParaRPr b="0" i="0" sz="1400" u="none" cap="none" strike="noStrike">
+              <a:t>maak wijziging en commit</a:t>
+            </a:r>
+            <a:endParaRPr sz="1600">
               <a:solidFill>
-                <a:srgbClr val="000000"/>
+                <a:schemeClr val="dk1"/>
               </a:solidFill>
-              <a:latin typeface="Arial"/>
-              <a:ea typeface="Arial"/>
-              <a:cs typeface="Arial"/>
-              <a:sym typeface="Arial"/>
             </a:endParaRPr>
+          </a:p>
+          <a:p>
+            <a:pPr indent="-330200" lvl="0" marL="457200" rtl="0" algn="l">
+              <a:spcBef>
+                <a:spcPts val="0"/>
+              </a:spcBef>
+              <a:spcAft>
+                <a:spcPts val="0"/>
+              </a:spcAft>
+              <a:buClr>
+                <a:schemeClr val="dk1"/>
+              </a:buClr>
+              <a:buSzPts val="1600"/>
+              <a:buChar char="●"/>
+            </a:pPr>
+            <a:r>
+              <a:rPr lang="en" sz="1600">
+                <a:solidFill>
+                  <a:schemeClr val="dk1"/>
+                </a:solidFill>
+              </a:rPr>
+              <a:t>maak wijziging en commit</a:t>
+            </a:r>
+            <a:endParaRPr sz="1600">
+              <a:solidFill>
+                <a:schemeClr val="dk1"/>
+              </a:solidFill>
+            </a:endParaRPr>
+          </a:p>
+          <a:p>
+            <a:pPr indent="-330200" lvl="0" marL="457200" rtl="0" algn="l">
+              <a:spcBef>
+                <a:spcPts val="0"/>
+              </a:spcBef>
+              <a:spcAft>
+                <a:spcPts val="0"/>
+              </a:spcAft>
+              <a:buSzPts val="1600"/>
+              <a:buChar char="●"/>
+            </a:pPr>
+            <a:r>
+              <a:rPr lang="en" sz="1600"/>
+              <a:t>checkout master</a:t>
+            </a:r>
+            <a:endParaRPr sz="1600"/>
+          </a:p>
+          <a:p>
+            <a:pPr indent="-330200" lvl="0" marL="457200" rtl="0" algn="l">
+              <a:spcBef>
+                <a:spcPts val="0"/>
+              </a:spcBef>
+              <a:spcAft>
+                <a:spcPts val="0"/>
+              </a:spcAft>
+              <a:buClr>
+                <a:schemeClr val="dk1"/>
+              </a:buClr>
+              <a:buSzPts val="1600"/>
+              <a:buChar char="●"/>
+            </a:pPr>
+            <a:r>
+              <a:rPr lang="en" sz="1600">
+                <a:solidFill>
+                  <a:schemeClr val="dk1"/>
+                </a:solidFill>
+              </a:rPr>
+              <a:t>maak wijziging en commit</a:t>
+            </a:r>
+            <a:endParaRPr sz="1600">
+              <a:solidFill>
+                <a:schemeClr val="dk1"/>
+              </a:solidFill>
+            </a:endParaRPr>
+          </a:p>
+          <a:p>
+            <a:pPr indent="-330200" lvl="0" marL="457200" rtl="0" algn="l">
+              <a:spcBef>
+                <a:spcPts val="0"/>
+              </a:spcBef>
+              <a:spcAft>
+                <a:spcPts val="0"/>
+              </a:spcAft>
+              <a:buSzPts val="1600"/>
+              <a:buChar char="●"/>
+            </a:pPr>
+            <a:r>
+              <a:rPr lang="en" sz="1600"/>
+              <a:t>checkout develop</a:t>
+            </a:r>
+            <a:endParaRPr sz="1600"/>
+          </a:p>
+          <a:p>
+            <a:pPr indent="-330200" lvl="0" marL="457200" rtl="0" algn="l">
+              <a:spcBef>
+                <a:spcPts val="0"/>
+              </a:spcBef>
+              <a:spcAft>
+                <a:spcPts val="0"/>
+              </a:spcAft>
+              <a:buSzPts val="1600"/>
+              <a:buChar char="●"/>
+            </a:pPr>
+            <a:r>
+              <a:rPr lang="en" sz="1600"/>
+              <a:t>rebase develop naar master</a:t>
+            </a:r>
+            <a:endParaRPr sz="1600"/>
+          </a:p>
+          <a:p>
+            <a:pPr indent="-330200" lvl="0" marL="457200" rtl="0" algn="l">
+              <a:spcBef>
+                <a:spcPts val="0"/>
+              </a:spcBef>
+              <a:spcAft>
+                <a:spcPts val="0"/>
+              </a:spcAft>
+              <a:buSzPts val="1600"/>
+              <a:buChar char="●"/>
+            </a:pPr>
+            <a:r>
+              <a:rPr lang="en" sz="1600"/>
+              <a:t>checkout master</a:t>
+            </a:r>
+            <a:endParaRPr sz="1600"/>
+          </a:p>
+          <a:p>
+            <a:pPr indent="-330200" lvl="0" marL="457200" rtl="0" algn="l">
+              <a:spcBef>
+                <a:spcPts val="0"/>
+              </a:spcBef>
+              <a:spcAft>
+                <a:spcPts val="0"/>
+              </a:spcAft>
+              <a:buSzPts val="1600"/>
+              <a:buChar char="●"/>
+            </a:pPr>
+            <a:r>
+              <a:rPr lang="en" sz="1600"/>
+              <a:t>rebase master naar develop(fast-forward)</a:t>
+            </a:r>
+            <a:endParaRPr sz="1600"/>
+          </a:p>
+          <a:p>
+            <a:pPr indent="-330200" lvl="0" marL="457200" rtl="0" algn="l">
+              <a:spcBef>
+                <a:spcPts val="0"/>
+              </a:spcBef>
+              <a:spcAft>
+                <a:spcPts val="0"/>
+              </a:spcAft>
+              <a:buSzPts val="1600"/>
+              <a:buChar char="●"/>
+            </a:pPr>
+            <a:r>
+              <a:rPr lang="en" sz="1600"/>
+              <a:t>delete develop</a:t>
+            </a:r>
+            <a:endParaRPr sz="1600"/>
           </a:p>
         </p:txBody>
       </p:sp>
@@ -11843,7 +12640,7 @@
   <p:cSld>
     <p:spTree>
       <p:nvGrpSpPr>
-        <p:cNvPr id="211" name="Shape 211"/>
+        <p:cNvPr id="222" name="Shape 222"/>
         <p:cNvGrpSpPr/>
         <p:nvPr/>
       </p:nvGrpSpPr>
@@ -11857,13 +12654,13 @@
       </p:grpSpPr>
       <p:sp>
         <p:nvSpPr>
-          <p:cNvPr id="212" name="Google Shape;212;p11"/>
+          <p:cNvPr id="223" name="Google Shape;223;p11"/>
           <p:cNvSpPr/>
           <p:nvPr/>
         </p:nvSpPr>
         <p:spPr>
           <a:xfrm>
-            <a:off x="2852450" y="914400"/>
+            <a:off x="1455772" y="914400"/>
             <a:ext cx="183000" cy="182100"/>
           </a:xfrm>
           <a:prstGeom prst="ellipse">
@@ -11922,13 +12719,13 @@
       </p:sp>
       <p:sp>
         <p:nvSpPr>
-          <p:cNvPr id="213" name="Google Shape;213;p11"/>
+          <p:cNvPr id="224" name="Google Shape;224;p11"/>
           <p:cNvSpPr/>
           <p:nvPr/>
         </p:nvSpPr>
         <p:spPr>
           <a:xfrm>
-            <a:off x="2852450" y="2789250"/>
+            <a:off x="1455772" y="2789250"/>
             <a:ext cx="183000" cy="182100"/>
           </a:xfrm>
           <a:prstGeom prst="ellipse">
@@ -11987,16 +12784,16 @@
       </p:sp>
       <p:cxnSp>
         <p:nvCxnSpPr>
-          <p:cNvPr id="214" name="Google Shape;214;p11"/>
+          <p:cNvPr id="225" name="Google Shape;225;p11"/>
           <p:cNvCxnSpPr>
-            <a:stCxn id="215" idx="4"/>
-            <a:endCxn id="213" idx="0"/>
+            <a:stCxn id="226" idx="4"/>
+            <a:endCxn id="224" idx="0"/>
           </p:cNvCxnSpPr>
           <p:nvPr/>
         </p:nvCxnSpPr>
         <p:spPr>
           <a:xfrm flipH="1">
-            <a:off x="2943828" y="2468100"/>
+            <a:off x="1547150" y="2468100"/>
             <a:ext cx="600" cy="321300"/>
           </a:xfrm>
           <a:prstGeom prst="straightConnector1">
@@ -12016,13 +12813,13 @@
       </p:cxnSp>
       <p:sp>
         <p:nvSpPr>
-          <p:cNvPr id="216" name="Google Shape;216;p11"/>
+          <p:cNvPr id="227" name="Google Shape;227;p11"/>
           <p:cNvSpPr txBox="1"/>
           <p:nvPr/>
         </p:nvSpPr>
         <p:spPr>
           <a:xfrm>
-            <a:off x="3568700" y="868350"/>
+            <a:off x="2172022" y="868350"/>
             <a:ext cx="1097400" cy="274200"/>
           </a:xfrm>
           <a:prstGeom prst="rect">
@@ -12082,13 +12879,13 @@
       </p:sp>
       <p:sp>
         <p:nvSpPr>
-          <p:cNvPr id="217" name="Google Shape;217;p11"/>
+          <p:cNvPr id="228" name="Google Shape;228;p11"/>
           <p:cNvSpPr/>
           <p:nvPr/>
         </p:nvSpPr>
         <p:spPr>
           <a:xfrm>
-            <a:off x="2852450" y="3246450"/>
+            <a:off x="1455772" y="3246450"/>
             <a:ext cx="183000" cy="182100"/>
           </a:xfrm>
           <a:prstGeom prst="ellipse">
@@ -12147,13 +12944,13 @@
       </p:sp>
       <p:sp>
         <p:nvSpPr>
-          <p:cNvPr id="218" name="Google Shape;218;p11"/>
+          <p:cNvPr id="229" name="Google Shape;229;p11"/>
           <p:cNvSpPr txBox="1"/>
           <p:nvPr/>
         </p:nvSpPr>
         <p:spPr>
           <a:xfrm>
-            <a:off x="3568700" y="2743200"/>
+            <a:off x="2172022" y="2743200"/>
             <a:ext cx="1097400" cy="274200"/>
           </a:xfrm>
           <a:prstGeom prst="rect">
@@ -12213,13 +13010,13 @@
       </p:sp>
       <p:sp>
         <p:nvSpPr>
-          <p:cNvPr id="219" name="Google Shape;219;p11"/>
+          <p:cNvPr id="230" name="Google Shape;230;p11"/>
           <p:cNvSpPr txBox="1"/>
           <p:nvPr/>
         </p:nvSpPr>
         <p:spPr>
           <a:xfrm>
-            <a:off x="3568700" y="3200400"/>
+            <a:off x="2172022" y="3200400"/>
             <a:ext cx="1097400" cy="274200"/>
           </a:xfrm>
           <a:prstGeom prst="rect">
@@ -12279,13 +13076,13 @@
       </p:sp>
       <p:sp>
         <p:nvSpPr>
-          <p:cNvPr id="220" name="Google Shape;220;p11"/>
+          <p:cNvPr id="231" name="Google Shape;231;p11"/>
           <p:cNvSpPr txBox="1"/>
           <p:nvPr/>
         </p:nvSpPr>
         <p:spPr>
           <a:xfrm>
-            <a:off x="2201350" y="3200400"/>
+            <a:off x="804672" y="3200400"/>
             <a:ext cx="479700" cy="182100"/>
           </a:xfrm>
           <a:prstGeom prst="rect">
@@ -12347,16 +13144,16 @@
       </p:sp>
       <p:cxnSp>
         <p:nvCxnSpPr>
-          <p:cNvPr id="221" name="Google Shape;221;p11"/>
+          <p:cNvPr id="232" name="Google Shape;232;p11"/>
           <p:cNvCxnSpPr>
-            <a:stCxn id="213" idx="4"/>
-            <a:endCxn id="217" idx="0"/>
+            <a:stCxn id="224" idx="4"/>
+            <a:endCxn id="228" idx="0"/>
           </p:cNvCxnSpPr>
           <p:nvPr/>
         </p:nvCxnSpPr>
         <p:spPr>
           <a:xfrm>
-            <a:off x="2943950" y="2971350"/>
+            <a:off x="1547272" y="2971350"/>
             <a:ext cx="0" cy="275100"/>
           </a:xfrm>
           <a:prstGeom prst="straightConnector1">
@@ -12376,13 +13173,13 @@
       </p:cxnSp>
       <p:sp>
         <p:nvSpPr>
-          <p:cNvPr id="215" name="Google Shape;215;p11"/>
+          <p:cNvPr id="226" name="Google Shape;226;p11"/>
           <p:cNvSpPr/>
           <p:nvPr/>
         </p:nvSpPr>
         <p:spPr>
           <a:xfrm>
-            <a:off x="2852928" y="2286000"/>
+            <a:off x="1456250" y="2286000"/>
             <a:ext cx="183000" cy="182100"/>
           </a:xfrm>
           <a:prstGeom prst="ellipse">
@@ -12441,16 +13238,16 @@
       </p:sp>
       <p:cxnSp>
         <p:nvCxnSpPr>
-          <p:cNvPr id="222" name="Google Shape;222;p11"/>
+          <p:cNvPr id="233" name="Google Shape;233;p11"/>
           <p:cNvCxnSpPr>
-            <a:stCxn id="212" idx="4"/>
-            <a:endCxn id="215" idx="0"/>
+            <a:stCxn id="223" idx="4"/>
+            <a:endCxn id="226" idx="0"/>
           </p:cNvCxnSpPr>
           <p:nvPr/>
         </p:nvCxnSpPr>
         <p:spPr>
           <a:xfrm>
-            <a:off x="2943950" y="1096500"/>
+            <a:off x="1547272" y="1096500"/>
             <a:ext cx="600" cy="1189500"/>
           </a:xfrm>
           <a:prstGeom prst="straightConnector1">
@@ -12470,13 +13267,13 @@
       </p:cxnSp>
       <p:sp>
         <p:nvSpPr>
-          <p:cNvPr id="223" name="Google Shape;223;p11"/>
+          <p:cNvPr id="234" name="Google Shape;234;p11"/>
           <p:cNvSpPr txBox="1"/>
           <p:nvPr/>
         </p:nvSpPr>
         <p:spPr>
           <a:xfrm>
-            <a:off x="3568700" y="2240275"/>
+            <a:off x="2172022" y="2240275"/>
             <a:ext cx="1688100" cy="274200"/>
           </a:xfrm>
           <a:prstGeom prst="rect">
@@ -12536,7 +13333,7 @@
       </p:sp>
       <p:sp>
         <p:nvSpPr>
-          <p:cNvPr id="224" name="Google Shape;224;p11"/>
+          <p:cNvPr id="235" name="Google Shape;235;p11"/>
           <p:cNvSpPr txBox="1"/>
           <p:nvPr/>
         </p:nvSpPr>
@@ -12579,16 +13376,8 @@
               <a:buNone/>
             </a:pPr>
             <a:r>
-              <a:rPr b="0" i="0" lang="en" sz="1400" u="none" cap="none" strike="noStrike">
-                <a:solidFill>
-                  <a:srgbClr val="000000"/>
-                </a:solidFill>
-                <a:latin typeface="Arial"/>
-                <a:ea typeface="Arial"/>
-                <a:cs typeface="Arial"/>
-                <a:sym typeface="Arial"/>
-              </a:rPr>
-              <a:t>REBASE</a:t>
+              <a:rPr lang="en"/>
+              <a:t>5. Opdracht REBASE</a:t>
             </a:r>
             <a:endParaRPr b="0" i="0" sz="1400" u="none" cap="none" strike="noStrike">
               <a:solidFill>
@@ -12599,6 +13388,269 @@
               <a:cs typeface="Arial"/>
               <a:sym typeface="Arial"/>
             </a:endParaRPr>
+          </a:p>
+        </p:txBody>
+      </p:sp>
+      <p:sp>
+        <p:nvSpPr>
+          <p:cNvPr id="236" name="Google Shape;236;p11"/>
+          <p:cNvSpPr txBox="1"/>
+          <p:nvPr/>
+        </p:nvSpPr>
+        <p:spPr>
+          <a:xfrm>
+            <a:off x="3961975" y="742875"/>
+            <a:ext cx="5181900" cy="3190800"/>
+          </a:xfrm>
+          <a:prstGeom prst="rect">
+            <a:avLst/>
+          </a:prstGeom>
+          <a:noFill/>
+          <a:ln>
+            <a:noFill/>
+          </a:ln>
+        </p:spPr>
+        <p:txBody>
+          <a:bodyPr anchorCtr="0" anchor="t" bIns="91425" lIns="91425" spcFirstLastPara="1" rIns="91425" wrap="square" tIns="91425">
+            <a:noAutofit/>
+          </a:bodyPr>
+          <a:lstStyle/>
+          <a:p>
+            <a:pPr indent="-330200" lvl="0" marL="457200" rtl="0" algn="l">
+              <a:spcBef>
+                <a:spcPts val="0"/>
+              </a:spcBef>
+              <a:spcAft>
+                <a:spcPts val="0"/>
+              </a:spcAft>
+              <a:buSzPts val="1600"/>
+              <a:buChar char="●"/>
+            </a:pPr>
+            <a:r>
+              <a:rPr lang="en" sz="1600"/>
+              <a:t>maak initial commit</a:t>
+            </a:r>
+            <a:endParaRPr sz="1600"/>
+          </a:p>
+          <a:p>
+            <a:pPr indent="-330200" lvl="0" marL="457200" rtl="0" algn="l">
+              <a:spcBef>
+                <a:spcPts val="0"/>
+              </a:spcBef>
+              <a:spcAft>
+                <a:spcPts val="0"/>
+              </a:spcAft>
+              <a:buSzPts val="1600"/>
+              <a:buChar char="●"/>
+            </a:pPr>
+            <a:r>
+              <a:rPr lang="en" sz="1600"/>
+              <a:t>maak branch develop</a:t>
+            </a:r>
+            <a:endParaRPr sz="1600"/>
+          </a:p>
+          <a:p>
+            <a:pPr indent="-330200" lvl="0" marL="457200" rtl="0" algn="l">
+              <a:spcBef>
+                <a:spcPts val="0"/>
+              </a:spcBef>
+              <a:spcAft>
+                <a:spcPts val="0"/>
+              </a:spcAft>
+              <a:buSzPts val="1600"/>
+              <a:buChar char="●"/>
+            </a:pPr>
+            <a:r>
+              <a:rPr lang="en" sz="1600"/>
+              <a:t>checkout develop</a:t>
+            </a:r>
+            <a:endParaRPr sz="1600"/>
+          </a:p>
+          <a:p>
+            <a:pPr indent="-330200" lvl="0" marL="457200" rtl="0" algn="l">
+              <a:spcBef>
+                <a:spcPts val="0"/>
+              </a:spcBef>
+              <a:spcAft>
+                <a:spcPts val="0"/>
+              </a:spcAft>
+              <a:buClr>
+                <a:schemeClr val="dk1"/>
+              </a:buClr>
+              <a:buSzPts val="1600"/>
+              <a:buChar char="●"/>
+            </a:pPr>
+            <a:r>
+              <a:rPr lang="en" sz="1600">
+                <a:solidFill>
+                  <a:schemeClr val="dk1"/>
+                </a:solidFill>
+              </a:rPr>
+              <a:t>maak wijziging en commit</a:t>
+            </a:r>
+            <a:endParaRPr sz="1600">
+              <a:solidFill>
+                <a:schemeClr val="dk1"/>
+              </a:solidFill>
+            </a:endParaRPr>
+          </a:p>
+          <a:p>
+            <a:pPr indent="-330200" lvl="0" marL="457200" rtl="0" algn="l">
+              <a:spcBef>
+                <a:spcPts val="0"/>
+              </a:spcBef>
+              <a:spcAft>
+                <a:spcPts val="0"/>
+              </a:spcAft>
+              <a:buClr>
+                <a:schemeClr val="dk1"/>
+              </a:buClr>
+              <a:buSzPts val="1600"/>
+              <a:buChar char="●"/>
+            </a:pPr>
+            <a:r>
+              <a:rPr lang="en" sz="1600">
+                <a:solidFill>
+                  <a:schemeClr val="dk1"/>
+                </a:solidFill>
+              </a:rPr>
+              <a:t>maak wijziging en commit</a:t>
+            </a:r>
+            <a:endParaRPr sz="1600">
+              <a:solidFill>
+                <a:schemeClr val="dk1"/>
+              </a:solidFill>
+            </a:endParaRPr>
+          </a:p>
+          <a:p>
+            <a:pPr indent="-330200" lvl="0" marL="457200" rtl="0" algn="l">
+              <a:spcBef>
+                <a:spcPts val="0"/>
+              </a:spcBef>
+              <a:spcAft>
+                <a:spcPts val="0"/>
+              </a:spcAft>
+              <a:buSzPts val="1600"/>
+              <a:buChar char="●"/>
+            </a:pPr>
+            <a:r>
+              <a:rPr lang="en" sz="1600"/>
+              <a:t>checkout master</a:t>
+            </a:r>
+            <a:endParaRPr sz="1600"/>
+          </a:p>
+          <a:p>
+            <a:pPr indent="-330200" lvl="0" marL="457200" rtl="0" algn="l">
+              <a:spcBef>
+                <a:spcPts val="0"/>
+              </a:spcBef>
+              <a:spcAft>
+                <a:spcPts val="0"/>
+              </a:spcAft>
+              <a:buClr>
+                <a:schemeClr val="dk1"/>
+              </a:buClr>
+              <a:buSzPts val="1600"/>
+              <a:buChar char="●"/>
+            </a:pPr>
+            <a:r>
+              <a:rPr lang="en" sz="1600">
+                <a:solidFill>
+                  <a:schemeClr val="dk1"/>
+                </a:solidFill>
+              </a:rPr>
+              <a:t>maak wijziging en commit</a:t>
+            </a:r>
+            <a:endParaRPr sz="1600">
+              <a:solidFill>
+                <a:schemeClr val="dk1"/>
+              </a:solidFill>
+            </a:endParaRPr>
+          </a:p>
+          <a:p>
+            <a:pPr indent="-330200" lvl="0" marL="457200" rtl="0" algn="l">
+              <a:spcBef>
+                <a:spcPts val="0"/>
+              </a:spcBef>
+              <a:spcAft>
+                <a:spcPts val="0"/>
+              </a:spcAft>
+              <a:buSzPts val="1600"/>
+              <a:buChar char="●"/>
+            </a:pPr>
+            <a:r>
+              <a:rPr lang="en" sz="1600"/>
+              <a:t>checkout develop</a:t>
+            </a:r>
+            <a:endParaRPr sz="1600"/>
+          </a:p>
+          <a:p>
+            <a:pPr indent="-330200" lvl="0" marL="457200" rtl="0" algn="l">
+              <a:spcBef>
+                <a:spcPts val="0"/>
+              </a:spcBef>
+              <a:spcAft>
+                <a:spcPts val="0"/>
+              </a:spcAft>
+              <a:buSzPts val="1600"/>
+              <a:buChar char="●"/>
+            </a:pPr>
+            <a:r>
+              <a:rPr lang="en" sz="1600"/>
+              <a:t>rebase develop naar master</a:t>
+            </a:r>
+            <a:endParaRPr sz="1600"/>
+          </a:p>
+          <a:p>
+            <a:pPr indent="-330200" lvl="0" marL="457200" rtl="0" algn="l">
+              <a:spcBef>
+                <a:spcPts val="0"/>
+              </a:spcBef>
+              <a:spcAft>
+                <a:spcPts val="0"/>
+              </a:spcAft>
+              <a:buSzPts val="1600"/>
+              <a:buChar char="●"/>
+            </a:pPr>
+            <a:r>
+              <a:rPr lang="en" sz="1600"/>
+              <a:t>checkout master</a:t>
+            </a:r>
+            <a:endParaRPr sz="1600"/>
+          </a:p>
+          <a:p>
+            <a:pPr indent="-330200" lvl="0" marL="457200" rtl="0" algn="l">
+              <a:spcBef>
+                <a:spcPts val="0"/>
+              </a:spcBef>
+              <a:spcAft>
+                <a:spcPts val="0"/>
+              </a:spcAft>
+              <a:buSzPts val="1600"/>
+              <a:buChar char="●"/>
+            </a:pPr>
+            <a:r>
+              <a:rPr lang="en" sz="1600"/>
+              <a:t>rebase master naar develop(fast-forward)</a:t>
+            </a:r>
+            <a:endParaRPr sz="1600"/>
+          </a:p>
+          <a:p>
+            <a:pPr indent="-330200" lvl="0" marL="457200" rtl="0" algn="l">
+              <a:spcBef>
+                <a:spcPts val="0"/>
+              </a:spcBef>
+              <a:spcAft>
+                <a:spcPts val="0"/>
+              </a:spcAft>
+              <a:buSzPts val="1600"/>
+              <a:buChar char="●"/>
+            </a:pPr>
+            <a:r>
+              <a:rPr lang="en" sz="1600"/>
+              <a:t>delete develop</a:t>
+            </a:r>
+            <a:endParaRPr sz="1600"/>
           </a:p>
         </p:txBody>
       </p:sp>
@@ -12615,7 +13667,7 @@
   <p:cSld>
     <p:spTree>
       <p:nvGrpSpPr>
-        <p:cNvPr id="61" name="Shape 61"/>
+        <p:cNvPr id="62" name="Shape 62"/>
         <p:cNvGrpSpPr/>
         <p:nvPr/>
       </p:nvGrpSpPr>
@@ -12629,13 +13681,13 @@
       </p:grpSpPr>
       <p:sp>
         <p:nvSpPr>
-          <p:cNvPr id="62" name="Google Shape;62;p2"/>
+          <p:cNvPr id="63" name="Google Shape;63;p2"/>
           <p:cNvSpPr/>
           <p:nvPr/>
         </p:nvSpPr>
         <p:spPr>
           <a:xfrm>
-            <a:off x="2852450" y="914400"/>
+            <a:off x="1458820" y="914400"/>
             <a:ext cx="183000" cy="182100"/>
           </a:xfrm>
           <a:prstGeom prst="ellipse">
@@ -12694,13 +13746,13 @@
       </p:sp>
       <p:sp>
         <p:nvSpPr>
-          <p:cNvPr id="63" name="Google Shape;63;p2"/>
+          <p:cNvPr id="64" name="Google Shape;64;p2"/>
           <p:cNvSpPr txBox="1"/>
           <p:nvPr/>
         </p:nvSpPr>
         <p:spPr>
           <a:xfrm>
-            <a:off x="3568700" y="868350"/>
+            <a:off x="2175070" y="868350"/>
             <a:ext cx="1097400" cy="274200"/>
           </a:xfrm>
           <a:prstGeom prst="rect">
@@ -12760,13 +13812,13 @@
       </p:sp>
       <p:sp>
         <p:nvSpPr>
-          <p:cNvPr id="64" name="Google Shape;64;p2"/>
+          <p:cNvPr id="65" name="Google Shape;65;p2"/>
           <p:cNvSpPr txBox="1"/>
           <p:nvPr/>
         </p:nvSpPr>
         <p:spPr>
           <a:xfrm>
-            <a:off x="2201350" y="914400"/>
+            <a:off x="807720" y="914400"/>
             <a:ext cx="479700" cy="182100"/>
           </a:xfrm>
           <a:prstGeom prst="rect">
@@ -12828,13 +13880,13 @@
       </p:sp>
       <p:sp>
         <p:nvSpPr>
-          <p:cNvPr id="65" name="Google Shape;65;p2"/>
+          <p:cNvPr id="66" name="Google Shape;66;p2"/>
           <p:cNvSpPr txBox="1"/>
           <p:nvPr/>
         </p:nvSpPr>
         <p:spPr>
           <a:xfrm>
-            <a:off x="1667950" y="914400"/>
+            <a:off x="274320" y="914400"/>
             <a:ext cx="479700" cy="182100"/>
           </a:xfrm>
           <a:prstGeom prst="rect">
@@ -12896,7 +13948,7 @@
       </p:sp>
       <p:sp>
         <p:nvSpPr>
-          <p:cNvPr id="66" name="Google Shape;66;p2"/>
+          <p:cNvPr id="67" name="Google Shape;67;p2"/>
           <p:cNvSpPr txBox="1"/>
           <p:nvPr/>
         </p:nvSpPr>
@@ -12939,16 +13991,8 @@
               <a:buNone/>
             </a:pPr>
             <a:r>
-              <a:rPr b="0" i="0" lang="en" sz="1400" u="none" cap="none" strike="noStrike">
-                <a:solidFill>
-                  <a:srgbClr val="000000"/>
-                </a:solidFill>
-                <a:latin typeface="Arial"/>
-                <a:ea typeface="Arial"/>
-                <a:cs typeface="Arial"/>
-                <a:sym typeface="Arial"/>
-              </a:rPr>
-              <a:t>REBASE</a:t>
+              <a:rPr lang="en"/>
+              <a:t>5. Opdracht REBASE</a:t>
             </a:r>
             <a:endParaRPr b="0" i="0" sz="1400" u="none" cap="none" strike="noStrike">
               <a:solidFill>
@@ -12959,6 +14003,269 @@
               <a:cs typeface="Arial"/>
               <a:sym typeface="Arial"/>
             </a:endParaRPr>
+          </a:p>
+        </p:txBody>
+      </p:sp>
+      <p:sp>
+        <p:nvSpPr>
+          <p:cNvPr id="68" name="Google Shape;68;p2"/>
+          <p:cNvSpPr txBox="1"/>
+          <p:nvPr/>
+        </p:nvSpPr>
+        <p:spPr>
+          <a:xfrm>
+            <a:off x="3961975" y="742875"/>
+            <a:ext cx="5181900" cy="3190800"/>
+          </a:xfrm>
+          <a:prstGeom prst="rect">
+            <a:avLst/>
+          </a:prstGeom>
+          <a:noFill/>
+          <a:ln>
+            <a:noFill/>
+          </a:ln>
+        </p:spPr>
+        <p:txBody>
+          <a:bodyPr anchorCtr="0" anchor="t" bIns="91425" lIns="91425" spcFirstLastPara="1" rIns="91425" wrap="square" tIns="91425">
+            <a:noAutofit/>
+          </a:bodyPr>
+          <a:lstStyle/>
+          <a:p>
+            <a:pPr indent="-330200" lvl="0" marL="457200" rtl="0" algn="l">
+              <a:spcBef>
+                <a:spcPts val="0"/>
+              </a:spcBef>
+              <a:spcAft>
+                <a:spcPts val="0"/>
+              </a:spcAft>
+              <a:buSzPts val="1600"/>
+              <a:buChar char="●"/>
+            </a:pPr>
+            <a:r>
+              <a:rPr lang="en" sz="1600"/>
+              <a:t>maak initial commit</a:t>
+            </a:r>
+            <a:endParaRPr sz="1600"/>
+          </a:p>
+          <a:p>
+            <a:pPr indent="-330200" lvl="0" marL="457200" rtl="0" algn="l">
+              <a:spcBef>
+                <a:spcPts val="0"/>
+              </a:spcBef>
+              <a:spcAft>
+                <a:spcPts val="0"/>
+              </a:spcAft>
+              <a:buSzPts val="1600"/>
+              <a:buChar char="●"/>
+            </a:pPr>
+            <a:r>
+              <a:rPr lang="en" sz="1600"/>
+              <a:t>maak branch develop</a:t>
+            </a:r>
+            <a:endParaRPr sz="1600"/>
+          </a:p>
+          <a:p>
+            <a:pPr indent="-330200" lvl="0" marL="457200" rtl="0" algn="l">
+              <a:spcBef>
+                <a:spcPts val="0"/>
+              </a:spcBef>
+              <a:spcAft>
+                <a:spcPts val="0"/>
+              </a:spcAft>
+              <a:buSzPts val="1600"/>
+              <a:buChar char="●"/>
+            </a:pPr>
+            <a:r>
+              <a:rPr lang="en" sz="1600"/>
+              <a:t>checkout develop</a:t>
+            </a:r>
+            <a:endParaRPr sz="1600"/>
+          </a:p>
+          <a:p>
+            <a:pPr indent="-330200" lvl="0" marL="457200" rtl="0" algn="l">
+              <a:spcBef>
+                <a:spcPts val="0"/>
+              </a:spcBef>
+              <a:spcAft>
+                <a:spcPts val="0"/>
+              </a:spcAft>
+              <a:buClr>
+                <a:schemeClr val="dk1"/>
+              </a:buClr>
+              <a:buSzPts val="1600"/>
+              <a:buChar char="●"/>
+            </a:pPr>
+            <a:r>
+              <a:rPr lang="en" sz="1600">
+                <a:solidFill>
+                  <a:schemeClr val="dk1"/>
+                </a:solidFill>
+              </a:rPr>
+              <a:t>maak wijziging en commit</a:t>
+            </a:r>
+            <a:endParaRPr sz="1600">
+              <a:solidFill>
+                <a:schemeClr val="dk1"/>
+              </a:solidFill>
+            </a:endParaRPr>
+          </a:p>
+          <a:p>
+            <a:pPr indent="-330200" lvl="0" marL="457200" rtl="0" algn="l">
+              <a:spcBef>
+                <a:spcPts val="0"/>
+              </a:spcBef>
+              <a:spcAft>
+                <a:spcPts val="0"/>
+              </a:spcAft>
+              <a:buClr>
+                <a:schemeClr val="dk1"/>
+              </a:buClr>
+              <a:buSzPts val="1600"/>
+              <a:buChar char="●"/>
+            </a:pPr>
+            <a:r>
+              <a:rPr lang="en" sz="1600">
+                <a:solidFill>
+                  <a:schemeClr val="dk1"/>
+                </a:solidFill>
+              </a:rPr>
+              <a:t>maak wijziging en commit</a:t>
+            </a:r>
+            <a:endParaRPr sz="1600">
+              <a:solidFill>
+                <a:schemeClr val="dk1"/>
+              </a:solidFill>
+            </a:endParaRPr>
+          </a:p>
+          <a:p>
+            <a:pPr indent="-330200" lvl="0" marL="457200" rtl="0" algn="l">
+              <a:spcBef>
+                <a:spcPts val="0"/>
+              </a:spcBef>
+              <a:spcAft>
+                <a:spcPts val="0"/>
+              </a:spcAft>
+              <a:buSzPts val="1600"/>
+              <a:buChar char="●"/>
+            </a:pPr>
+            <a:r>
+              <a:rPr lang="en" sz="1600"/>
+              <a:t>checkout master</a:t>
+            </a:r>
+            <a:endParaRPr sz="1600"/>
+          </a:p>
+          <a:p>
+            <a:pPr indent="-330200" lvl="0" marL="457200" rtl="0" algn="l">
+              <a:spcBef>
+                <a:spcPts val="0"/>
+              </a:spcBef>
+              <a:spcAft>
+                <a:spcPts val="0"/>
+              </a:spcAft>
+              <a:buClr>
+                <a:schemeClr val="dk1"/>
+              </a:buClr>
+              <a:buSzPts val="1600"/>
+              <a:buChar char="●"/>
+            </a:pPr>
+            <a:r>
+              <a:rPr lang="en" sz="1600">
+                <a:solidFill>
+                  <a:schemeClr val="dk1"/>
+                </a:solidFill>
+              </a:rPr>
+              <a:t>maak wijziging en commit</a:t>
+            </a:r>
+            <a:endParaRPr sz="1600">
+              <a:solidFill>
+                <a:schemeClr val="dk1"/>
+              </a:solidFill>
+            </a:endParaRPr>
+          </a:p>
+          <a:p>
+            <a:pPr indent="-330200" lvl="0" marL="457200" rtl="0" algn="l">
+              <a:spcBef>
+                <a:spcPts val="0"/>
+              </a:spcBef>
+              <a:spcAft>
+                <a:spcPts val="0"/>
+              </a:spcAft>
+              <a:buSzPts val="1600"/>
+              <a:buChar char="●"/>
+            </a:pPr>
+            <a:r>
+              <a:rPr lang="en" sz="1600"/>
+              <a:t>checkout develop</a:t>
+            </a:r>
+            <a:endParaRPr sz="1600"/>
+          </a:p>
+          <a:p>
+            <a:pPr indent="-330200" lvl="0" marL="457200" rtl="0" algn="l">
+              <a:spcBef>
+                <a:spcPts val="0"/>
+              </a:spcBef>
+              <a:spcAft>
+                <a:spcPts val="0"/>
+              </a:spcAft>
+              <a:buSzPts val="1600"/>
+              <a:buChar char="●"/>
+            </a:pPr>
+            <a:r>
+              <a:rPr lang="en" sz="1600"/>
+              <a:t>rebase develop naar master</a:t>
+            </a:r>
+            <a:endParaRPr sz="1600"/>
+          </a:p>
+          <a:p>
+            <a:pPr indent="-330200" lvl="0" marL="457200" rtl="0" algn="l">
+              <a:spcBef>
+                <a:spcPts val="0"/>
+              </a:spcBef>
+              <a:spcAft>
+                <a:spcPts val="0"/>
+              </a:spcAft>
+              <a:buSzPts val="1600"/>
+              <a:buChar char="●"/>
+            </a:pPr>
+            <a:r>
+              <a:rPr lang="en" sz="1600"/>
+              <a:t>checkout master</a:t>
+            </a:r>
+            <a:endParaRPr sz="1600"/>
+          </a:p>
+          <a:p>
+            <a:pPr indent="-330200" lvl="0" marL="457200" rtl="0" algn="l">
+              <a:spcBef>
+                <a:spcPts val="0"/>
+              </a:spcBef>
+              <a:spcAft>
+                <a:spcPts val="0"/>
+              </a:spcAft>
+              <a:buSzPts val="1600"/>
+              <a:buChar char="●"/>
+            </a:pPr>
+            <a:r>
+              <a:rPr lang="en" sz="1600"/>
+              <a:t>rebase master naar develop(fast-forward)</a:t>
+            </a:r>
+            <a:endParaRPr sz="1600"/>
+          </a:p>
+          <a:p>
+            <a:pPr indent="-330200" lvl="0" marL="457200" rtl="0" algn="l">
+              <a:spcBef>
+                <a:spcPts val="0"/>
+              </a:spcBef>
+              <a:spcAft>
+                <a:spcPts val="0"/>
+              </a:spcAft>
+              <a:buSzPts val="1600"/>
+              <a:buChar char="●"/>
+            </a:pPr>
+            <a:r>
+              <a:rPr lang="en" sz="1600"/>
+              <a:t>delete develop</a:t>
+            </a:r>
+            <a:endParaRPr sz="1600"/>
           </a:p>
         </p:txBody>
       </p:sp>
@@ -12975,7 +14282,7 @@
   <p:cSld>
     <p:spTree>
       <p:nvGrpSpPr>
-        <p:cNvPr id="70" name="Shape 70"/>
+        <p:cNvPr id="72" name="Shape 72"/>
         <p:cNvGrpSpPr/>
         <p:nvPr/>
       </p:nvGrpSpPr>
@@ -12989,13 +14296,13 @@
       </p:grpSpPr>
       <p:sp>
         <p:nvSpPr>
-          <p:cNvPr id="71" name="Google Shape;71;p3"/>
+          <p:cNvPr id="73" name="Google Shape;73;p3"/>
           <p:cNvSpPr/>
           <p:nvPr/>
         </p:nvSpPr>
         <p:spPr>
           <a:xfrm>
-            <a:off x="2852450" y="914400"/>
+            <a:off x="1458820" y="914400"/>
             <a:ext cx="183000" cy="182100"/>
           </a:xfrm>
           <a:prstGeom prst="ellipse">
@@ -13054,13 +14361,13 @@
       </p:sp>
       <p:sp>
         <p:nvSpPr>
-          <p:cNvPr id="72" name="Google Shape;72;p3"/>
+          <p:cNvPr id="74" name="Google Shape;74;p3"/>
           <p:cNvSpPr txBox="1"/>
           <p:nvPr/>
         </p:nvSpPr>
         <p:spPr>
           <a:xfrm>
-            <a:off x="3568700" y="868350"/>
+            <a:off x="2175070" y="868350"/>
             <a:ext cx="1097400" cy="274200"/>
           </a:xfrm>
           <a:prstGeom prst="rect">
@@ -13120,13 +14427,13 @@
       </p:sp>
       <p:sp>
         <p:nvSpPr>
-          <p:cNvPr id="73" name="Google Shape;73;p3"/>
+          <p:cNvPr id="75" name="Google Shape;75;p3"/>
           <p:cNvSpPr txBox="1"/>
           <p:nvPr/>
         </p:nvSpPr>
         <p:spPr>
           <a:xfrm>
-            <a:off x="2201350" y="914400"/>
+            <a:off x="807720" y="914400"/>
             <a:ext cx="479700" cy="182100"/>
           </a:xfrm>
           <a:prstGeom prst="rect">
@@ -13188,13 +14495,13 @@
       </p:sp>
       <p:sp>
         <p:nvSpPr>
-          <p:cNvPr id="74" name="Google Shape;74;p3"/>
+          <p:cNvPr id="76" name="Google Shape;76;p3"/>
           <p:cNvSpPr txBox="1"/>
           <p:nvPr/>
         </p:nvSpPr>
         <p:spPr>
           <a:xfrm>
-            <a:off x="1667950" y="914400"/>
+            <a:off x="274320" y="914400"/>
             <a:ext cx="479700" cy="182100"/>
           </a:xfrm>
           <a:prstGeom prst="rect">
@@ -13256,7 +14563,7 @@
       </p:sp>
       <p:sp>
         <p:nvSpPr>
-          <p:cNvPr id="75" name="Google Shape;75;p3"/>
+          <p:cNvPr id="77" name="Google Shape;77;p3"/>
           <p:cNvSpPr txBox="1"/>
           <p:nvPr/>
         </p:nvSpPr>
@@ -13299,16 +14606,8 @@
               <a:buNone/>
             </a:pPr>
             <a:r>
-              <a:rPr b="0" i="0" lang="en" sz="1400" u="none" cap="none" strike="noStrike">
-                <a:solidFill>
-                  <a:srgbClr val="000000"/>
-                </a:solidFill>
-                <a:latin typeface="Arial"/>
-                <a:ea typeface="Arial"/>
-                <a:cs typeface="Arial"/>
-                <a:sym typeface="Arial"/>
-              </a:rPr>
-              <a:t>REBASE</a:t>
+              <a:rPr lang="en"/>
+              <a:t>5. Opdracht REBASE</a:t>
             </a:r>
             <a:endParaRPr b="0" i="0" sz="1400" u="none" cap="none" strike="noStrike">
               <a:solidFill>
@@ -13319,6 +14618,269 @@
               <a:cs typeface="Arial"/>
               <a:sym typeface="Arial"/>
             </a:endParaRPr>
+          </a:p>
+        </p:txBody>
+      </p:sp>
+      <p:sp>
+        <p:nvSpPr>
+          <p:cNvPr id="78" name="Google Shape;78;p3"/>
+          <p:cNvSpPr txBox="1"/>
+          <p:nvPr/>
+        </p:nvSpPr>
+        <p:spPr>
+          <a:xfrm>
+            <a:off x="3961975" y="742875"/>
+            <a:ext cx="5181900" cy="3190800"/>
+          </a:xfrm>
+          <a:prstGeom prst="rect">
+            <a:avLst/>
+          </a:prstGeom>
+          <a:noFill/>
+          <a:ln>
+            <a:noFill/>
+          </a:ln>
+        </p:spPr>
+        <p:txBody>
+          <a:bodyPr anchorCtr="0" anchor="t" bIns="91425" lIns="91425" spcFirstLastPara="1" rIns="91425" wrap="square" tIns="91425">
+            <a:noAutofit/>
+          </a:bodyPr>
+          <a:lstStyle/>
+          <a:p>
+            <a:pPr indent="-330200" lvl="0" marL="457200" rtl="0" algn="l">
+              <a:spcBef>
+                <a:spcPts val="0"/>
+              </a:spcBef>
+              <a:spcAft>
+                <a:spcPts val="0"/>
+              </a:spcAft>
+              <a:buSzPts val="1600"/>
+              <a:buChar char="●"/>
+            </a:pPr>
+            <a:r>
+              <a:rPr lang="en" sz="1600"/>
+              <a:t>maak initial commit</a:t>
+            </a:r>
+            <a:endParaRPr sz="1600"/>
+          </a:p>
+          <a:p>
+            <a:pPr indent="-330200" lvl="0" marL="457200" rtl="0" algn="l">
+              <a:spcBef>
+                <a:spcPts val="0"/>
+              </a:spcBef>
+              <a:spcAft>
+                <a:spcPts val="0"/>
+              </a:spcAft>
+              <a:buSzPts val="1600"/>
+              <a:buChar char="●"/>
+            </a:pPr>
+            <a:r>
+              <a:rPr lang="en" sz="1600"/>
+              <a:t>maak branch develop</a:t>
+            </a:r>
+            <a:endParaRPr sz="1600"/>
+          </a:p>
+          <a:p>
+            <a:pPr indent="-330200" lvl="0" marL="457200" rtl="0" algn="l">
+              <a:spcBef>
+                <a:spcPts val="0"/>
+              </a:spcBef>
+              <a:spcAft>
+                <a:spcPts val="0"/>
+              </a:spcAft>
+              <a:buSzPts val="1600"/>
+              <a:buChar char="●"/>
+            </a:pPr>
+            <a:r>
+              <a:rPr lang="en" sz="1600"/>
+              <a:t>checkout develop</a:t>
+            </a:r>
+            <a:endParaRPr sz="1600"/>
+          </a:p>
+          <a:p>
+            <a:pPr indent="-330200" lvl="0" marL="457200" rtl="0" algn="l">
+              <a:spcBef>
+                <a:spcPts val="0"/>
+              </a:spcBef>
+              <a:spcAft>
+                <a:spcPts val="0"/>
+              </a:spcAft>
+              <a:buClr>
+                <a:schemeClr val="dk1"/>
+              </a:buClr>
+              <a:buSzPts val="1600"/>
+              <a:buChar char="●"/>
+            </a:pPr>
+            <a:r>
+              <a:rPr lang="en" sz="1600">
+                <a:solidFill>
+                  <a:schemeClr val="dk1"/>
+                </a:solidFill>
+              </a:rPr>
+              <a:t>maak wijziging en commit</a:t>
+            </a:r>
+            <a:endParaRPr sz="1600">
+              <a:solidFill>
+                <a:schemeClr val="dk1"/>
+              </a:solidFill>
+            </a:endParaRPr>
+          </a:p>
+          <a:p>
+            <a:pPr indent="-330200" lvl="0" marL="457200" rtl="0" algn="l">
+              <a:spcBef>
+                <a:spcPts val="0"/>
+              </a:spcBef>
+              <a:spcAft>
+                <a:spcPts val="0"/>
+              </a:spcAft>
+              <a:buClr>
+                <a:schemeClr val="dk1"/>
+              </a:buClr>
+              <a:buSzPts val="1600"/>
+              <a:buChar char="●"/>
+            </a:pPr>
+            <a:r>
+              <a:rPr lang="en" sz="1600">
+                <a:solidFill>
+                  <a:schemeClr val="dk1"/>
+                </a:solidFill>
+              </a:rPr>
+              <a:t>maak wijziging en commit</a:t>
+            </a:r>
+            <a:endParaRPr sz="1600">
+              <a:solidFill>
+                <a:schemeClr val="dk1"/>
+              </a:solidFill>
+            </a:endParaRPr>
+          </a:p>
+          <a:p>
+            <a:pPr indent="-330200" lvl="0" marL="457200" rtl="0" algn="l">
+              <a:spcBef>
+                <a:spcPts val="0"/>
+              </a:spcBef>
+              <a:spcAft>
+                <a:spcPts val="0"/>
+              </a:spcAft>
+              <a:buSzPts val="1600"/>
+              <a:buChar char="●"/>
+            </a:pPr>
+            <a:r>
+              <a:rPr lang="en" sz="1600"/>
+              <a:t>checkout master</a:t>
+            </a:r>
+            <a:endParaRPr sz="1600"/>
+          </a:p>
+          <a:p>
+            <a:pPr indent="-330200" lvl="0" marL="457200" rtl="0" algn="l">
+              <a:spcBef>
+                <a:spcPts val="0"/>
+              </a:spcBef>
+              <a:spcAft>
+                <a:spcPts val="0"/>
+              </a:spcAft>
+              <a:buClr>
+                <a:schemeClr val="dk1"/>
+              </a:buClr>
+              <a:buSzPts val="1600"/>
+              <a:buChar char="●"/>
+            </a:pPr>
+            <a:r>
+              <a:rPr lang="en" sz="1600">
+                <a:solidFill>
+                  <a:schemeClr val="dk1"/>
+                </a:solidFill>
+              </a:rPr>
+              <a:t>maak wijziging en commit</a:t>
+            </a:r>
+            <a:endParaRPr sz="1600">
+              <a:solidFill>
+                <a:schemeClr val="dk1"/>
+              </a:solidFill>
+            </a:endParaRPr>
+          </a:p>
+          <a:p>
+            <a:pPr indent="-330200" lvl="0" marL="457200" rtl="0" algn="l">
+              <a:spcBef>
+                <a:spcPts val="0"/>
+              </a:spcBef>
+              <a:spcAft>
+                <a:spcPts val="0"/>
+              </a:spcAft>
+              <a:buSzPts val="1600"/>
+              <a:buChar char="●"/>
+            </a:pPr>
+            <a:r>
+              <a:rPr lang="en" sz="1600"/>
+              <a:t>checkout develop</a:t>
+            </a:r>
+            <a:endParaRPr sz="1600"/>
+          </a:p>
+          <a:p>
+            <a:pPr indent="-330200" lvl="0" marL="457200" rtl="0" algn="l">
+              <a:spcBef>
+                <a:spcPts val="0"/>
+              </a:spcBef>
+              <a:spcAft>
+                <a:spcPts val="0"/>
+              </a:spcAft>
+              <a:buSzPts val="1600"/>
+              <a:buChar char="●"/>
+            </a:pPr>
+            <a:r>
+              <a:rPr lang="en" sz="1600"/>
+              <a:t>rebase develop naar master</a:t>
+            </a:r>
+            <a:endParaRPr sz="1600"/>
+          </a:p>
+          <a:p>
+            <a:pPr indent="-330200" lvl="0" marL="457200" rtl="0" algn="l">
+              <a:spcBef>
+                <a:spcPts val="0"/>
+              </a:spcBef>
+              <a:spcAft>
+                <a:spcPts val="0"/>
+              </a:spcAft>
+              <a:buSzPts val="1600"/>
+              <a:buChar char="●"/>
+            </a:pPr>
+            <a:r>
+              <a:rPr lang="en" sz="1600"/>
+              <a:t>checkout master</a:t>
+            </a:r>
+            <a:endParaRPr sz="1600"/>
+          </a:p>
+          <a:p>
+            <a:pPr indent="-330200" lvl="0" marL="457200" rtl="0" algn="l">
+              <a:spcBef>
+                <a:spcPts val="0"/>
+              </a:spcBef>
+              <a:spcAft>
+                <a:spcPts val="0"/>
+              </a:spcAft>
+              <a:buSzPts val="1600"/>
+              <a:buChar char="●"/>
+            </a:pPr>
+            <a:r>
+              <a:rPr lang="en" sz="1600"/>
+              <a:t>rebase master naar develop(fast-forward)</a:t>
+            </a:r>
+            <a:endParaRPr sz="1600"/>
+          </a:p>
+          <a:p>
+            <a:pPr indent="-330200" lvl="0" marL="457200" rtl="0" algn="l">
+              <a:spcBef>
+                <a:spcPts val="0"/>
+              </a:spcBef>
+              <a:spcAft>
+                <a:spcPts val="0"/>
+              </a:spcAft>
+              <a:buSzPts val="1600"/>
+              <a:buChar char="●"/>
+            </a:pPr>
+            <a:r>
+              <a:rPr lang="en" sz="1600"/>
+              <a:t>delete develop</a:t>
+            </a:r>
+            <a:endParaRPr sz="1600"/>
           </a:p>
         </p:txBody>
       </p:sp>
@@ -13335,7 +14897,7 @@
   <p:cSld>
     <p:spTree>
       <p:nvGrpSpPr>
-        <p:cNvPr id="79" name="Shape 79"/>
+        <p:cNvPr id="82" name="Shape 82"/>
         <p:cNvGrpSpPr/>
         <p:nvPr/>
       </p:nvGrpSpPr>
@@ -13349,13 +14911,13 @@
       </p:grpSpPr>
       <p:sp>
         <p:nvSpPr>
-          <p:cNvPr id="80" name="Google Shape;80;p4"/>
+          <p:cNvPr id="83" name="Google Shape;83;p4"/>
           <p:cNvSpPr/>
           <p:nvPr/>
         </p:nvSpPr>
         <p:spPr>
           <a:xfrm>
-            <a:off x="2852450" y="914400"/>
+            <a:off x="1458820" y="914400"/>
             <a:ext cx="183000" cy="182100"/>
           </a:xfrm>
           <a:prstGeom prst="ellipse">
@@ -13414,13 +14976,13 @@
       </p:sp>
       <p:sp>
         <p:nvSpPr>
-          <p:cNvPr id="81" name="Google Shape;81;p4"/>
+          <p:cNvPr id="84" name="Google Shape;84;p4"/>
           <p:cNvSpPr/>
           <p:nvPr/>
         </p:nvSpPr>
         <p:spPr>
           <a:xfrm>
-            <a:off x="3233450" y="1371600"/>
+            <a:off x="1839820" y="1371600"/>
             <a:ext cx="183000" cy="182100"/>
           </a:xfrm>
           <a:prstGeom prst="ellipse">
@@ -13479,16 +15041,16 @@
       </p:sp>
       <p:cxnSp>
         <p:nvCxnSpPr>
-          <p:cNvPr id="82" name="Google Shape;82;p4"/>
+          <p:cNvPr id="85" name="Google Shape;85;p4"/>
           <p:cNvCxnSpPr>
-            <a:stCxn id="80" idx="5"/>
-            <a:endCxn id="81" idx="1"/>
+            <a:stCxn id="83" idx="5"/>
+            <a:endCxn id="84" idx="1"/>
           </p:cNvCxnSpPr>
           <p:nvPr/>
         </p:nvCxnSpPr>
         <p:spPr>
           <a:xfrm>
-            <a:off x="3008650" y="1069832"/>
+            <a:off x="1615020" y="1069832"/>
             <a:ext cx="251700" cy="328500"/>
           </a:xfrm>
           <a:prstGeom prst="straightConnector1">
@@ -13508,13 +15070,13 @@
       </p:cxnSp>
       <p:sp>
         <p:nvSpPr>
-          <p:cNvPr id="83" name="Google Shape;83;p4"/>
+          <p:cNvPr id="86" name="Google Shape;86;p4"/>
           <p:cNvSpPr txBox="1"/>
           <p:nvPr/>
         </p:nvSpPr>
         <p:spPr>
           <a:xfrm>
-            <a:off x="3568700" y="868350"/>
+            <a:off x="2175070" y="868350"/>
             <a:ext cx="1097400" cy="274200"/>
           </a:xfrm>
           <a:prstGeom prst="rect">
@@ -13574,13 +15136,13 @@
       </p:sp>
       <p:sp>
         <p:nvSpPr>
-          <p:cNvPr id="84" name="Google Shape;84;p4"/>
+          <p:cNvPr id="87" name="Google Shape;87;p4"/>
           <p:cNvSpPr txBox="1"/>
           <p:nvPr/>
         </p:nvSpPr>
         <p:spPr>
           <a:xfrm>
-            <a:off x="3568700" y="1325550"/>
+            <a:off x="2175070" y="1325550"/>
             <a:ext cx="1097400" cy="274200"/>
           </a:xfrm>
           <a:prstGeom prst="rect">
@@ -13640,13 +15202,13 @@
       </p:sp>
       <p:sp>
         <p:nvSpPr>
-          <p:cNvPr id="85" name="Google Shape;85;p4"/>
+          <p:cNvPr id="88" name="Google Shape;88;p4"/>
           <p:cNvSpPr txBox="1"/>
           <p:nvPr/>
         </p:nvSpPr>
         <p:spPr>
           <a:xfrm>
-            <a:off x="2201350" y="914400"/>
+            <a:off x="807720" y="914400"/>
             <a:ext cx="479700" cy="182100"/>
           </a:xfrm>
           <a:prstGeom prst="rect">
@@ -13708,13 +15270,13 @@
       </p:sp>
       <p:sp>
         <p:nvSpPr>
-          <p:cNvPr id="86" name="Google Shape;86;p4"/>
+          <p:cNvPr id="89" name="Google Shape;89;p4"/>
           <p:cNvSpPr txBox="1"/>
           <p:nvPr/>
         </p:nvSpPr>
         <p:spPr>
           <a:xfrm>
-            <a:off x="1667950" y="1371600"/>
+            <a:off x="274320" y="1371600"/>
             <a:ext cx="479700" cy="182100"/>
           </a:xfrm>
           <a:prstGeom prst="rect">
@@ -13776,7 +15338,7 @@
       </p:sp>
       <p:sp>
         <p:nvSpPr>
-          <p:cNvPr id="87" name="Google Shape;87;p4"/>
+          <p:cNvPr id="90" name="Google Shape;90;p4"/>
           <p:cNvSpPr txBox="1"/>
           <p:nvPr/>
         </p:nvSpPr>
@@ -13819,16 +15381,8 @@
               <a:buNone/>
             </a:pPr>
             <a:r>
-              <a:rPr b="0" i="0" lang="en" sz="1400" u="none" cap="none" strike="noStrike">
-                <a:solidFill>
-                  <a:srgbClr val="000000"/>
-                </a:solidFill>
-                <a:latin typeface="Arial"/>
-                <a:ea typeface="Arial"/>
-                <a:cs typeface="Arial"/>
-                <a:sym typeface="Arial"/>
-              </a:rPr>
-              <a:t>REBASE</a:t>
+              <a:rPr lang="en"/>
+              <a:t>5. Opdracht REBASE</a:t>
             </a:r>
             <a:endParaRPr b="0" i="0" sz="1400" u="none" cap="none" strike="noStrike">
               <a:solidFill>
@@ -13839,6 +15393,269 @@
               <a:cs typeface="Arial"/>
               <a:sym typeface="Arial"/>
             </a:endParaRPr>
+          </a:p>
+        </p:txBody>
+      </p:sp>
+      <p:sp>
+        <p:nvSpPr>
+          <p:cNvPr id="91" name="Google Shape;91;p4"/>
+          <p:cNvSpPr txBox="1"/>
+          <p:nvPr/>
+        </p:nvSpPr>
+        <p:spPr>
+          <a:xfrm>
+            <a:off x="3961975" y="742875"/>
+            <a:ext cx="5181900" cy="3190800"/>
+          </a:xfrm>
+          <a:prstGeom prst="rect">
+            <a:avLst/>
+          </a:prstGeom>
+          <a:noFill/>
+          <a:ln>
+            <a:noFill/>
+          </a:ln>
+        </p:spPr>
+        <p:txBody>
+          <a:bodyPr anchorCtr="0" anchor="t" bIns="91425" lIns="91425" spcFirstLastPara="1" rIns="91425" wrap="square" tIns="91425">
+            <a:noAutofit/>
+          </a:bodyPr>
+          <a:lstStyle/>
+          <a:p>
+            <a:pPr indent="-330200" lvl="0" marL="457200" rtl="0" algn="l">
+              <a:spcBef>
+                <a:spcPts val="0"/>
+              </a:spcBef>
+              <a:spcAft>
+                <a:spcPts val="0"/>
+              </a:spcAft>
+              <a:buSzPts val="1600"/>
+              <a:buChar char="●"/>
+            </a:pPr>
+            <a:r>
+              <a:rPr lang="en" sz="1600"/>
+              <a:t>maak initial commit</a:t>
+            </a:r>
+            <a:endParaRPr sz="1600"/>
+          </a:p>
+          <a:p>
+            <a:pPr indent="-330200" lvl="0" marL="457200" rtl="0" algn="l">
+              <a:spcBef>
+                <a:spcPts val="0"/>
+              </a:spcBef>
+              <a:spcAft>
+                <a:spcPts val="0"/>
+              </a:spcAft>
+              <a:buSzPts val="1600"/>
+              <a:buChar char="●"/>
+            </a:pPr>
+            <a:r>
+              <a:rPr lang="en" sz="1600"/>
+              <a:t>maak branch develop</a:t>
+            </a:r>
+            <a:endParaRPr sz="1600"/>
+          </a:p>
+          <a:p>
+            <a:pPr indent="-330200" lvl="0" marL="457200" rtl="0" algn="l">
+              <a:spcBef>
+                <a:spcPts val="0"/>
+              </a:spcBef>
+              <a:spcAft>
+                <a:spcPts val="0"/>
+              </a:spcAft>
+              <a:buSzPts val="1600"/>
+              <a:buChar char="●"/>
+            </a:pPr>
+            <a:r>
+              <a:rPr lang="en" sz="1600"/>
+              <a:t>checkout develop</a:t>
+            </a:r>
+            <a:endParaRPr sz="1600"/>
+          </a:p>
+          <a:p>
+            <a:pPr indent="-330200" lvl="0" marL="457200" rtl="0" algn="l">
+              <a:spcBef>
+                <a:spcPts val="0"/>
+              </a:spcBef>
+              <a:spcAft>
+                <a:spcPts val="0"/>
+              </a:spcAft>
+              <a:buClr>
+                <a:schemeClr val="dk1"/>
+              </a:buClr>
+              <a:buSzPts val="1600"/>
+              <a:buChar char="●"/>
+            </a:pPr>
+            <a:r>
+              <a:rPr lang="en" sz="1600">
+                <a:solidFill>
+                  <a:schemeClr val="dk1"/>
+                </a:solidFill>
+              </a:rPr>
+              <a:t>maak wijziging en commit</a:t>
+            </a:r>
+            <a:endParaRPr sz="1600">
+              <a:solidFill>
+                <a:schemeClr val="dk1"/>
+              </a:solidFill>
+            </a:endParaRPr>
+          </a:p>
+          <a:p>
+            <a:pPr indent="-330200" lvl="0" marL="457200" rtl="0" algn="l">
+              <a:spcBef>
+                <a:spcPts val="0"/>
+              </a:spcBef>
+              <a:spcAft>
+                <a:spcPts val="0"/>
+              </a:spcAft>
+              <a:buClr>
+                <a:schemeClr val="dk1"/>
+              </a:buClr>
+              <a:buSzPts val="1600"/>
+              <a:buChar char="●"/>
+            </a:pPr>
+            <a:r>
+              <a:rPr lang="en" sz="1600">
+                <a:solidFill>
+                  <a:schemeClr val="dk1"/>
+                </a:solidFill>
+              </a:rPr>
+              <a:t>maak wijziging en commit</a:t>
+            </a:r>
+            <a:endParaRPr sz="1600">
+              <a:solidFill>
+                <a:schemeClr val="dk1"/>
+              </a:solidFill>
+            </a:endParaRPr>
+          </a:p>
+          <a:p>
+            <a:pPr indent="-330200" lvl="0" marL="457200" rtl="0" algn="l">
+              <a:spcBef>
+                <a:spcPts val="0"/>
+              </a:spcBef>
+              <a:spcAft>
+                <a:spcPts val="0"/>
+              </a:spcAft>
+              <a:buSzPts val="1600"/>
+              <a:buChar char="●"/>
+            </a:pPr>
+            <a:r>
+              <a:rPr lang="en" sz="1600"/>
+              <a:t>checkout master</a:t>
+            </a:r>
+            <a:endParaRPr sz="1600"/>
+          </a:p>
+          <a:p>
+            <a:pPr indent="-330200" lvl="0" marL="457200" rtl="0" algn="l">
+              <a:spcBef>
+                <a:spcPts val="0"/>
+              </a:spcBef>
+              <a:spcAft>
+                <a:spcPts val="0"/>
+              </a:spcAft>
+              <a:buClr>
+                <a:schemeClr val="dk1"/>
+              </a:buClr>
+              <a:buSzPts val="1600"/>
+              <a:buChar char="●"/>
+            </a:pPr>
+            <a:r>
+              <a:rPr lang="en" sz="1600">
+                <a:solidFill>
+                  <a:schemeClr val="dk1"/>
+                </a:solidFill>
+              </a:rPr>
+              <a:t>maak wijziging en commit</a:t>
+            </a:r>
+            <a:endParaRPr sz="1600">
+              <a:solidFill>
+                <a:schemeClr val="dk1"/>
+              </a:solidFill>
+            </a:endParaRPr>
+          </a:p>
+          <a:p>
+            <a:pPr indent="-330200" lvl="0" marL="457200" rtl="0" algn="l">
+              <a:spcBef>
+                <a:spcPts val="0"/>
+              </a:spcBef>
+              <a:spcAft>
+                <a:spcPts val="0"/>
+              </a:spcAft>
+              <a:buSzPts val="1600"/>
+              <a:buChar char="●"/>
+            </a:pPr>
+            <a:r>
+              <a:rPr lang="en" sz="1600"/>
+              <a:t>checkout develop</a:t>
+            </a:r>
+            <a:endParaRPr sz="1600"/>
+          </a:p>
+          <a:p>
+            <a:pPr indent="-330200" lvl="0" marL="457200" rtl="0" algn="l">
+              <a:spcBef>
+                <a:spcPts val="0"/>
+              </a:spcBef>
+              <a:spcAft>
+                <a:spcPts val="0"/>
+              </a:spcAft>
+              <a:buSzPts val="1600"/>
+              <a:buChar char="●"/>
+            </a:pPr>
+            <a:r>
+              <a:rPr lang="en" sz="1600"/>
+              <a:t>rebase develop naar master</a:t>
+            </a:r>
+            <a:endParaRPr sz="1600"/>
+          </a:p>
+          <a:p>
+            <a:pPr indent="-330200" lvl="0" marL="457200" rtl="0" algn="l">
+              <a:spcBef>
+                <a:spcPts val="0"/>
+              </a:spcBef>
+              <a:spcAft>
+                <a:spcPts val="0"/>
+              </a:spcAft>
+              <a:buSzPts val="1600"/>
+              <a:buChar char="●"/>
+            </a:pPr>
+            <a:r>
+              <a:rPr lang="en" sz="1600"/>
+              <a:t>checkout master</a:t>
+            </a:r>
+            <a:endParaRPr sz="1600"/>
+          </a:p>
+          <a:p>
+            <a:pPr indent="-330200" lvl="0" marL="457200" rtl="0" algn="l">
+              <a:spcBef>
+                <a:spcPts val="0"/>
+              </a:spcBef>
+              <a:spcAft>
+                <a:spcPts val="0"/>
+              </a:spcAft>
+              <a:buSzPts val="1600"/>
+              <a:buChar char="●"/>
+            </a:pPr>
+            <a:r>
+              <a:rPr lang="en" sz="1600"/>
+              <a:t>rebase master naar develop(fast-forward)</a:t>
+            </a:r>
+            <a:endParaRPr sz="1600"/>
+          </a:p>
+          <a:p>
+            <a:pPr indent="-330200" lvl="0" marL="457200" rtl="0" algn="l">
+              <a:spcBef>
+                <a:spcPts val="0"/>
+              </a:spcBef>
+              <a:spcAft>
+                <a:spcPts val="0"/>
+              </a:spcAft>
+              <a:buSzPts val="1600"/>
+              <a:buChar char="●"/>
+            </a:pPr>
+            <a:r>
+              <a:rPr lang="en" sz="1600"/>
+              <a:t>delete develop</a:t>
+            </a:r>
+            <a:endParaRPr sz="1600"/>
           </a:p>
         </p:txBody>
       </p:sp>
@@ -13855,7 +15672,7 @@
   <p:cSld>
     <p:spTree>
       <p:nvGrpSpPr>
-        <p:cNvPr id="91" name="Shape 91"/>
+        <p:cNvPr id="95" name="Shape 95"/>
         <p:cNvGrpSpPr/>
         <p:nvPr/>
       </p:nvGrpSpPr>
@@ -13869,13 +15686,13 @@
       </p:grpSpPr>
       <p:sp>
         <p:nvSpPr>
-          <p:cNvPr id="92" name="Google Shape;92;p5"/>
+          <p:cNvPr id="96" name="Google Shape;96;p5"/>
           <p:cNvSpPr/>
           <p:nvPr/>
         </p:nvSpPr>
         <p:spPr>
           <a:xfrm>
-            <a:off x="2852450" y="914400"/>
+            <a:off x="1458820" y="914400"/>
             <a:ext cx="183000" cy="182100"/>
           </a:xfrm>
           <a:prstGeom prst="ellipse">
@@ -13934,13 +15751,13 @@
       </p:sp>
       <p:sp>
         <p:nvSpPr>
-          <p:cNvPr id="93" name="Google Shape;93;p5"/>
+          <p:cNvPr id="97" name="Google Shape;97;p5"/>
           <p:cNvSpPr/>
           <p:nvPr/>
         </p:nvSpPr>
         <p:spPr>
           <a:xfrm>
-            <a:off x="3233450" y="1371600"/>
+            <a:off x="1839820" y="1371600"/>
             <a:ext cx="183000" cy="182100"/>
           </a:xfrm>
           <a:prstGeom prst="ellipse">
@@ -13999,16 +15816,16 @@
       </p:sp>
       <p:cxnSp>
         <p:nvCxnSpPr>
-          <p:cNvPr id="94" name="Google Shape;94;p5"/>
+          <p:cNvPr id="98" name="Google Shape;98;p5"/>
           <p:cNvCxnSpPr>
-            <a:stCxn id="92" idx="5"/>
-            <a:endCxn id="93" idx="1"/>
+            <a:stCxn id="96" idx="5"/>
+            <a:endCxn id="97" idx="1"/>
           </p:cNvCxnSpPr>
           <p:nvPr/>
         </p:nvCxnSpPr>
         <p:spPr>
           <a:xfrm>
-            <a:off x="3008650" y="1069832"/>
+            <a:off x="1615020" y="1069832"/>
             <a:ext cx="251700" cy="328500"/>
           </a:xfrm>
           <a:prstGeom prst="straightConnector1">
@@ -14028,13 +15845,13 @@
       </p:cxnSp>
       <p:sp>
         <p:nvSpPr>
-          <p:cNvPr id="95" name="Google Shape;95;p5"/>
+          <p:cNvPr id="99" name="Google Shape;99;p5"/>
           <p:cNvSpPr txBox="1"/>
           <p:nvPr/>
         </p:nvSpPr>
         <p:spPr>
           <a:xfrm>
-            <a:off x="3568700" y="868350"/>
+            <a:off x="2175070" y="868350"/>
             <a:ext cx="1097400" cy="274200"/>
           </a:xfrm>
           <a:prstGeom prst="rect">
@@ -14094,13 +15911,13 @@
       </p:sp>
       <p:sp>
         <p:nvSpPr>
-          <p:cNvPr id="96" name="Google Shape;96;p5"/>
+          <p:cNvPr id="100" name="Google Shape;100;p5"/>
           <p:cNvSpPr/>
           <p:nvPr/>
         </p:nvSpPr>
         <p:spPr>
           <a:xfrm>
-            <a:off x="3233450" y="1828800"/>
+            <a:off x="1839820" y="1828800"/>
             <a:ext cx="183000" cy="182100"/>
           </a:xfrm>
           <a:prstGeom prst="ellipse">
@@ -14159,13 +15976,13 @@
       </p:sp>
       <p:sp>
         <p:nvSpPr>
-          <p:cNvPr id="97" name="Google Shape;97;p5"/>
+          <p:cNvPr id="101" name="Google Shape;101;p5"/>
           <p:cNvSpPr txBox="1"/>
           <p:nvPr/>
         </p:nvSpPr>
         <p:spPr>
           <a:xfrm>
-            <a:off x="3568700" y="1325550"/>
+            <a:off x="2175070" y="1325550"/>
             <a:ext cx="1097400" cy="274200"/>
           </a:xfrm>
           <a:prstGeom prst="rect">
@@ -14225,13 +16042,13 @@
       </p:sp>
       <p:sp>
         <p:nvSpPr>
-          <p:cNvPr id="98" name="Google Shape;98;p5"/>
+          <p:cNvPr id="102" name="Google Shape;102;p5"/>
           <p:cNvSpPr txBox="1"/>
           <p:nvPr/>
         </p:nvSpPr>
         <p:spPr>
           <a:xfrm>
-            <a:off x="3568700" y="1782750"/>
+            <a:off x="2175070" y="1782750"/>
             <a:ext cx="1097400" cy="274200"/>
           </a:xfrm>
           <a:prstGeom prst="rect">
@@ -14291,13 +16108,13 @@
       </p:sp>
       <p:sp>
         <p:nvSpPr>
-          <p:cNvPr id="99" name="Google Shape;99;p5"/>
+          <p:cNvPr id="103" name="Google Shape;103;p5"/>
           <p:cNvSpPr txBox="1"/>
           <p:nvPr/>
         </p:nvSpPr>
         <p:spPr>
           <a:xfrm>
-            <a:off x="2201350" y="914400"/>
+            <a:off x="807720" y="914400"/>
             <a:ext cx="479700" cy="182100"/>
           </a:xfrm>
           <a:prstGeom prst="rect">
@@ -14359,16 +16176,16 @@
       </p:sp>
       <p:cxnSp>
         <p:nvCxnSpPr>
-          <p:cNvPr id="100" name="Google Shape;100;p5"/>
+          <p:cNvPr id="104" name="Google Shape;104;p5"/>
           <p:cNvCxnSpPr>
-            <a:stCxn id="93" idx="4"/>
-            <a:endCxn id="96" idx="0"/>
+            <a:stCxn id="97" idx="4"/>
+            <a:endCxn id="100" idx="0"/>
           </p:cNvCxnSpPr>
           <p:nvPr/>
         </p:nvCxnSpPr>
         <p:spPr>
           <a:xfrm>
-            <a:off x="3324950" y="1553700"/>
+            <a:off x="1931320" y="1553700"/>
             <a:ext cx="0" cy="275100"/>
           </a:xfrm>
           <a:prstGeom prst="straightConnector1">
@@ -14388,13 +16205,13 @@
       </p:cxnSp>
       <p:sp>
         <p:nvSpPr>
-          <p:cNvPr id="101" name="Google Shape;101;p5"/>
+          <p:cNvPr id="105" name="Google Shape;105;p5"/>
           <p:cNvSpPr txBox="1"/>
           <p:nvPr/>
         </p:nvSpPr>
         <p:spPr>
           <a:xfrm>
-            <a:off x="1667950" y="1828800"/>
+            <a:off x="274320" y="1828800"/>
             <a:ext cx="479700" cy="182100"/>
           </a:xfrm>
           <a:prstGeom prst="rect">
@@ -14456,7 +16273,7 @@
       </p:sp>
       <p:sp>
         <p:nvSpPr>
-          <p:cNvPr id="102" name="Google Shape;102;p5"/>
+          <p:cNvPr id="106" name="Google Shape;106;p5"/>
           <p:cNvSpPr txBox="1"/>
           <p:nvPr/>
         </p:nvSpPr>
@@ -14499,16 +16316,8 @@
               <a:buNone/>
             </a:pPr>
             <a:r>
-              <a:rPr b="0" i="0" lang="en" sz="1400" u="none" cap="none" strike="noStrike">
-                <a:solidFill>
-                  <a:srgbClr val="000000"/>
-                </a:solidFill>
-                <a:latin typeface="Arial"/>
-                <a:ea typeface="Arial"/>
-                <a:cs typeface="Arial"/>
-                <a:sym typeface="Arial"/>
-              </a:rPr>
-              <a:t>REBASE</a:t>
+              <a:rPr lang="en"/>
+              <a:t>5. Opdracht REBASE</a:t>
             </a:r>
             <a:endParaRPr b="0" i="0" sz="1400" u="none" cap="none" strike="noStrike">
               <a:solidFill>
@@ -14519,6 +16328,269 @@
               <a:cs typeface="Arial"/>
               <a:sym typeface="Arial"/>
             </a:endParaRPr>
+          </a:p>
+        </p:txBody>
+      </p:sp>
+      <p:sp>
+        <p:nvSpPr>
+          <p:cNvPr id="107" name="Google Shape;107;p5"/>
+          <p:cNvSpPr txBox="1"/>
+          <p:nvPr/>
+        </p:nvSpPr>
+        <p:spPr>
+          <a:xfrm>
+            <a:off x="3961975" y="742875"/>
+            <a:ext cx="5181900" cy="3190800"/>
+          </a:xfrm>
+          <a:prstGeom prst="rect">
+            <a:avLst/>
+          </a:prstGeom>
+          <a:noFill/>
+          <a:ln>
+            <a:noFill/>
+          </a:ln>
+        </p:spPr>
+        <p:txBody>
+          <a:bodyPr anchorCtr="0" anchor="t" bIns="91425" lIns="91425" spcFirstLastPara="1" rIns="91425" wrap="square" tIns="91425">
+            <a:noAutofit/>
+          </a:bodyPr>
+          <a:lstStyle/>
+          <a:p>
+            <a:pPr indent="-330200" lvl="0" marL="457200" rtl="0" algn="l">
+              <a:spcBef>
+                <a:spcPts val="0"/>
+              </a:spcBef>
+              <a:spcAft>
+                <a:spcPts val="0"/>
+              </a:spcAft>
+              <a:buSzPts val="1600"/>
+              <a:buChar char="●"/>
+            </a:pPr>
+            <a:r>
+              <a:rPr lang="en" sz="1600"/>
+              <a:t>maak initial commit</a:t>
+            </a:r>
+            <a:endParaRPr sz="1600"/>
+          </a:p>
+          <a:p>
+            <a:pPr indent="-330200" lvl="0" marL="457200" rtl="0" algn="l">
+              <a:spcBef>
+                <a:spcPts val="0"/>
+              </a:spcBef>
+              <a:spcAft>
+                <a:spcPts val="0"/>
+              </a:spcAft>
+              <a:buSzPts val="1600"/>
+              <a:buChar char="●"/>
+            </a:pPr>
+            <a:r>
+              <a:rPr lang="en" sz="1600"/>
+              <a:t>maak branch develop</a:t>
+            </a:r>
+            <a:endParaRPr sz="1600"/>
+          </a:p>
+          <a:p>
+            <a:pPr indent="-330200" lvl="0" marL="457200" rtl="0" algn="l">
+              <a:spcBef>
+                <a:spcPts val="0"/>
+              </a:spcBef>
+              <a:spcAft>
+                <a:spcPts val="0"/>
+              </a:spcAft>
+              <a:buSzPts val="1600"/>
+              <a:buChar char="●"/>
+            </a:pPr>
+            <a:r>
+              <a:rPr lang="en" sz="1600"/>
+              <a:t>checkout develop</a:t>
+            </a:r>
+            <a:endParaRPr sz="1600"/>
+          </a:p>
+          <a:p>
+            <a:pPr indent="-330200" lvl="0" marL="457200" rtl="0" algn="l">
+              <a:spcBef>
+                <a:spcPts val="0"/>
+              </a:spcBef>
+              <a:spcAft>
+                <a:spcPts val="0"/>
+              </a:spcAft>
+              <a:buClr>
+                <a:schemeClr val="dk1"/>
+              </a:buClr>
+              <a:buSzPts val="1600"/>
+              <a:buChar char="●"/>
+            </a:pPr>
+            <a:r>
+              <a:rPr lang="en" sz="1600">
+                <a:solidFill>
+                  <a:schemeClr val="dk1"/>
+                </a:solidFill>
+              </a:rPr>
+              <a:t>maak wijziging en commit</a:t>
+            </a:r>
+            <a:endParaRPr sz="1600">
+              <a:solidFill>
+                <a:schemeClr val="dk1"/>
+              </a:solidFill>
+            </a:endParaRPr>
+          </a:p>
+          <a:p>
+            <a:pPr indent="-330200" lvl="0" marL="457200" rtl="0" algn="l">
+              <a:spcBef>
+                <a:spcPts val="0"/>
+              </a:spcBef>
+              <a:spcAft>
+                <a:spcPts val="0"/>
+              </a:spcAft>
+              <a:buClr>
+                <a:schemeClr val="dk1"/>
+              </a:buClr>
+              <a:buSzPts val="1600"/>
+              <a:buChar char="●"/>
+            </a:pPr>
+            <a:r>
+              <a:rPr lang="en" sz="1600">
+                <a:solidFill>
+                  <a:schemeClr val="dk1"/>
+                </a:solidFill>
+              </a:rPr>
+              <a:t>maak wijziging en commit</a:t>
+            </a:r>
+            <a:endParaRPr sz="1600">
+              <a:solidFill>
+                <a:schemeClr val="dk1"/>
+              </a:solidFill>
+            </a:endParaRPr>
+          </a:p>
+          <a:p>
+            <a:pPr indent="-330200" lvl="0" marL="457200" rtl="0" algn="l">
+              <a:spcBef>
+                <a:spcPts val="0"/>
+              </a:spcBef>
+              <a:spcAft>
+                <a:spcPts val="0"/>
+              </a:spcAft>
+              <a:buSzPts val="1600"/>
+              <a:buChar char="●"/>
+            </a:pPr>
+            <a:r>
+              <a:rPr lang="en" sz="1600"/>
+              <a:t>checkout master</a:t>
+            </a:r>
+            <a:endParaRPr sz="1600"/>
+          </a:p>
+          <a:p>
+            <a:pPr indent="-330200" lvl="0" marL="457200" rtl="0" algn="l">
+              <a:spcBef>
+                <a:spcPts val="0"/>
+              </a:spcBef>
+              <a:spcAft>
+                <a:spcPts val="0"/>
+              </a:spcAft>
+              <a:buClr>
+                <a:schemeClr val="dk1"/>
+              </a:buClr>
+              <a:buSzPts val="1600"/>
+              <a:buChar char="●"/>
+            </a:pPr>
+            <a:r>
+              <a:rPr lang="en" sz="1600">
+                <a:solidFill>
+                  <a:schemeClr val="dk1"/>
+                </a:solidFill>
+              </a:rPr>
+              <a:t>maak wijziging en commit</a:t>
+            </a:r>
+            <a:endParaRPr sz="1600">
+              <a:solidFill>
+                <a:schemeClr val="dk1"/>
+              </a:solidFill>
+            </a:endParaRPr>
+          </a:p>
+          <a:p>
+            <a:pPr indent="-330200" lvl="0" marL="457200" rtl="0" algn="l">
+              <a:spcBef>
+                <a:spcPts val="0"/>
+              </a:spcBef>
+              <a:spcAft>
+                <a:spcPts val="0"/>
+              </a:spcAft>
+              <a:buSzPts val="1600"/>
+              <a:buChar char="●"/>
+            </a:pPr>
+            <a:r>
+              <a:rPr lang="en" sz="1600"/>
+              <a:t>checkout develop</a:t>
+            </a:r>
+            <a:endParaRPr sz="1600"/>
+          </a:p>
+          <a:p>
+            <a:pPr indent="-330200" lvl="0" marL="457200" rtl="0" algn="l">
+              <a:spcBef>
+                <a:spcPts val="0"/>
+              </a:spcBef>
+              <a:spcAft>
+                <a:spcPts val="0"/>
+              </a:spcAft>
+              <a:buSzPts val="1600"/>
+              <a:buChar char="●"/>
+            </a:pPr>
+            <a:r>
+              <a:rPr lang="en" sz="1600"/>
+              <a:t>rebase develop naar master</a:t>
+            </a:r>
+            <a:endParaRPr sz="1600"/>
+          </a:p>
+          <a:p>
+            <a:pPr indent="-330200" lvl="0" marL="457200" rtl="0" algn="l">
+              <a:spcBef>
+                <a:spcPts val="0"/>
+              </a:spcBef>
+              <a:spcAft>
+                <a:spcPts val="0"/>
+              </a:spcAft>
+              <a:buSzPts val="1600"/>
+              <a:buChar char="●"/>
+            </a:pPr>
+            <a:r>
+              <a:rPr lang="en" sz="1600"/>
+              <a:t>checkout master</a:t>
+            </a:r>
+            <a:endParaRPr sz="1600"/>
+          </a:p>
+          <a:p>
+            <a:pPr indent="-330200" lvl="0" marL="457200" rtl="0" algn="l">
+              <a:spcBef>
+                <a:spcPts val="0"/>
+              </a:spcBef>
+              <a:spcAft>
+                <a:spcPts val="0"/>
+              </a:spcAft>
+              <a:buSzPts val="1600"/>
+              <a:buChar char="●"/>
+            </a:pPr>
+            <a:r>
+              <a:rPr lang="en" sz="1600"/>
+              <a:t>rebase master naar develop(fast-forward)</a:t>
+            </a:r>
+            <a:endParaRPr sz="1600"/>
+          </a:p>
+          <a:p>
+            <a:pPr indent="-330200" lvl="0" marL="457200" rtl="0" algn="l">
+              <a:spcBef>
+                <a:spcPts val="0"/>
+              </a:spcBef>
+              <a:spcAft>
+                <a:spcPts val="0"/>
+              </a:spcAft>
+              <a:buSzPts val="1600"/>
+              <a:buChar char="●"/>
+            </a:pPr>
+            <a:r>
+              <a:rPr lang="en" sz="1600"/>
+              <a:t>delete develop</a:t>
+            </a:r>
+            <a:endParaRPr sz="1600"/>
           </a:p>
         </p:txBody>
       </p:sp>
@@ -14535,7 +16607,7 @@
   <p:cSld>
     <p:spTree>
       <p:nvGrpSpPr>
-        <p:cNvPr id="106" name="Shape 106"/>
+        <p:cNvPr id="111" name="Shape 111"/>
         <p:cNvGrpSpPr/>
         <p:nvPr/>
       </p:nvGrpSpPr>
@@ -14549,13 +16621,13 @@
       </p:grpSpPr>
       <p:sp>
         <p:nvSpPr>
-          <p:cNvPr id="107" name="Google Shape;107;p6"/>
+          <p:cNvPr id="112" name="Google Shape;112;p6"/>
           <p:cNvSpPr/>
           <p:nvPr/>
         </p:nvSpPr>
         <p:spPr>
           <a:xfrm>
-            <a:off x="2852450" y="914400"/>
+            <a:off x="1458820" y="914400"/>
             <a:ext cx="183000" cy="182100"/>
           </a:xfrm>
           <a:prstGeom prst="ellipse">
@@ -14614,13 +16686,13 @@
       </p:sp>
       <p:sp>
         <p:nvSpPr>
-          <p:cNvPr id="108" name="Google Shape;108;p6"/>
+          <p:cNvPr id="113" name="Google Shape;113;p6"/>
           <p:cNvSpPr/>
           <p:nvPr/>
         </p:nvSpPr>
         <p:spPr>
           <a:xfrm>
-            <a:off x="3233450" y="1371600"/>
+            <a:off x="1839820" y="1371600"/>
             <a:ext cx="183000" cy="182100"/>
           </a:xfrm>
           <a:prstGeom prst="ellipse">
@@ -14679,16 +16751,16 @@
       </p:sp>
       <p:cxnSp>
         <p:nvCxnSpPr>
-          <p:cNvPr id="109" name="Google Shape;109;p6"/>
+          <p:cNvPr id="114" name="Google Shape;114;p6"/>
           <p:cNvCxnSpPr>
-            <a:stCxn id="107" idx="5"/>
-            <a:endCxn id="108" idx="1"/>
+            <a:stCxn id="112" idx="5"/>
+            <a:endCxn id="113" idx="1"/>
           </p:cNvCxnSpPr>
           <p:nvPr/>
         </p:nvCxnSpPr>
         <p:spPr>
           <a:xfrm>
-            <a:off x="3008650" y="1069832"/>
+            <a:off x="1615020" y="1069832"/>
             <a:ext cx="251700" cy="328500"/>
           </a:xfrm>
           <a:prstGeom prst="straightConnector1">
@@ -14708,13 +16780,13 @@
       </p:cxnSp>
       <p:sp>
         <p:nvSpPr>
-          <p:cNvPr id="110" name="Google Shape;110;p6"/>
+          <p:cNvPr id="115" name="Google Shape;115;p6"/>
           <p:cNvSpPr txBox="1"/>
           <p:nvPr/>
         </p:nvSpPr>
         <p:spPr>
           <a:xfrm>
-            <a:off x="3568700" y="868350"/>
+            <a:off x="2175070" y="868350"/>
             <a:ext cx="1097400" cy="274200"/>
           </a:xfrm>
           <a:prstGeom prst="rect">
@@ -14774,13 +16846,13 @@
       </p:sp>
       <p:sp>
         <p:nvSpPr>
-          <p:cNvPr id="111" name="Google Shape;111;p6"/>
+          <p:cNvPr id="116" name="Google Shape;116;p6"/>
           <p:cNvSpPr/>
           <p:nvPr/>
         </p:nvSpPr>
         <p:spPr>
           <a:xfrm>
-            <a:off x="3233450" y="1828800"/>
+            <a:off x="1839820" y="1828800"/>
             <a:ext cx="183000" cy="182100"/>
           </a:xfrm>
           <a:prstGeom prst="ellipse">
@@ -14839,13 +16911,13 @@
       </p:sp>
       <p:sp>
         <p:nvSpPr>
-          <p:cNvPr id="112" name="Google Shape;112;p6"/>
+          <p:cNvPr id="117" name="Google Shape;117;p6"/>
           <p:cNvSpPr txBox="1"/>
           <p:nvPr/>
         </p:nvSpPr>
         <p:spPr>
           <a:xfrm>
-            <a:off x="3568700" y="1325550"/>
+            <a:off x="2175070" y="1325550"/>
             <a:ext cx="1097400" cy="274200"/>
           </a:xfrm>
           <a:prstGeom prst="rect">
@@ -14905,13 +16977,13 @@
       </p:sp>
       <p:sp>
         <p:nvSpPr>
-          <p:cNvPr id="113" name="Google Shape;113;p6"/>
+          <p:cNvPr id="118" name="Google Shape;118;p6"/>
           <p:cNvSpPr txBox="1"/>
           <p:nvPr/>
         </p:nvSpPr>
         <p:spPr>
           <a:xfrm>
-            <a:off x="3568700" y="1782750"/>
+            <a:off x="2175070" y="1782750"/>
             <a:ext cx="1097400" cy="274200"/>
           </a:xfrm>
           <a:prstGeom prst="rect">
@@ -14971,13 +17043,13 @@
       </p:sp>
       <p:sp>
         <p:nvSpPr>
-          <p:cNvPr id="114" name="Google Shape;114;p6"/>
+          <p:cNvPr id="119" name="Google Shape;119;p6"/>
           <p:cNvSpPr txBox="1"/>
           <p:nvPr/>
         </p:nvSpPr>
         <p:spPr>
           <a:xfrm>
-            <a:off x="2201350" y="914400"/>
+            <a:off x="807720" y="914400"/>
             <a:ext cx="479700" cy="182100"/>
           </a:xfrm>
           <a:prstGeom prst="rect">
@@ -15039,16 +17111,16 @@
       </p:sp>
       <p:cxnSp>
         <p:nvCxnSpPr>
-          <p:cNvPr id="115" name="Google Shape;115;p6"/>
+          <p:cNvPr id="120" name="Google Shape;120;p6"/>
           <p:cNvCxnSpPr>
-            <a:stCxn id="108" idx="4"/>
-            <a:endCxn id="111" idx="0"/>
+            <a:stCxn id="113" idx="4"/>
+            <a:endCxn id="116" idx="0"/>
           </p:cNvCxnSpPr>
           <p:nvPr/>
         </p:nvCxnSpPr>
         <p:spPr>
           <a:xfrm>
-            <a:off x="3324950" y="1553700"/>
+            <a:off x="1931320" y="1553700"/>
             <a:ext cx="0" cy="275100"/>
           </a:xfrm>
           <a:prstGeom prst="straightConnector1">
@@ -15068,13 +17140,13 @@
       </p:cxnSp>
       <p:sp>
         <p:nvSpPr>
-          <p:cNvPr id="116" name="Google Shape;116;p6"/>
+          <p:cNvPr id="121" name="Google Shape;121;p6"/>
           <p:cNvSpPr txBox="1"/>
           <p:nvPr/>
         </p:nvSpPr>
         <p:spPr>
           <a:xfrm>
-            <a:off x="1667950" y="1828800"/>
+            <a:off x="274320" y="1828800"/>
             <a:ext cx="479700" cy="182100"/>
           </a:xfrm>
           <a:prstGeom prst="rect">
@@ -15136,7 +17208,7 @@
       </p:sp>
       <p:sp>
         <p:nvSpPr>
-          <p:cNvPr id="117" name="Google Shape;117;p6"/>
+          <p:cNvPr id="122" name="Google Shape;122;p6"/>
           <p:cNvSpPr txBox="1"/>
           <p:nvPr/>
         </p:nvSpPr>
@@ -15179,16 +17251,8 @@
               <a:buNone/>
             </a:pPr>
             <a:r>
-              <a:rPr b="0" i="0" lang="en" sz="1400" u="none" cap="none" strike="noStrike">
-                <a:solidFill>
-                  <a:srgbClr val="000000"/>
-                </a:solidFill>
-                <a:latin typeface="Arial"/>
-                <a:ea typeface="Arial"/>
-                <a:cs typeface="Arial"/>
-                <a:sym typeface="Arial"/>
-              </a:rPr>
-              <a:t>REBASE</a:t>
+              <a:rPr lang="en"/>
+              <a:t>5. Opdracht REBASE</a:t>
             </a:r>
             <a:endParaRPr b="0" i="0" sz="1400" u="none" cap="none" strike="noStrike">
               <a:solidFill>
@@ -15199,6 +17263,269 @@
               <a:cs typeface="Arial"/>
               <a:sym typeface="Arial"/>
             </a:endParaRPr>
+          </a:p>
+        </p:txBody>
+      </p:sp>
+      <p:sp>
+        <p:nvSpPr>
+          <p:cNvPr id="123" name="Google Shape;123;p6"/>
+          <p:cNvSpPr txBox="1"/>
+          <p:nvPr/>
+        </p:nvSpPr>
+        <p:spPr>
+          <a:xfrm>
+            <a:off x="3961975" y="742875"/>
+            <a:ext cx="5181900" cy="3190800"/>
+          </a:xfrm>
+          <a:prstGeom prst="rect">
+            <a:avLst/>
+          </a:prstGeom>
+          <a:noFill/>
+          <a:ln>
+            <a:noFill/>
+          </a:ln>
+        </p:spPr>
+        <p:txBody>
+          <a:bodyPr anchorCtr="0" anchor="t" bIns="91425" lIns="91425" spcFirstLastPara="1" rIns="91425" wrap="square" tIns="91425">
+            <a:noAutofit/>
+          </a:bodyPr>
+          <a:lstStyle/>
+          <a:p>
+            <a:pPr indent="-330200" lvl="0" marL="457200" rtl="0" algn="l">
+              <a:spcBef>
+                <a:spcPts val="0"/>
+              </a:spcBef>
+              <a:spcAft>
+                <a:spcPts val="0"/>
+              </a:spcAft>
+              <a:buSzPts val="1600"/>
+              <a:buChar char="●"/>
+            </a:pPr>
+            <a:r>
+              <a:rPr lang="en" sz="1600"/>
+              <a:t>maak initial commit</a:t>
+            </a:r>
+            <a:endParaRPr sz="1600"/>
+          </a:p>
+          <a:p>
+            <a:pPr indent="-330200" lvl="0" marL="457200" rtl="0" algn="l">
+              <a:spcBef>
+                <a:spcPts val="0"/>
+              </a:spcBef>
+              <a:spcAft>
+                <a:spcPts val="0"/>
+              </a:spcAft>
+              <a:buSzPts val="1600"/>
+              <a:buChar char="●"/>
+            </a:pPr>
+            <a:r>
+              <a:rPr lang="en" sz="1600"/>
+              <a:t>maak branch develop</a:t>
+            </a:r>
+            <a:endParaRPr sz="1600"/>
+          </a:p>
+          <a:p>
+            <a:pPr indent="-330200" lvl="0" marL="457200" rtl="0" algn="l">
+              <a:spcBef>
+                <a:spcPts val="0"/>
+              </a:spcBef>
+              <a:spcAft>
+                <a:spcPts val="0"/>
+              </a:spcAft>
+              <a:buSzPts val="1600"/>
+              <a:buChar char="●"/>
+            </a:pPr>
+            <a:r>
+              <a:rPr lang="en" sz="1600"/>
+              <a:t>checkout develop</a:t>
+            </a:r>
+            <a:endParaRPr sz="1600"/>
+          </a:p>
+          <a:p>
+            <a:pPr indent="-330200" lvl="0" marL="457200" rtl="0" algn="l">
+              <a:spcBef>
+                <a:spcPts val="0"/>
+              </a:spcBef>
+              <a:spcAft>
+                <a:spcPts val="0"/>
+              </a:spcAft>
+              <a:buClr>
+                <a:schemeClr val="dk1"/>
+              </a:buClr>
+              <a:buSzPts val="1600"/>
+              <a:buChar char="●"/>
+            </a:pPr>
+            <a:r>
+              <a:rPr lang="en" sz="1600">
+                <a:solidFill>
+                  <a:schemeClr val="dk1"/>
+                </a:solidFill>
+              </a:rPr>
+              <a:t>maak wijziging en commit</a:t>
+            </a:r>
+            <a:endParaRPr sz="1600">
+              <a:solidFill>
+                <a:schemeClr val="dk1"/>
+              </a:solidFill>
+            </a:endParaRPr>
+          </a:p>
+          <a:p>
+            <a:pPr indent="-330200" lvl="0" marL="457200" rtl="0" algn="l">
+              <a:spcBef>
+                <a:spcPts val="0"/>
+              </a:spcBef>
+              <a:spcAft>
+                <a:spcPts val="0"/>
+              </a:spcAft>
+              <a:buClr>
+                <a:schemeClr val="dk1"/>
+              </a:buClr>
+              <a:buSzPts val="1600"/>
+              <a:buChar char="●"/>
+            </a:pPr>
+            <a:r>
+              <a:rPr lang="en" sz="1600">
+                <a:solidFill>
+                  <a:schemeClr val="dk1"/>
+                </a:solidFill>
+              </a:rPr>
+              <a:t>maak wijziging en commit</a:t>
+            </a:r>
+            <a:endParaRPr sz="1600">
+              <a:solidFill>
+                <a:schemeClr val="dk1"/>
+              </a:solidFill>
+            </a:endParaRPr>
+          </a:p>
+          <a:p>
+            <a:pPr indent="-330200" lvl="0" marL="457200" rtl="0" algn="l">
+              <a:spcBef>
+                <a:spcPts val="0"/>
+              </a:spcBef>
+              <a:spcAft>
+                <a:spcPts val="0"/>
+              </a:spcAft>
+              <a:buSzPts val="1600"/>
+              <a:buChar char="●"/>
+            </a:pPr>
+            <a:r>
+              <a:rPr lang="en" sz="1600"/>
+              <a:t>checkout master</a:t>
+            </a:r>
+            <a:endParaRPr sz="1600"/>
+          </a:p>
+          <a:p>
+            <a:pPr indent="-330200" lvl="0" marL="457200" rtl="0" algn="l">
+              <a:spcBef>
+                <a:spcPts val="0"/>
+              </a:spcBef>
+              <a:spcAft>
+                <a:spcPts val="0"/>
+              </a:spcAft>
+              <a:buClr>
+                <a:schemeClr val="dk1"/>
+              </a:buClr>
+              <a:buSzPts val="1600"/>
+              <a:buChar char="●"/>
+            </a:pPr>
+            <a:r>
+              <a:rPr lang="en" sz="1600">
+                <a:solidFill>
+                  <a:schemeClr val="dk1"/>
+                </a:solidFill>
+              </a:rPr>
+              <a:t>maak wijziging en commit</a:t>
+            </a:r>
+            <a:endParaRPr sz="1600">
+              <a:solidFill>
+                <a:schemeClr val="dk1"/>
+              </a:solidFill>
+            </a:endParaRPr>
+          </a:p>
+          <a:p>
+            <a:pPr indent="-330200" lvl="0" marL="457200" rtl="0" algn="l">
+              <a:spcBef>
+                <a:spcPts val="0"/>
+              </a:spcBef>
+              <a:spcAft>
+                <a:spcPts val="0"/>
+              </a:spcAft>
+              <a:buSzPts val="1600"/>
+              <a:buChar char="●"/>
+            </a:pPr>
+            <a:r>
+              <a:rPr lang="en" sz="1600"/>
+              <a:t>checkout develop</a:t>
+            </a:r>
+            <a:endParaRPr sz="1600"/>
+          </a:p>
+          <a:p>
+            <a:pPr indent="-330200" lvl="0" marL="457200" rtl="0" algn="l">
+              <a:spcBef>
+                <a:spcPts val="0"/>
+              </a:spcBef>
+              <a:spcAft>
+                <a:spcPts val="0"/>
+              </a:spcAft>
+              <a:buSzPts val="1600"/>
+              <a:buChar char="●"/>
+            </a:pPr>
+            <a:r>
+              <a:rPr lang="en" sz="1600"/>
+              <a:t>rebase develop naar master</a:t>
+            </a:r>
+            <a:endParaRPr sz="1600"/>
+          </a:p>
+          <a:p>
+            <a:pPr indent="-330200" lvl="0" marL="457200" rtl="0" algn="l">
+              <a:spcBef>
+                <a:spcPts val="0"/>
+              </a:spcBef>
+              <a:spcAft>
+                <a:spcPts val="0"/>
+              </a:spcAft>
+              <a:buSzPts val="1600"/>
+              <a:buChar char="●"/>
+            </a:pPr>
+            <a:r>
+              <a:rPr lang="en" sz="1600"/>
+              <a:t>checkout master</a:t>
+            </a:r>
+            <a:endParaRPr sz="1600"/>
+          </a:p>
+          <a:p>
+            <a:pPr indent="-330200" lvl="0" marL="457200" rtl="0" algn="l">
+              <a:spcBef>
+                <a:spcPts val="0"/>
+              </a:spcBef>
+              <a:spcAft>
+                <a:spcPts val="0"/>
+              </a:spcAft>
+              <a:buSzPts val="1600"/>
+              <a:buChar char="●"/>
+            </a:pPr>
+            <a:r>
+              <a:rPr lang="en" sz="1600"/>
+              <a:t>rebase master naar develop(fast-forward)</a:t>
+            </a:r>
+            <a:endParaRPr sz="1600"/>
+          </a:p>
+          <a:p>
+            <a:pPr indent="-330200" lvl="0" marL="457200" rtl="0" algn="l">
+              <a:spcBef>
+                <a:spcPts val="0"/>
+              </a:spcBef>
+              <a:spcAft>
+                <a:spcPts val="0"/>
+              </a:spcAft>
+              <a:buSzPts val="1600"/>
+              <a:buChar char="●"/>
+            </a:pPr>
+            <a:r>
+              <a:rPr lang="en" sz="1600"/>
+              <a:t>delete develop</a:t>
+            </a:r>
+            <a:endParaRPr sz="1600"/>
           </a:p>
         </p:txBody>
       </p:sp>
@@ -15215,7 +17542,7 @@
   <p:cSld>
     <p:spTree>
       <p:nvGrpSpPr>
-        <p:cNvPr id="121" name="Shape 121"/>
+        <p:cNvPr id="127" name="Shape 127"/>
         <p:cNvGrpSpPr/>
         <p:nvPr/>
       </p:nvGrpSpPr>
@@ -15229,13 +17556,13 @@
       </p:grpSpPr>
       <p:sp>
         <p:nvSpPr>
-          <p:cNvPr id="122" name="Google Shape;122;p7"/>
+          <p:cNvPr id="128" name="Google Shape;128;p7"/>
           <p:cNvSpPr/>
           <p:nvPr/>
         </p:nvSpPr>
         <p:spPr>
           <a:xfrm>
-            <a:off x="2852450" y="914400"/>
+            <a:off x="1458820" y="914400"/>
             <a:ext cx="183000" cy="182100"/>
           </a:xfrm>
           <a:prstGeom prst="ellipse">
@@ -15294,13 +17621,13 @@
       </p:sp>
       <p:sp>
         <p:nvSpPr>
-          <p:cNvPr id="123" name="Google Shape;123;p7"/>
+          <p:cNvPr id="129" name="Google Shape;129;p7"/>
           <p:cNvSpPr/>
           <p:nvPr/>
         </p:nvSpPr>
         <p:spPr>
           <a:xfrm>
-            <a:off x="3233450" y="1371600"/>
+            <a:off x="1839820" y="1371600"/>
             <a:ext cx="183000" cy="182100"/>
           </a:xfrm>
           <a:prstGeom prst="ellipse">
@@ -15359,16 +17686,16 @@
       </p:sp>
       <p:cxnSp>
         <p:nvCxnSpPr>
-          <p:cNvPr id="124" name="Google Shape;124;p7"/>
+          <p:cNvPr id="130" name="Google Shape;130;p7"/>
           <p:cNvCxnSpPr>
-            <a:stCxn id="122" idx="5"/>
-            <a:endCxn id="123" idx="1"/>
+            <a:stCxn id="128" idx="5"/>
+            <a:endCxn id="129" idx="1"/>
           </p:cNvCxnSpPr>
           <p:nvPr/>
         </p:nvCxnSpPr>
         <p:spPr>
           <a:xfrm>
-            <a:off x="3008650" y="1069832"/>
+            <a:off x="1615020" y="1069832"/>
             <a:ext cx="251700" cy="328500"/>
           </a:xfrm>
           <a:prstGeom prst="straightConnector1">
@@ -15388,13 +17715,13 @@
       </p:cxnSp>
       <p:sp>
         <p:nvSpPr>
-          <p:cNvPr id="125" name="Google Shape;125;p7"/>
+          <p:cNvPr id="131" name="Google Shape;131;p7"/>
           <p:cNvSpPr txBox="1"/>
           <p:nvPr/>
         </p:nvSpPr>
         <p:spPr>
           <a:xfrm>
-            <a:off x="3568700" y="868350"/>
+            <a:off x="2175070" y="868350"/>
             <a:ext cx="1097400" cy="274200"/>
           </a:xfrm>
           <a:prstGeom prst="rect">
@@ -15454,13 +17781,13 @@
       </p:sp>
       <p:sp>
         <p:nvSpPr>
-          <p:cNvPr id="126" name="Google Shape;126;p7"/>
+          <p:cNvPr id="132" name="Google Shape;132;p7"/>
           <p:cNvSpPr/>
           <p:nvPr/>
         </p:nvSpPr>
         <p:spPr>
           <a:xfrm>
-            <a:off x="3233450" y="1828800"/>
+            <a:off x="1839820" y="1828800"/>
             <a:ext cx="183000" cy="182100"/>
           </a:xfrm>
           <a:prstGeom prst="ellipse">
@@ -15519,13 +17846,13 @@
       </p:sp>
       <p:sp>
         <p:nvSpPr>
-          <p:cNvPr id="127" name="Google Shape;127;p7"/>
+          <p:cNvPr id="133" name="Google Shape;133;p7"/>
           <p:cNvSpPr txBox="1"/>
           <p:nvPr/>
         </p:nvSpPr>
         <p:spPr>
           <a:xfrm>
-            <a:off x="3568700" y="1325550"/>
+            <a:off x="2175070" y="1325550"/>
             <a:ext cx="1097400" cy="274200"/>
           </a:xfrm>
           <a:prstGeom prst="rect">
@@ -15585,13 +17912,13 @@
       </p:sp>
       <p:sp>
         <p:nvSpPr>
-          <p:cNvPr id="128" name="Google Shape;128;p7"/>
+          <p:cNvPr id="134" name="Google Shape;134;p7"/>
           <p:cNvSpPr txBox="1"/>
           <p:nvPr/>
         </p:nvSpPr>
         <p:spPr>
           <a:xfrm>
-            <a:off x="3568700" y="1782750"/>
+            <a:off x="2175070" y="1782750"/>
             <a:ext cx="1097400" cy="274200"/>
           </a:xfrm>
           <a:prstGeom prst="rect">
@@ -15651,13 +17978,13 @@
       </p:sp>
       <p:sp>
         <p:nvSpPr>
-          <p:cNvPr id="129" name="Google Shape;129;p7"/>
+          <p:cNvPr id="135" name="Google Shape;135;p7"/>
           <p:cNvSpPr txBox="1"/>
           <p:nvPr/>
         </p:nvSpPr>
         <p:spPr>
           <a:xfrm>
-            <a:off x="2201350" y="2286000"/>
+            <a:off x="807720" y="2286000"/>
             <a:ext cx="479700" cy="182100"/>
           </a:xfrm>
           <a:prstGeom prst="rect">
@@ -15719,16 +18046,16 @@
       </p:sp>
       <p:cxnSp>
         <p:nvCxnSpPr>
-          <p:cNvPr id="130" name="Google Shape;130;p7"/>
+          <p:cNvPr id="136" name="Google Shape;136;p7"/>
           <p:cNvCxnSpPr>
-            <a:stCxn id="123" idx="4"/>
-            <a:endCxn id="126" idx="0"/>
+            <a:stCxn id="129" idx="4"/>
+            <a:endCxn id="132" idx="0"/>
           </p:cNvCxnSpPr>
           <p:nvPr/>
         </p:nvCxnSpPr>
         <p:spPr>
           <a:xfrm>
-            <a:off x="3324950" y="1553700"/>
+            <a:off x="1931320" y="1553700"/>
             <a:ext cx="0" cy="275100"/>
           </a:xfrm>
           <a:prstGeom prst="straightConnector1">
@@ -15748,13 +18075,13 @@
       </p:cxnSp>
       <p:sp>
         <p:nvSpPr>
-          <p:cNvPr id="131" name="Google Shape;131;p7"/>
+          <p:cNvPr id="137" name="Google Shape;137;p7"/>
           <p:cNvSpPr/>
           <p:nvPr/>
         </p:nvSpPr>
         <p:spPr>
           <a:xfrm>
-            <a:off x="2852928" y="2286000"/>
+            <a:off x="1459298" y="2286000"/>
             <a:ext cx="183000" cy="182100"/>
           </a:xfrm>
           <a:prstGeom prst="ellipse">
@@ -15813,16 +18140,16 @@
       </p:sp>
       <p:cxnSp>
         <p:nvCxnSpPr>
-          <p:cNvPr id="132" name="Google Shape;132;p7"/>
+          <p:cNvPr id="138" name="Google Shape;138;p7"/>
           <p:cNvCxnSpPr>
-            <a:stCxn id="122" idx="4"/>
-            <a:endCxn id="131" idx="0"/>
+            <a:stCxn id="128" idx="4"/>
+            <a:endCxn id="137" idx="0"/>
           </p:cNvCxnSpPr>
           <p:nvPr/>
         </p:nvCxnSpPr>
         <p:spPr>
           <a:xfrm>
-            <a:off x="2943950" y="1096500"/>
+            <a:off x="1550320" y="1096500"/>
             <a:ext cx="600" cy="1189500"/>
           </a:xfrm>
           <a:prstGeom prst="straightConnector1">
@@ -15842,13 +18169,13 @@
       </p:cxnSp>
       <p:sp>
         <p:nvSpPr>
-          <p:cNvPr id="133" name="Google Shape;133;p7"/>
+          <p:cNvPr id="139" name="Google Shape;139;p7"/>
           <p:cNvSpPr txBox="1"/>
           <p:nvPr/>
         </p:nvSpPr>
         <p:spPr>
           <a:xfrm>
-            <a:off x="1667950" y="1828800"/>
+            <a:off x="274320" y="1828800"/>
             <a:ext cx="479700" cy="182100"/>
           </a:xfrm>
           <a:prstGeom prst="rect">
@@ -15910,7 +18237,73 @@
       </p:sp>
       <p:sp>
         <p:nvSpPr>
-          <p:cNvPr id="134" name="Google Shape;134;p7"/>
+          <p:cNvPr id="140" name="Google Shape;140;p7"/>
+          <p:cNvSpPr txBox="1"/>
+          <p:nvPr/>
+        </p:nvSpPr>
+        <p:spPr>
+          <a:xfrm>
+            <a:off x="2175070" y="2240275"/>
+            <a:ext cx="1688100" cy="274200"/>
+          </a:xfrm>
+          <a:prstGeom prst="rect">
+            <a:avLst/>
+          </a:prstGeom>
+          <a:noFill/>
+          <a:ln>
+            <a:noFill/>
+          </a:ln>
+        </p:spPr>
+        <p:txBody>
+          <a:bodyPr anchorCtr="0" anchor="t" bIns="0" lIns="0" spcFirstLastPara="1" rIns="0" wrap="square" tIns="0">
+            <a:noAutofit/>
+          </a:bodyPr>
+          <a:lstStyle/>
+          <a:p>
+            <a:pPr indent="0" lvl="0" marL="0" marR="0" rtl="0" algn="l">
+              <a:lnSpc>
+                <a:spcPct val="100000"/>
+              </a:lnSpc>
+              <a:spcBef>
+                <a:spcPts val="0"/>
+              </a:spcBef>
+              <a:spcAft>
+                <a:spcPts val="0"/>
+              </a:spcAft>
+              <a:buClr>
+                <a:srgbClr val="000000"/>
+              </a:buClr>
+              <a:buSzPts val="1400"/>
+              <a:buFont typeface="Arial"/>
+              <a:buNone/>
+            </a:pPr>
+            <a:r>
+              <a:rPr b="0" i="0" lang="en" sz="1400" u="none" cap="none" strike="noStrike">
+                <a:solidFill>
+                  <a:srgbClr val="000000"/>
+                </a:solidFill>
+                <a:latin typeface="Arial"/>
+                <a:ea typeface="Arial"/>
+                <a:cs typeface="Arial"/>
+                <a:sym typeface="Arial"/>
+              </a:rPr>
+              <a:t>Wijziging op master</a:t>
+            </a:r>
+            <a:endParaRPr b="0" i="0" sz="1400" u="none" cap="none" strike="noStrike">
+              <a:solidFill>
+                <a:srgbClr val="000000"/>
+              </a:solidFill>
+              <a:latin typeface="Arial"/>
+              <a:ea typeface="Arial"/>
+              <a:cs typeface="Arial"/>
+              <a:sym typeface="Arial"/>
+            </a:endParaRPr>
+          </a:p>
+        </p:txBody>
+      </p:sp>
+      <p:sp>
+        <p:nvSpPr>
+          <p:cNvPr id="141" name="Google Shape;141;p7"/>
           <p:cNvSpPr txBox="1"/>
           <p:nvPr/>
         </p:nvSpPr>
@@ -15953,16 +18346,8 @@
               <a:buNone/>
             </a:pPr>
             <a:r>
-              <a:rPr b="0" i="0" lang="en" sz="1400" u="none" cap="none" strike="noStrike">
-                <a:solidFill>
-                  <a:srgbClr val="000000"/>
-                </a:solidFill>
-                <a:latin typeface="Arial"/>
-                <a:ea typeface="Arial"/>
-                <a:cs typeface="Arial"/>
-                <a:sym typeface="Arial"/>
-              </a:rPr>
-              <a:t>REBASE</a:t>
+              <a:rPr lang="en"/>
+              <a:t>5. Opdracht REBASE</a:t>
             </a:r>
             <a:endParaRPr b="0" i="0" sz="1400" u="none" cap="none" strike="noStrike">
               <a:solidFill>
@@ -15978,14 +18363,14 @@
       </p:sp>
       <p:sp>
         <p:nvSpPr>
-          <p:cNvPr id="135" name="Google Shape;135;p7"/>
+          <p:cNvPr id="142" name="Google Shape;142;p7"/>
           <p:cNvSpPr txBox="1"/>
           <p:nvPr/>
         </p:nvSpPr>
         <p:spPr>
           <a:xfrm>
-            <a:off x="3568700" y="2240275"/>
-            <a:ext cx="1688100" cy="274200"/>
+            <a:off x="3961975" y="742875"/>
+            <a:ext cx="5181900" cy="3190800"/>
           </a:xfrm>
           <a:prstGeom prst="rect">
             <a:avLst/>
@@ -15996,49 +18381,246 @@
           </a:ln>
         </p:spPr>
         <p:txBody>
-          <a:bodyPr anchorCtr="0" anchor="t" bIns="0" lIns="0" spcFirstLastPara="1" rIns="0" wrap="square" tIns="0">
+          <a:bodyPr anchorCtr="0" anchor="t" bIns="91425" lIns="91425" spcFirstLastPara="1" rIns="91425" wrap="square" tIns="91425">
             <a:noAutofit/>
           </a:bodyPr>
           <a:lstStyle/>
           <a:p>
-            <a:pPr indent="0" lvl="0" marL="0" marR="0" rtl="0" algn="l">
-              <a:lnSpc>
-                <a:spcPct val="100000"/>
-              </a:lnSpc>
-              <a:spcBef>
-                <a:spcPts val="0"/>
-              </a:spcBef>
-              <a:spcAft>
-                <a:spcPts val="0"/>
-              </a:spcAft>
-              <a:buClr>
-                <a:srgbClr val="000000"/>
-              </a:buClr>
-              <a:buSzPts val="1400"/>
-              <a:buFont typeface="Arial"/>
-              <a:buNone/>
-            </a:pPr>
-            <a:r>
-              <a:rPr b="0" i="0" lang="en" sz="1400" u="none" cap="none" strike="noStrike">
-                <a:solidFill>
-                  <a:srgbClr val="000000"/>
-                </a:solidFill>
-                <a:latin typeface="Arial"/>
-                <a:ea typeface="Arial"/>
-                <a:cs typeface="Arial"/>
-                <a:sym typeface="Arial"/>
+            <a:pPr indent="-330200" lvl="0" marL="457200" rtl="0" algn="l">
+              <a:spcBef>
+                <a:spcPts val="0"/>
+              </a:spcBef>
+              <a:spcAft>
+                <a:spcPts val="0"/>
+              </a:spcAft>
+              <a:buSzPts val="1600"/>
+              <a:buChar char="●"/>
+            </a:pPr>
+            <a:r>
+              <a:rPr lang="en" sz="1600"/>
+              <a:t>maak initial commit</a:t>
+            </a:r>
+            <a:endParaRPr sz="1600"/>
+          </a:p>
+          <a:p>
+            <a:pPr indent="-330200" lvl="0" marL="457200" rtl="0" algn="l">
+              <a:spcBef>
+                <a:spcPts val="0"/>
+              </a:spcBef>
+              <a:spcAft>
+                <a:spcPts val="0"/>
+              </a:spcAft>
+              <a:buSzPts val="1600"/>
+              <a:buChar char="●"/>
+            </a:pPr>
+            <a:r>
+              <a:rPr lang="en" sz="1600"/>
+              <a:t>maak branch develop</a:t>
+            </a:r>
+            <a:endParaRPr sz="1600"/>
+          </a:p>
+          <a:p>
+            <a:pPr indent="-330200" lvl="0" marL="457200" rtl="0" algn="l">
+              <a:spcBef>
+                <a:spcPts val="0"/>
+              </a:spcBef>
+              <a:spcAft>
+                <a:spcPts val="0"/>
+              </a:spcAft>
+              <a:buSzPts val="1600"/>
+              <a:buChar char="●"/>
+            </a:pPr>
+            <a:r>
+              <a:rPr lang="en" sz="1600"/>
+              <a:t>checkout develop</a:t>
+            </a:r>
+            <a:endParaRPr sz="1600"/>
+          </a:p>
+          <a:p>
+            <a:pPr indent="-330200" lvl="0" marL="457200" rtl="0" algn="l">
+              <a:spcBef>
+                <a:spcPts val="0"/>
+              </a:spcBef>
+              <a:spcAft>
+                <a:spcPts val="0"/>
+              </a:spcAft>
+              <a:buClr>
+                <a:schemeClr val="dk1"/>
+              </a:buClr>
+              <a:buSzPts val="1600"/>
+              <a:buChar char="●"/>
+            </a:pPr>
+            <a:r>
+              <a:rPr lang="en" sz="1600">
+                <a:solidFill>
+                  <a:schemeClr val="dk1"/>
+                </a:solidFill>
               </a:rPr>
-              <a:t>Wijziging op master</a:t>
-            </a:r>
-            <a:endParaRPr b="0" i="0" sz="1400" u="none" cap="none" strike="noStrike">
+              <a:t>maak wijziging en commit</a:t>
+            </a:r>
+            <a:endParaRPr sz="1600">
               <a:solidFill>
-                <a:srgbClr val="000000"/>
+                <a:schemeClr val="dk1"/>
               </a:solidFill>
-              <a:latin typeface="Arial"/>
-              <a:ea typeface="Arial"/>
-              <a:cs typeface="Arial"/>
-              <a:sym typeface="Arial"/>
             </a:endParaRPr>
+          </a:p>
+          <a:p>
+            <a:pPr indent="-330200" lvl="0" marL="457200" rtl="0" algn="l">
+              <a:spcBef>
+                <a:spcPts val="0"/>
+              </a:spcBef>
+              <a:spcAft>
+                <a:spcPts val="0"/>
+              </a:spcAft>
+              <a:buClr>
+                <a:schemeClr val="dk1"/>
+              </a:buClr>
+              <a:buSzPts val="1600"/>
+              <a:buChar char="●"/>
+            </a:pPr>
+            <a:r>
+              <a:rPr lang="en" sz="1600">
+                <a:solidFill>
+                  <a:schemeClr val="dk1"/>
+                </a:solidFill>
+              </a:rPr>
+              <a:t>maak wijziging en commit</a:t>
+            </a:r>
+            <a:endParaRPr sz="1600">
+              <a:solidFill>
+                <a:schemeClr val="dk1"/>
+              </a:solidFill>
+            </a:endParaRPr>
+          </a:p>
+          <a:p>
+            <a:pPr indent="-330200" lvl="0" marL="457200" rtl="0" algn="l">
+              <a:spcBef>
+                <a:spcPts val="0"/>
+              </a:spcBef>
+              <a:spcAft>
+                <a:spcPts val="0"/>
+              </a:spcAft>
+              <a:buSzPts val="1600"/>
+              <a:buChar char="●"/>
+            </a:pPr>
+            <a:r>
+              <a:rPr lang="en" sz="1600"/>
+              <a:t>checkout master</a:t>
+            </a:r>
+            <a:endParaRPr sz="1600"/>
+          </a:p>
+          <a:p>
+            <a:pPr indent="-330200" lvl="0" marL="457200" rtl="0" algn="l">
+              <a:spcBef>
+                <a:spcPts val="0"/>
+              </a:spcBef>
+              <a:spcAft>
+                <a:spcPts val="0"/>
+              </a:spcAft>
+              <a:buClr>
+                <a:schemeClr val="dk1"/>
+              </a:buClr>
+              <a:buSzPts val="1600"/>
+              <a:buChar char="●"/>
+            </a:pPr>
+            <a:r>
+              <a:rPr lang="en" sz="1600">
+                <a:solidFill>
+                  <a:schemeClr val="dk1"/>
+                </a:solidFill>
+              </a:rPr>
+              <a:t>maak wijziging en commit</a:t>
+            </a:r>
+            <a:endParaRPr sz="1600">
+              <a:solidFill>
+                <a:schemeClr val="dk1"/>
+              </a:solidFill>
+            </a:endParaRPr>
+          </a:p>
+          <a:p>
+            <a:pPr indent="-330200" lvl="0" marL="457200" rtl="0" algn="l">
+              <a:spcBef>
+                <a:spcPts val="0"/>
+              </a:spcBef>
+              <a:spcAft>
+                <a:spcPts val="0"/>
+              </a:spcAft>
+              <a:buSzPts val="1600"/>
+              <a:buChar char="●"/>
+            </a:pPr>
+            <a:r>
+              <a:rPr lang="en" sz="1600"/>
+              <a:t>checkout develop</a:t>
+            </a:r>
+            <a:endParaRPr sz="1600"/>
+          </a:p>
+          <a:p>
+            <a:pPr indent="-330200" lvl="0" marL="457200" rtl="0" algn="l">
+              <a:spcBef>
+                <a:spcPts val="0"/>
+              </a:spcBef>
+              <a:spcAft>
+                <a:spcPts val="0"/>
+              </a:spcAft>
+              <a:buSzPts val="1600"/>
+              <a:buChar char="●"/>
+            </a:pPr>
+            <a:r>
+              <a:rPr lang="en" sz="1600"/>
+              <a:t>rebase develop naar master</a:t>
+            </a:r>
+            <a:endParaRPr sz="1600"/>
+          </a:p>
+          <a:p>
+            <a:pPr indent="-330200" lvl="0" marL="457200" rtl="0" algn="l">
+              <a:spcBef>
+                <a:spcPts val="0"/>
+              </a:spcBef>
+              <a:spcAft>
+                <a:spcPts val="0"/>
+              </a:spcAft>
+              <a:buSzPts val="1600"/>
+              <a:buChar char="●"/>
+            </a:pPr>
+            <a:r>
+              <a:rPr lang="en" sz="1600"/>
+              <a:t>checkout master</a:t>
+            </a:r>
+            <a:endParaRPr sz="1600"/>
+          </a:p>
+          <a:p>
+            <a:pPr indent="-330200" lvl="0" marL="457200" rtl="0" algn="l">
+              <a:spcBef>
+                <a:spcPts val="0"/>
+              </a:spcBef>
+              <a:spcAft>
+                <a:spcPts val="0"/>
+              </a:spcAft>
+              <a:buSzPts val="1600"/>
+              <a:buChar char="●"/>
+            </a:pPr>
+            <a:r>
+              <a:rPr lang="en" sz="1600"/>
+              <a:t>rebase master naar develop(fast-forward)</a:t>
+            </a:r>
+            <a:endParaRPr sz="1600"/>
+          </a:p>
+          <a:p>
+            <a:pPr indent="-330200" lvl="0" marL="457200" rtl="0" algn="l">
+              <a:spcBef>
+                <a:spcPts val="0"/>
+              </a:spcBef>
+              <a:spcAft>
+                <a:spcPts val="0"/>
+              </a:spcAft>
+              <a:buSzPts val="1600"/>
+              <a:buChar char="●"/>
+            </a:pPr>
+            <a:r>
+              <a:rPr lang="en" sz="1600"/>
+              <a:t>delete develop</a:t>
+            </a:r>
+            <a:endParaRPr sz="1600"/>
           </a:p>
         </p:txBody>
       </p:sp>
@@ -16055,7 +18637,7 @@
   <p:cSld>
     <p:spTree>
       <p:nvGrpSpPr>
-        <p:cNvPr id="139" name="Shape 139"/>
+        <p:cNvPr id="146" name="Shape 146"/>
         <p:cNvGrpSpPr/>
         <p:nvPr/>
       </p:nvGrpSpPr>
@@ -16069,13 +18651,13 @@
       </p:grpSpPr>
       <p:sp>
         <p:nvSpPr>
-          <p:cNvPr id="140" name="Google Shape;140;p8"/>
+          <p:cNvPr id="147" name="Google Shape;147;p8"/>
           <p:cNvSpPr/>
           <p:nvPr/>
         </p:nvSpPr>
         <p:spPr>
           <a:xfrm>
-            <a:off x="2852450" y="914400"/>
+            <a:off x="1458820" y="914400"/>
             <a:ext cx="183000" cy="182100"/>
           </a:xfrm>
           <a:prstGeom prst="ellipse">
@@ -16134,13 +18716,13 @@
       </p:sp>
       <p:sp>
         <p:nvSpPr>
-          <p:cNvPr id="141" name="Google Shape;141;p8"/>
+          <p:cNvPr id="148" name="Google Shape;148;p8"/>
           <p:cNvSpPr/>
           <p:nvPr/>
         </p:nvSpPr>
         <p:spPr>
           <a:xfrm>
-            <a:off x="3233450" y="1371600"/>
+            <a:off x="1839820" y="1371600"/>
             <a:ext cx="183000" cy="182100"/>
           </a:xfrm>
           <a:prstGeom prst="ellipse">
@@ -16199,16 +18781,16 @@
       </p:sp>
       <p:cxnSp>
         <p:nvCxnSpPr>
-          <p:cNvPr id="142" name="Google Shape;142;p8"/>
+          <p:cNvPr id="149" name="Google Shape;149;p8"/>
           <p:cNvCxnSpPr>
-            <a:stCxn id="140" idx="5"/>
-            <a:endCxn id="141" idx="1"/>
+            <a:stCxn id="147" idx="5"/>
+            <a:endCxn id="148" idx="1"/>
           </p:cNvCxnSpPr>
           <p:nvPr/>
         </p:nvCxnSpPr>
         <p:spPr>
           <a:xfrm>
-            <a:off x="3008650" y="1069832"/>
+            <a:off x="1615020" y="1069832"/>
             <a:ext cx="251700" cy="328500"/>
           </a:xfrm>
           <a:prstGeom prst="straightConnector1">
@@ -16228,13 +18810,13 @@
       </p:cxnSp>
       <p:sp>
         <p:nvSpPr>
-          <p:cNvPr id="143" name="Google Shape;143;p8"/>
+          <p:cNvPr id="150" name="Google Shape;150;p8"/>
           <p:cNvSpPr txBox="1"/>
           <p:nvPr/>
         </p:nvSpPr>
         <p:spPr>
           <a:xfrm>
-            <a:off x="3568700" y="868350"/>
+            <a:off x="2175070" y="868350"/>
             <a:ext cx="1097400" cy="274200"/>
           </a:xfrm>
           <a:prstGeom prst="rect">
@@ -16294,13 +18876,13 @@
       </p:sp>
       <p:sp>
         <p:nvSpPr>
-          <p:cNvPr id="144" name="Google Shape;144;p8"/>
+          <p:cNvPr id="151" name="Google Shape;151;p8"/>
           <p:cNvSpPr/>
           <p:nvPr/>
         </p:nvSpPr>
         <p:spPr>
           <a:xfrm>
-            <a:off x="3233450" y="1828800"/>
+            <a:off x="1839820" y="1828800"/>
             <a:ext cx="183000" cy="182100"/>
           </a:xfrm>
           <a:prstGeom prst="ellipse">
@@ -16359,13 +18941,13 @@
       </p:sp>
       <p:sp>
         <p:nvSpPr>
-          <p:cNvPr id="145" name="Google Shape;145;p8"/>
+          <p:cNvPr id="152" name="Google Shape;152;p8"/>
           <p:cNvSpPr txBox="1"/>
           <p:nvPr/>
         </p:nvSpPr>
         <p:spPr>
           <a:xfrm>
-            <a:off x="3568700" y="1325550"/>
+            <a:off x="2175070" y="1325550"/>
             <a:ext cx="1097400" cy="274200"/>
           </a:xfrm>
           <a:prstGeom prst="rect">
@@ -16425,13 +19007,13 @@
       </p:sp>
       <p:sp>
         <p:nvSpPr>
-          <p:cNvPr id="146" name="Google Shape;146;p8"/>
+          <p:cNvPr id="153" name="Google Shape;153;p8"/>
           <p:cNvSpPr txBox="1"/>
           <p:nvPr/>
         </p:nvSpPr>
         <p:spPr>
           <a:xfrm>
-            <a:off x="3568700" y="1782750"/>
+            <a:off x="2175070" y="1782750"/>
             <a:ext cx="1097400" cy="274200"/>
           </a:xfrm>
           <a:prstGeom prst="rect">
@@ -16491,13 +19073,13 @@
       </p:sp>
       <p:sp>
         <p:nvSpPr>
-          <p:cNvPr id="147" name="Google Shape;147;p8"/>
+          <p:cNvPr id="154" name="Google Shape;154;p8"/>
           <p:cNvSpPr txBox="1"/>
           <p:nvPr/>
         </p:nvSpPr>
         <p:spPr>
           <a:xfrm>
-            <a:off x="2201350" y="2286000"/>
+            <a:off x="807720" y="2286000"/>
             <a:ext cx="479700" cy="182100"/>
           </a:xfrm>
           <a:prstGeom prst="rect">
@@ -16559,16 +19141,16 @@
       </p:sp>
       <p:cxnSp>
         <p:nvCxnSpPr>
-          <p:cNvPr id="148" name="Google Shape;148;p8"/>
+          <p:cNvPr id="155" name="Google Shape;155;p8"/>
           <p:cNvCxnSpPr>
-            <a:stCxn id="141" idx="4"/>
-            <a:endCxn id="144" idx="0"/>
+            <a:stCxn id="148" idx="4"/>
+            <a:endCxn id="151" idx="0"/>
           </p:cNvCxnSpPr>
           <p:nvPr/>
         </p:nvCxnSpPr>
         <p:spPr>
           <a:xfrm>
-            <a:off x="3324950" y="1553700"/>
+            <a:off x="1931320" y="1553700"/>
             <a:ext cx="0" cy="275100"/>
           </a:xfrm>
           <a:prstGeom prst="straightConnector1">
@@ -16588,13 +19170,13 @@
       </p:cxnSp>
       <p:sp>
         <p:nvSpPr>
-          <p:cNvPr id="149" name="Google Shape;149;p8"/>
+          <p:cNvPr id="156" name="Google Shape;156;p8"/>
           <p:cNvSpPr/>
           <p:nvPr/>
         </p:nvSpPr>
         <p:spPr>
           <a:xfrm>
-            <a:off x="2852928" y="2286000"/>
+            <a:off x="1459298" y="2286000"/>
             <a:ext cx="183000" cy="182100"/>
           </a:xfrm>
           <a:prstGeom prst="ellipse">
@@ -16653,16 +19235,16 @@
       </p:sp>
       <p:cxnSp>
         <p:nvCxnSpPr>
-          <p:cNvPr id="150" name="Google Shape;150;p8"/>
+          <p:cNvPr id="157" name="Google Shape;157;p8"/>
           <p:cNvCxnSpPr>
-            <a:stCxn id="140" idx="4"/>
-            <a:endCxn id="149" idx="0"/>
+            <a:stCxn id="147" idx="4"/>
+            <a:endCxn id="156" idx="0"/>
           </p:cNvCxnSpPr>
           <p:nvPr/>
         </p:nvCxnSpPr>
         <p:spPr>
           <a:xfrm>
-            <a:off x="2943950" y="1096500"/>
+            <a:off x="1550320" y="1096500"/>
             <a:ext cx="600" cy="1189500"/>
           </a:xfrm>
           <a:prstGeom prst="straightConnector1">
@@ -16682,13 +19264,13 @@
       </p:cxnSp>
       <p:sp>
         <p:nvSpPr>
-          <p:cNvPr id="151" name="Google Shape;151;p8"/>
+          <p:cNvPr id="158" name="Google Shape;158;p8"/>
           <p:cNvSpPr txBox="1"/>
           <p:nvPr/>
         </p:nvSpPr>
         <p:spPr>
           <a:xfrm>
-            <a:off x="1667950" y="1828800"/>
+            <a:off x="274320" y="1828800"/>
             <a:ext cx="479700" cy="182100"/>
           </a:xfrm>
           <a:prstGeom prst="rect">
@@ -16750,7 +19332,73 @@
       </p:sp>
       <p:sp>
         <p:nvSpPr>
-          <p:cNvPr id="152" name="Google Shape;152;p8"/>
+          <p:cNvPr id="159" name="Google Shape;159;p8"/>
+          <p:cNvSpPr txBox="1"/>
+          <p:nvPr/>
+        </p:nvSpPr>
+        <p:spPr>
+          <a:xfrm>
+            <a:off x="2175070" y="2240275"/>
+            <a:ext cx="1688100" cy="274200"/>
+          </a:xfrm>
+          <a:prstGeom prst="rect">
+            <a:avLst/>
+          </a:prstGeom>
+          <a:noFill/>
+          <a:ln>
+            <a:noFill/>
+          </a:ln>
+        </p:spPr>
+        <p:txBody>
+          <a:bodyPr anchorCtr="0" anchor="t" bIns="0" lIns="0" spcFirstLastPara="1" rIns="0" wrap="square" tIns="0">
+            <a:noAutofit/>
+          </a:bodyPr>
+          <a:lstStyle/>
+          <a:p>
+            <a:pPr indent="0" lvl="0" marL="0" marR="0" rtl="0" algn="l">
+              <a:lnSpc>
+                <a:spcPct val="100000"/>
+              </a:lnSpc>
+              <a:spcBef>
+                <a:spcPts val="0"/>
+              </a:spcBef>
+              <a:spcAft>
+                <a:spcPts val="0"/>
+              </a:spcAft>
+              <a:buClr>
+                <a:srgbClr val="000000"/>
+              </a:buClr>
+              <a:buSzPts val="1400"/>
+              <a:buFont typeface="Arial"/>
+              <a:buNone/>
+            </a:pPr>
+            <a:r>
+              <a:rPr b="0" i="0" lang="en" sz="1400" u="none" cap="none" strike="noStrike">
+                <a:solidFill>
+                  <a:srgbClr val="000000"/>
+                </a:solidFill>
+                <a:latin typeface="Arial"/>
+                <a:ea typeface="Arial"/>
+                <a:cs typeface="Arial"/>
+                <a:sym typeface="Arial"/>
+              </a:rPr>
+              <a:t>Wijziging op master</a:t>
+            </a:r>
+            <a:endParaRPr b="0" i="0" sz="1400" u="none" cap="none" strike="noStrike">
+              <a:solidFill>
+                <a:srgbClr val="000000"/>
+              </a:solidFill>
+              <a:latin typeface="Arial"/>
+              <a:ea typeface="Arial"/>
+              <a:cs typeface="Arial"/>
+              <a:sym typeface="Arial"/>
+            </a:endParaRPr>
+          </a:p>
+        </p:txBody>
+      </p:sp>
+      <p:sp>
+        <p:nvSpPr>
+          <p:cNvPr id="160" name="Google Shape;160;p8"/>
           <p:cNvSpPr txBox="1"/>
           <p:nvPr/>
         </p:nvSpPr>
@@ -16793,16 +19441,8 @@
               <a:buNone/>
             </a:pPr>
             <a:r>
-              <a:rPr b="0" i="0" lang="en" sz="1400" u="none" cap="none" strike="noStrike">
-                <a:solidFill>
-                  <a:srgbClr val="000000"/>
-                </a:solidFill>
-                <a:latin typeface="Arial"/>
-                <a:ea typeface="Arial"/>
-                <a:cs typeface="Arial"/>
-                <a:sym typeface="Arial"/>
-              </a:rPr>
-              <a:t>REBASE</a:t>
+              <a:rPr lang="en"/>
+              <a:t>5. Opdracht REBASE</a:t>
             </a:r>
             <a:endParaRPr b="0" i="0" sz="1400" u="none" cap="none" strike="noStrike">
               <a:solidFill>
@@ -16818,14 +19458,14 @@
       </p:sp>
       <p:sp>
         <p:nvSpPr>
-          <p:cNvPr id="153" name="Google Shape;153;p8"/>
+          <p:cNvPr id="161" name="Google Shape;161;p8"/>
           <p:cNvSpPr txBox="1"/>
           <p:nvPr/>
         </p:nvSpPr>
         <p:spPr>
           <a:xfrm>
-            <a:off x="3568700" y="2240275"/>
-            <a:ext cx="1688100" cy="274200"/>
+            <a:off x="3961975" y="742875"/>
+            <a:ext cx="5181900" cy="3190800"/>
           </a:xfrm>
           <a:prstGeom prst="rect">
             <a:avLst/>
@@ -16836,49 +19476,246 @@
           </a:ln>
         </p:spPr>
         <p:txBody>
-          <a:bodyPr anchorCtr="0" anchor="t" bIns="0" lIns="0" spcFirstLastPara="1" rIns="0" wrap="square" tIns="0">
+          <a:bodyPr anchorCtr="0" anchor="t" bIns="91425" lIns="91425" spcFirstLastPara="1" rIns="91425" wrap="square" tIns="91425">
             <a:noAutofit/>
           </a:bodyPr>
           <a:lstStyle/>
           <a:p>
-            <a:pPr indent="0" lvl="0" marL="0" marR="0" rtl="0" algn="l">
-              <a:lnSpc>
-                <a:spcPct val="100000"/>
-              </a:lnSpc>
-              <a:spcBef>
-                <a:spcPts val="0"/>
-              </a:spcBef>
-              <a:spcAft>
-                <a:spcPts val="0"/>
-              </a:spcAft>
-              <a:buClr>
-                <a:srgbClr val="000000"/>
-              </a:buClr>
-              <a:buSzPts val="1400"/>
-              <a:buFont typeface="Arial"/>
-              <a:buNone/>
-            </a:pPr>
-            <a:r>
-              <a:rPr b="0" i="0" lang="en" sz="1400" u="none" cap="none" strike="noStrike">
-                <a:solidFill>
-                  <a:srgbClr val="000000"/>
-                </a:solidFill>
-                <a:latin typeface="Arial"/>
-                <a:ea typeface="Arial"/>
-                <a:cs typeface="Arial"/>
-                <a:sym typeface="Arial"/>
+            <a:pPr indent="-330200" lvl="0" marL="457200" rtl="0" algn="l">
+              <a:spcBef>
+                <a:spcPts val="0"/>
+              </a:spcBef>
+              <a:spcAft>
+                <a:spcPts val="0"/>
+              </a:spcAft>
+              <a:buSzPts val="1600"/>
+              <a:buChar char="●"/>
+            </a:pPr>
+            <a:r>
+              <a:rPr lang="en" sz="1600"/>
+              <a:t>maak initial commit</a:t>
+            </a:r>
+            <a:endParaRPr sz="1600"/>
+          </a:p>
+          <a:p>
+            <a:pPr indent="-330200" lvl="0" marL="457200" rtl="0" algn="l">
+              <a:spcBef>
+                <a:spcPts val="0"/>
+              </a:spcBef>
+              <a:spcAft>
+                <a:spcPts val="0"/>
+              </a:spcAft>
+              <a:buSzPts val="1600"/>
+              <a:buChar char="●"/>
+            </a:pPr>
+            <a:r>
+              <a:rPr lang="en" sz="1600"/>
+              <a:t>maak branch develop</a:t>
+            </a:r>
+            <a:endParaRPr sz="1600"/>
+          </a:p>
+          <a:p>
+            <a:pPr indent="-330200" lvl="0" marL="457200" rtl="0" algn="l">
+              <a:spcBef>
+                <a:spcPts val="0"/>
+              </a:spcBef>
+              <a:spcAft>
+                <a:spcPts val="0"/>
+              </a:spcAft>
+              <a:buSzPts val="1600"/>
+              <a:buChar char="●"/>
+            </a:pPr>
+            <a:r>
+              <a:rPr lang="en" sz="1600"/>
+              <a:t>checkout develop</a:t>
+            </a:r>
+            <a:endParaRPr sz="1600"/>
+          </a:p>
+          <a:p>
+            <a:pPr indent="-330200" lvl="0" marL="457200" rtl="0" algn="l">
+              <a:spcBef>
+                <a:spcPts val="0"/>
+              </a:spcBef>
+              <a:spcAft>
+                <a:spcPts val="0"/>
+              </a:spcAft>
+              <a:buClr>
+                <a:schemeClr val="dk1"/>
+              </a:buClr>
+              <a:buSzPts val="1600"/>
+              <a:buChar char="●"/>
+            </a:pPr>
+            <a:r>
+              <a:rPr lang="en" sz="1600">
+                <a:solidFill>
+                  <a:schemeClr val="dk1"/>
+                </a:solidFill>
               </a:rPr>
-              <a:t>Wijziging op master</a:t>
-            </a:r>
-            <a:endParaRPr b="0" i="0" sz="1400" u="none" cap="none" strike="noStrike">
+              <a:t>maak wijziging en commit</a:t>
+            </a:r>
+            <a:endParaRPr sz="1600">
               <a:solidFill>
-                <a:srgbClr val="000000"/>
+                <a:schemeClr val="dk1"/>
               </a:solidFill>
-              <a:latin typeface="Arial"/>
-              <a:ea typeface="Arial"/>
-              <a:cs typeface="Arial"/>
-              <a:sym typeface="Arial"/>
             </a:endParaRPr>
+          </a:p>
+          <a:p>
+            <a:pPr indent="-330200" lvl="0" marL="457200" rtl="0" algn="l">
+              <a:spcBef>
+                <a:spcPts val="0"/>
+              </a:spcBef>
+              <a:spcAft>
+                <a:spcPts val="0"/>
+              </a:spcAft>
+              <a:buClr>
+                <a:schemeClr val="dk1"/>
+              </a:buClr>
+              <a:buSzPts val="1600"/>
+              <a:buChar char="●"/>
+            </a:pPr>
+            <a:r>
+              <a:rPr lang="en" sz="1600">
+                <a:solidFill>
+                  <a:schemeClr val="dk1"/>
+                </a:solidFill>
+              </a:rPr>
+              <a:t>maak wijziging en commit</a:t>
+            </a:r>
+            <a:endParaRPr sz="1600">
+              <a:solidFill>
+                <a:schemeClr val="dk1"/>
+              </a:solidFill>
+            </a:endParaRPr>
+          </a:p>
+          <a:p>
+            <a:pPr indent="-330200" lvl="0" marL="457200" rtl="0" algn="l">
+              <a:spcBef>
+                <a:spcPts val="0"/>
+              </a:spcBef>
+              <a:spcAft>
+                <a:spcPts val="0"/>
+              </a:spcAft>
+              <a:buSzPts val="1600"/>
+              <a:buChar char="●"/>
+            </a:pPr>
+            <a:r>
+              <a:rPr lang="en" sz="1600"/>
+              <a:t>checkout master</a:t>
+            </a:r>
+            <a:endParaRPr sz="1600"/>
+          </a:p>
+          <a:p>
+            <a:pPr indent="-330200" lvl="0" marL="457200" rtl="0" algn="l">
+              <a:spcBef>
+                <a:spcPts val="0"/>
+              </a:spcBef>
+              <a:spcAft>
+                <a:spcPts val="0"/>
+              </a:spcAft>
+              <a:buClr>
+                <a:schemeClr val="dk1"/>
+              </a:buClr>
+              <a:buSzPts val="1600"/>
+              <a:buChar char="●"/>
+            </a:pPr>
+            <a:r>
+              <a:rPr lang="en" sz="1600">
+                <a:solidFill>
+                  <a:schemeClr val="dk1"/>
+                </a:solidFill>
+              </a:rPr>
+              <a:t>maak wijziging en commit</a:t>
+            </a:r>
+            <a:endParaRPr sz="1600">
+              <a:solidFill>
+                <a:schemeClr val="dk1"/>
+              </a:solidFill>
+            </a:endParaRPr>
+          </a:p>
+          <a:p>
+            <a:pPr indent="-330200" lvl="0" marL="457200" rtl="0" algn="l">
+              <a:spcBef>
+                <a:spcPts val="0"/>
+              </a:spcBef>
+              <a:spcAft>
+                <a:spcPts val="0"/>
+              </a:spcAft>
+              <a:buSzPts val="1600"/>
+              <a:buChar char="●"/>
+            </a:pPr>
+            <a:r>
+              <a:rPr lang="en" sz="1600"/>
+              <a:t>checkout develop</a:t>
+            </a:r>
+            <a:endParaRPr sz="1600"/>
+          </a:p>
+          <a:p>
+            <a:pPr indent="-330200" lvl="0" marL="457200" rtl="0" algn="l">
+              <a:spcBef>
+                <a:spcPts val="0"/>
+              </a:spcBef>
+              <a:spcAft>
+                <a:spcPts val="0"/>
+              </a:spcAft>
+              <a:buSzPts val="1600"/>
+              <a:buChar char="●"/>
+            </a:pPr>
+            <a:r>
+              <a:rPr lang="en" sz="1600"/>
+              <a:t>rebase develop naar master</a:t>
+            </a:r>
+            <a:endParaRPr sz="1600"/>
+          </a:p>
+          <a:p>
+            <a:pPr indent="-330200" lvl="0" marL="457200" rtl="0" algn="l">
+              <a:spcBef>
+                <a:spcPts val="0"/>
+              </a:spcBef>
+              <a:spcAft>
+                <a:spcPts val="0"/>
+              </a:spcAft>
+              <a:buSzPts val="1600"/>
+              <a:buChar char="●"/>
+            </a:pPr>
+            <a:r>
+              <a:rPr lang="en" sz="1600"/>
+              <a:t>checkout master</a:t>
+            </a:r>
+            <a:endParaRPr sz="1600"/>
+          </a:p>
+          <a:p>
+            <a:pPr indent="-330200" lvl="0" marL="457200" rtl="0" algn="l">
+              <a:spcBef>
+                <a:spcPts val="0"/>
+              </a:spcBef>
+              <a:spcAft>
+                <a:spcPts val="0"/>
+              </a:spcAft>
+              <a:buSzPts val="1600"/>
+              <a:buChar char="●"/>
+            </a:pPr>
+            <a:r>
+              <a:rPr lang="en" sz="1600"/>
+              <a:t>rebase master naar develop(fast-forward)</a:t>
+            </a:r>
+            <a:endParaRPr sz="1600"/>
+          </a:p>
+          <a:p>
+            <a:pPr indent="-330200" lvl="0" marL="457200" rtl="0" algn="l">
+              <a:spcBef>
+                <a:spcPts val="0"/>
+              </a:spcBef>
+              <a:spcAft>
+                <a:spcPts val="0"/>
+              </a:spcAft>
+              <a:buSzPts val="1600"/>
+              <a:buChar char="●"/>
+            </a:pPr>
+            <a:r>
+              <a:rPr lang="en" sz="1600"/>
+              <a:t>delete develop</a:t>
+            </a:r>
+            <a:endParaRPr sz="1600"/>
           </a:p>
         </p:txBody>
       </p:sp>
@@ -16895,7 +19732,7 @@
   <p:cSld>
     <p:spTree>
       <p:nvGrpSpPr>
-        <p:cNvPr id="157" name="Shape 157"/>
+        <p:cNvPr id="165" name="Shape 165"/>
         <p:cNvGrpSpPr/>
         <p:nvPr/>
       </p:nvGrpSpPr>
@@ -16909,13 +19746,13 @@
       </p:grpSpPr>
       <p:sp>
         <p:nvSpPr>
-          <p:cNvPr id="158" name="Google Shape;158;p9"/>
+          <p:cNvPr id="166" name="Google Shape;166;p9"/>
           <p:cNvSpPr/>
           <p:nvPr/>
         </p:nvSpPr>
         <p:spPr>
           <a:xfrm>
-            <a:off x="2852450" y="914400"/>
+            <a:off x="1458820" y="914400"/>
             <a:ext cx="183000" cy="182100"/>
           </a:xfrm>
           <a:prstGeom prst="ellipse">
@@ -16974,13 +19811,13 @@
       </p:sp>
       <p:sp>
         <p:nvSpPr>
-          <p:cNvPr id="159" name="Google Shape;159;p9"/>
+          <p:cNvPr id="167" name="Google Shape;167;p9"/>
           <p:cNvSpPr/>
           <p:nvPr/>
         </p:nvSpPr>
         <p:spPr>
           <a:xfrm>
-            <a:off x="2852450" y="2789250"/>
+            <a:off x="1458820" y="2789250"/>
             <a:ext cx="183000" cy="182100"/>
           </a:xfrm>
           <a:prstGeom prst="ellipse">
@@ -17039,16 +19876,16 @@
       </p:sp>
       <p:cxnSp>
         <p:nvCxnSpPr>
-          <p:cNvPr id="160" name="Google Shape;160;p9"/>
+          <p:cNvPr id="168" name="Google Shape;168;p9"/>
           <p:cNvCxnSpPr>
-            <a:stCxn id="161" idx="4"/>
-            <a:endCxn id="159" idx="0"/>
+            <a:stCxn id="169" idx="4"/>
+            <a:endCxn id="167" idx="0"/>
           </p:cNvCxnSpPr>
           <p:nvPr/>
         </p:nvCxnSpPr>
         <p:spPr>
           <a:xfrm flipH="1">
-            <a:off x="2943828" y="2468100"/>
+            <a:off x="1550198" y="2468100"/>
             <a:ext cx="600" cy="321300"/>
           </a:xfrm>
           <a:prstGeom prst="straightConnector1">
@@ -17068,13 +19905,13 @@
       </p:cxnSp>
       <p:sp>
         <p:nvSpPr>
-          <p:cNvPr id="162" name="Google Shape;162;p9"/>
+          <p:cNvPr id="170" name="Google Shape;170;p9"/>
           <p:cNvSpPr txBox="1"/>
           <p:nvPr/>
         </p:nvSpPr>
         <p:spPr>
           <a:xfrm>
-            <a:off x="3568700" y="868350"/>
+            <a:off x="2175070" y="868350"/>
             <a:ext cx="1097400" cy="274200"/>
           </a:xfrm>
           <a:prstGeom prst="rect">
@@ -17134,13 +19971,13 @@
       </p:sp>
       <p:sp>
         <p:nvSpPr>
-          <p:cNvPr id="163" name="Google Shape;163;p9"/>
+          <p:cNvPr id="171" name="Google Shape;171;p9"/>
           <p:cNvSpPr/>
           <p:nvPr/>
         </p:nvSpPr>
         <p:spPr>
           <a:xfrm>
-            <a:off x="2852450" y="3246450"/>
+            <a:off x="1458820" y="3246450"/>
             <a:ext cx="183000" cy="182100"/>
           </a:xfrm>
           <a:prstGeom prst="ellipse">
@@ -17199,13 +20036,13 @@
       </p:sp>
       <p:sp>
         <p:nvSpPr>
-          <p:cNvPr id="164" name="Google Shape;164;p9"/>
+          <p:cNvPr id="172" name="Google Shape;172;p9"/>
           <p:cNvSpPr txBox="1"/>
           <p:nvPr/>
         </p:nvSpPr>
         <p:spPr>
           <a:xfrm>
-            <a:off x="3568700" y="2743200"/>
+            <a:off x="2175070" y="2743200"/>
             <a:ext cx="1097400" cy="274200"/>
           </a:xfrm>
           <a:prstGeom prst="rect">
@@ -17265,13 +20102,13 @@
       </p:sp>
       <p:sp>
         <p:nvSpPr>
-          <p:cNvPr id="165" name="Google Shape;165;p9"/>
+          <p:cNvPr id="173" name="Google Shape;173;p9"/>
           <p:cNvSpPr txBox="1"/>
           <p:nvPr/>
         </p:nvSpPr>
         <p:spPr>
           <a:xfrm>
-            <a:off x="3568700" y="3200400"/>
+            <a:off x="2175070" y="3200400"/>
             <a:ext cx="1097400" cy="274200"/>
           </a:xfrm>
           <a:prstGeom prst="rect">
@@ -17331,13 +20168,13 @@
       </p:sp>
       <p:sp>
         <p:nvSpPr>
-          <p:cNvPr id="166" name="Google Shape;166;p9"/>
+          <p:cNvPr id="174" name="Google Shape;174;p9"/>
           <p:cNvSpPr txBox="1"/>
           <p:nvPr/>
         </p:nvSpPr>
         <p:spPr>
           <a:xfrm>
-            <a:off x="2201350" y="2286000"/>
+            <a:off x="807720" y="2286000"/>
             <a:ext cx="479700" cy="182100"/>
           </a:xfrm>
           <a:prstGeom prst="rect">
@@ -17399,16 +20236,16 @@
       </p:sp>
       <p:cxnSp>
         <p:nvCxnSpPr>
-          <p:cNvPr id="167" name="Google Shape;167;p9"/>
+          <p:cNvPr id="175" name="Google Shape;175;p9"/>
           <p:cNvCxnSpPr>
-            <a:stCxn id="159" idx="4"/>
-            <a:endCxn id="163" idx="0"/>
+            <a:stCxn id="167" idx="4"/>
+            <a:endCxn id="171" idx="0"/>
           </p:cNvCxnSpPr>
           <p:nvPr/>
         </p:nvCxnSpPr>
         <p:spPr>
           <a:xfrm>
-            <a:off x="2943950" y="2971350"/>
+            <a:off x="1550320" y="2971350"/>
             <a:ext cx="0" cy="275100"/>
           </a:xfrm>
           <a:prstGeom prst="straightConnector1">
@@ -17428,13 +20265,13 @@
       </p:cxnSp>
       <p:sp>
         <p:nvSpPr>
-          <p:cNvPr id="161" name="Google Shape;161;p9"/>
+          <p:cNvPr id="169" name="Google Shape;169;p9"/>
           <p:cNvSpPr/>
           <p:nvPr/>
         </p:nvSpPr>
         <p:spPr>
           <a:xfrm>
-            <a:off x="2852928" y="2286000"/>
+            <a:off x="1459298" y="2286000"/>
             <a:ext cx="183000" cy="182100"/>
           </a:xfrm>
           <a:prstGeom prst="ellipse">
@@ -17493,16 +20330,16 @@
       </p:sp>
       <p:cxnSp>
         <p:nvCxnSpPr>
-          <p:cNvPr id="168" name="Google Shape;168;p9"/>
+          <p:cNvPr id="176" name="Google Shape;176;p9"/>
           <p:cNvCxnSpPr>
-            <a:stCxn id="158" idx="4"/>
-            <a:endCxn id="161" idx="0"/>
+            <a:stCxn id="166" idx="4"/>
+            <a:endCxn id="169" idx="0"/>
           </p:cNvCxnSpPr>
           <p:nvPr/>
         </p:nvCxnSpPr>
         <p:spPr>
           <a:xfrm>
-            <a:off x="2943950" y="1096500"/>
+            <a:off x="1550320" y="1096500"/>
             <a:ext cx="600" cy="1189500"/>
           </a:xfrm>
           <a:prstGeom prst="straightConnector1">
@@ -17522,13 +20359,13 @@
       </p:cxnSp>
       <p:sp>
         <p:nvSpPr>
-          <p:cNvPr id="169" name="Google Shape;169;p9"/>
+          <p:cNvPr id="177" name="Google Shape;177;p9"/>
           <p:cNvSpPr txBox="1"/>
           <p:nvPr/>
         </p:nvSpPr>
         <p:spPr>
           <a:xfrm>
-            <a:off x="1667950" y="3200400"/>
+            <a:off x="274320" y="3200400"/>
             <a:ext cx="479700" cy="182100"/>
           </a:xfrm>
           <a:prstGeom prst="rect">
@@ -17590,7 +20427,73 @@
       </p:sp>
       <p:sp>
         <p:nvSpPr>
-          <p:cNvPr id="170" name="Google Shape;170;p9"/>
+          <p:cNvPr id="178" name="Google Shape;178;p9"/>
+          <p:cNvSpPr txBox="1"/>
+          <p:nvPr/>
+        </p:nvSpPr>
+        <p:spPr>
+          <a:xfrm>
+            <a:off x="2175070" y="2240275"/>
+            <a:ext cx="1688100" cy="274200"/>
+          </a:xfrm>
+          <a:prstGeom prst="rect">
+            <a:avLst/>
+          </a:prstGeom>
+          <a:noFill/>
+          <a:ln>
+            <a:noFill/>
+          </a:ln>
+        </p:spPr>
+        <p:txBody>
+          <a:bodyPr anchorCtr="0" anchor="t" bIns="0" lIns="0" spcFirstLastPara="1" rIns="0" wrap="square" tIns="0">
+            <a:noAutofit/>
+          </a:bodyPr>
+          <a:lstStyle/>
+          <a:p>
+            <a:pPr indent="0" lvl="0" marL="0" marR="0" rtl="0" algn="l">
+              <a:lnSpc>
+                <a:spcPct val="100000"/>
+              </a:lnSpc>
+              <a:spcBef>
+                <a:spcPts val="0"/>
+              </a:spcBef>
+              <a:spcAft>
+                <a:spcPts val="0"/>
+              </a:spcAft>
+              <a:buClr>
+                <a:srgbClr val="000000"/>
+              </a:buClr>
+              <a:buSzPts val="1400"/>
+              <a:buFont typeface="Arial"/>
+              <a:buNone/>
+            </a:pPr>
+            <a:r>
+              <a:rPr b="0" i="0" lang="en" sz="1400" u="none" cap="none" strike="noStrike">
+                <a:solidFill>
+                  <a:srgbClr val="000000"/>
+                </a:solidFill>
+                <a:latin typeface="Arial"/>
+                <a:ea typeface="Arial"/>
+                <a:cs typeface="Arial"/>
+                <a:sym typeface="Arial"/>
+              </a:rPr>
+              <a:t>Wijziging op master</a:t>
+            </a:r>
+            <a:endParaRPr b="0" i="0" sz="1400" u="none" cap="none" strike="noStrike">
+              <a:solidFill>
+                <a:srgbClr val="000000"/>
+              </a:solidFill>
+              <a:latin typeface="Arial"/>
+              <a:ea typeface="Arial"/>
+              <a:cs typeface="Arial"/>
+              <a:sym typeface="Arial"/>
+            </a:endParaRPr>
+          </a:p>
+        </p:txBody>
+      </p:sp>
+      <p:sp>
+        <p:nvSpPr>
+          <p:cNvPr id="179" name="Google Shape;179;p9"/>
           <p:cNvSpPr txBox="1"/>
           <p:nvPr/>
         </p:nvSpPr>
@@ -17633,16 +20536,8 @@
               <a:buNone/>
             </a:pPr>
             <a:r>
-              <a:rPr b="0" i="0" lang="en" sz="1400" u="none" cap="none" strike="noStrike">
-                <a:solidFill>
-                  <a:srgbClr val="000000"/>
-                </a:solidFill>
-                <a:latin typeface="Arial"/>
-                <a:ea typeface="Arial"/>
-                <a:cs typeface="Arial"/>
-                <a:sym typeface="Arial"/>
-              </a:rPr>
-              <a:t>REBASE</a:t>
+              <a:rPr lang="en"/>
+              <a:t>5. Opdracht REBASE</a:t>
             </a:r>
             <a:endParaRPr b="0" i="0" sz="1400" u="none" cap="none" strike="noStrike">
               <a:solidFill>
@@ -17658,14 +20553,14 @@
       </p:sp>
       <p:sp>
         <p:nvSpPr>
-          <p:cNvPr id="171" name="Google Shape;171;p9"/>
+          <p:cNvPr id="180" name="Google Shape;180;p9"/>
           <p:cNvSpPr txBox="1"/>
           <p:nvPr/>
         </p:nvSpPr>
         <p:spPr>
           <a:xfrm>
-            <a:off x="3568700" y="2240275"/>
-            <a:ext cx="1688100" cy="274200"/>
+            <a:off x="3961975" y="742875"/>
+            <a:ext cx="5181900" cy="3190800"/>
           </a:xfrm>
           <a:prstGeom prst="rect">
             <a:avLst/>
@@ -17676,49 +20571,246 @@
           </a:ln>
         </p:spPr>
         <p:txBody>
-          <a:bodyPr anchorCtr="0" anchor="t" bIns="0" lIns="0" spcFirstLastPara="1" rIns="0" wrap="square" tIns="0">
+          <a:bodyPr anchorCtr="0" anchor="t" bIns="91425" lIns="91425" spcFirstLastPara="1" rIns="91425" wrap="square" tIns="91425">
             <a:noAutofit/>
           </a:bodyPr>
           <a:lstStyle/>
           <a:p>
-            <a:pPr indent="0" lvl="0" marL="0" marR="0" rtl="0" algn="l">
-              <a:lnSpc>
-                <a:spcPct val="100000"/>
-              </a:lnSpc>
-              <a:spcBef>
-                <a:spcPts val="0"/>
-              </a:spcBef>
-              <a:spcAft>
-                <a:spcPts val="0"/>
-              </a:spcAft>
-              <a:buClr>
-                <a:srgbClr val="000000"/>
-              </a:buClr>
-              <a:buSzPts val="1400"/>
-              <a:buFont typeface="Arial"/>
-              <a:buNone/>
-            </a:pPr>
-            <a:r>
-              <a:rPr b="0" i="0" lang="en" sz="1400" u="none" cap="none" strike="noStrike">
-                <a:solidFill>
-                  <a:srgbClr val="000000"/>
-                </a:solidFill>
-                <a:latin typeface="Arial"/>
-                <a:ea typeface="Arial"/>
-                <a:cs typeface="Arial"/>
-                <a:sym typeface="Arial"/>
+            <a:pPr indent="-330200" lvl="0" marL="457200" rtl="0" algn="l">
+              <a:spcBef>
+                <a:spcPts val="0"/>
+              </a:spcBef>
+              <a:spcAft>
+                <a:spcPts val="0"/>
+              </a:spcAft>
+              <a:buSzPts val="1600"/>
+              <a:buChar char="●"/>
+            </a:pPr>
+            <a:r>
+              <a:rPr lang="en" sz="1600"/>
+              <a:t>maak initial commit</a:t>
+            </a:r>
+            <a:endParaRPr sz="1600"/>
+          </a:p>
+          <a:p>
+            <a:pPr indent="-330200" lvl="0" marL="457200" rtl="0" algn="l">
+              <a:spcBef>
+                <a:spcPts val="0"/>
+              </a:spcBef>
+              <a:spcAft>
+                <a:spcPts val="0"/>
+              </a:spcAft>
+              <a:buSzPts val="1600"/>
+              <a:buChar char="●"/>
+            </a:pPr>
+            <a:r>
+              <a:rPr lang="en" sz="1600"/>
+              <a:t>maak branch develop</a:t>
+            </a:r>
+            <a:endParaRPr sz="1600"/>
+          </a:p>
+          <a:p>
+            <a:pPr indent="-330200" lvl="0" marL="457200" rtl="0" algn="l">
+              <a:spcBef>
+                <a:spcPts val="0"/>
+              </a:spcBef>
+              <a:spcAft>
+                <a:spcPts val="0"/>
+              </a:spcAft>
+              <a:buSzPts val="1600"/>
+              <a:buChar char="●"/>
+            </a:pPr>
+            <a:r>
+              <a:rPr lang="en" sz="1600"/>
+              <a:t>checkout develop</a:t>
+            </a:r>
+            <a:endParaRPr sz="1600"/>
+          </a:p>
+          <a:p>
+            <a:pPr indent="-330200" lvl="0" marL="457200" rtl="0" algn="l">
+              <a:spcBef>
+                <a:spcPts val="0"/>
+              </a:spcBef>
+              <a:spcAft>
+                <a:spcPts val="0"/>
+              </a:spcAft>
+              <a:buClr>
+                <a:schemeClr val="dk1"/>
+              </a:buClr>
+              <a:buSzPts val="1600"/>
+              <a:buChar char="●"/>
+            </a:pPr>
+            <a:r>
+              <a:rPr lang="en" sz="1600">
+                <a:solidFill>
+                  <a:schemeClr val="dk1"/>
+                </a:solidFill>
               </a:rPr>
-              <a:t>Wijziging op master</a:t>
-            </a:r>
-            <a:endParaRPr b="0" i="0" sz="1400" u="none" cap="none" strike="noStrike">
+              <a:t>maak wijziging en commit</a:t>
+            </a:r>
+            <a:endParaRPr sz="1600">
               <a:solidFill>
-                <a:srgbClr val="000000"/>
+                <a:schemeClr val="dk1"/>
               </a:solidFill>
-              <a:latin typeface="Arial"/>
-              <a:ea typeface="Arial"/>
-              <a:cs typeface="Arial"/>
-              <a:sym typeface="Arial"/>
             </a:endParaRPr>
+          </a:p>
+          <a:p>
+            <a:pPr indent="-330200" lvl="0" marL="457200" rtl="0" algn="l">
+              <a:spcBef>
+                <a:spcPts val="0"/>
+              </a:spcBef>
+              <a:spcAft>
+                <a:spcPts val="0"/>
+              </a:spcAft>
+              <a:buClr>
+                <a:schemeClr val="dk1"/>
+              </a:buClr>
+              <a:buSzPts val="1600"/>
+              <a:buChar char="●"/>
+            </a:pPr>
+            <a:r>
+              <a:rPr lang="en" sz="1600">
+                <a:solidFill>
+                  <a:schemeClr val="dk1"/>
+                </a:solidFill>
+              </a:rPr>
+              <a:t>maak wijziging en commit</a:t>
+            </a:r>
+            <a:endParaRPr sz="1600">
+              <a:solidFill>
+                <a:schemeClr val="dk1"/>
+              </a:solidFill>
+            </a:endParaRPr>
+          </a:p>
+          <a:p>
+            <a:pPr indent="-330200" lvl="0" marL="457200" rtl="0" algn="l">
+              <a:spcBef>
+                <a:spcPts val="0"/>
+              </a:spcBef>
+              <a:spcAft>
+                <a:spcPts val="0"/>
+              </a:spcAft>
+              <a:buSzPts val="1600"/>
+              <a:buChar char="●"/>
+            </a:pPr>
+            <a:r>
+              <a:rPr lang="en" sz="1600"/>
+              <a:t>checkout master</a:t>
+            </a:r>
+            <a:endParaRPr sz="1600"/>
+          </a:p>
+          <a:p>
+            <a:pPr indent="-330200" lvl="0" marL="457200" rtl="0" algn="l">
+              <a:spcBef>
+                <a:spcPts val="0"/>
+              </a:spcBef>
+              <a:spcAft>
+                <a:spcPts val="0"/>
+              </a:spcAft>
+              <a:buClr>
+                <a:schemeClr val="dk1"/>
+              </a:buClr>
+              <a:buSzPts val="1600"/>
+              <a:buChar char="●"/>
+            </a:pPr>
+            <a:r>
+              <a:rPr lang="en" sz="1600">
+                <a:solidFill>
+                  <a:schemeClr val="dk1"/>
+                </a:solidFill>
+              </a:rPr>
+              <a:t>maak wijziging en commit</a:t>
+            </a:r>
+            <a:endParaRPr sz="1600">
+              <a:solidFill>
+                <a:schemeClr val="dk1"/>
+              </a:solidFill>
+            </a:endParaRPr>
+          </a:p>
+          <a:p>
+            <a:pPr indent="-330200" lvl="0" marL="457200" rtl="0" algn="l">
+              <a:spcBef>
+                <a:spcPts val="0"/>
+              </a:spcBef>
+              <a:spcAft>
+                <a:spcPts val="0"/>
+              </a:spcAft>
+              <a:buSzPts val="1600"/>
+              <a:buChar char="●"/>
+            </a:pPr>
+            <a:r>
+              <a:rPr lang="en" sz="1600"/>
+              <a:t>checkout develop</a:t>
+            </a:r>
+            <a:endParaRPr sz="1600"/>
+          </a:p>
+          <a:p>
+            <a:pPr indent="-330200" lvl="0" marL="457200" rtl="0" algn="l">
+              <a:spcBef>
+                <a:spcPts val="0"/>
+              </a:spcBef>
+              <a:spcAft>
+                <a:spcPts val="0"/>
+              </a:spcAft>
+              <a:buSzPts val="1600"/>
+              <a:buChar char="●"/>
+            </a:pPr>
+            <a:r>
+              <a:rPr lang="en" sz="1600"/>
+              <a:t>rebase develop naar master</a:t>
+            </a:r>
+            <a:endParaRPr sz="1600"/>
+          </a:p>
+          <a:p>
+            <a:pPr indent="-330200" lvl="0" marL="457200" rtl="0" algn="l">
+              <a:spcBef>
+                <a:spcPts val="0"/>
+              </a:spcBef>
+              <a:spcAft>
+                <a:spcPts val="0"/>
+              </a:spcAft>
+              <a:buSzPts val="1600"/>
+              <a:buChar char="●"/>
+            </a:pPr>
+            <a:r>
+              <a:rPr lang="en" sz="1600"/>
+              <a:t>checkout master</a:t>
+            </a:r>
+            <a:endParaRPr sz="1600"/>
+          </a:p>
+          <a:p>
+            <a:pPr indent="-330200" lvl="0" marL="457200" rtl="0" algn="l">
+              <a:spcBef>
+                <a:spcPts val="0"/>
+              </a:spcBef>
+              <a:spcAft>
+                <a:spcPts val="0"/>
+              </a:spcAft>
+              <a:buSzPts val="1600"/>
+              <a:buChar char="●"/>
+            </a:pPr>
+            <a:r>
+              <a:rPr lang="en" sz="1600"/>
+              <a:t>rebase master naar develop(fast-forward)</a:t>
+            </a:r>
+            <a:endParaRPr sz="1600"/>
+          </a:p>
+          <a:p>
+            <a:pPr indent="-330200" lvl="0" marL="457200" rtl="0" algn="l">
+              <a:spcBef>
+                <a:spcPts val="0"/>
+              </a:spcBef>
+              <a:spcAft>
+                <a:spcPts val="0"/>
+              </a:spcAft>
+              <a:buSzPts val="1600"/>
+              <a:buChar char="●"/>
+            </a:pPr>
+            <a:r>
+              <a:rPr lang="en" sz="1600"/>
+              <a:t>delete develop</a:t>
+            </a:r>
+            <a:endParaRPr sz="1600"/>
           </a:p>
         </p:txBody>
       </p:sp>
@@ -17731,6 +20823,285 @@
 </file>
 
 <file path=ppt/theme/theme1.xml><?xml version="1.0" encoding="utf-8"?>
+<a:theme xmlns:a="http://schemas.openxmlformats.org/drawingml/2006/main" xmlns:r="http://schemas.openxmlformats.org/officeDocument/2006/relationships" name="Simple Light">
+  <a:themeElements>
+    <a:clrScheme name="Simple Light">
+      <a:dk1>
+        <a:srgbClr val="000000"/>
+      </a:dk1>
+      <a:lt1>
+        <a:srgbClr val="FFFFFF"/>
+      </a:lt1>
+      <a:dk2>
+        <a:srgbClr val="595959"/>
+      </a:dk2>
+      <a:lt2>
+        <a:srgbClr val="EEEEEE"/>
+      </a:lt2>
+      <a:accent1>
+        <a:srgbClr val="FFAB40"/>
+      </a:accent1>
+      <a:accent2>
+        <a:srgbClr val="212121"/>
+      </a:accent2>
+      <a:accent3>
+        <a:srgbClr val="78909C"/>
+      </a:accent3>
+      <a:accent4>
+        <a:srgbClr val="FFAB40"/>
+      </a:accent4>
+      <a:accent5>
+        <a:srgbClr val="0097A7"/>
+      </a:accent5>
+      <a:accent6>
+        <a:srgbClr val="EEFF41"/>
+      </a:accent6>
+      <a:hlink>
+        <a:srgbClr val="0097A7"/>
+      </a:hlink>
+      <a:folHlink>
+        <a:srgbClr val="0097A7"/>
+      </a:folHlink>
+    </a:clrScheme>
+    <a:fontScheme name="Office">
+      <a:majorFont>
+        <a:latin typeface="Arial"/>
+        <a:ea typeface=""/>
+        <a:cs typeface=""/>
+        <a:font script="Jpan" typeface="ＭＳ Ｐゴシック"/>
+        <a:font script="Hang" typeface="맑은 고딕"/>
+        <a:font script="Hans" typeface="宋体"/>
+        <a:font script="Hant" typeface="新細明體"/>
+        <a:font script="Arab" typeface="Times New Roman"/>
+        <a:font script="Hebr" typeface="Times New Roman"/>
+        <a:font script="Thai" typeface="Angsana New"/>
+        <a:font script="Ethi" typeface="Nyala"/>
+        <a:font script="Beng" typeface="Vrinda"/>
+        <a:font script="Gujr" typeface="Shruti"/>
+        <a:font script="Khmr" typeface="MoolBoran"/>
+        <a:font script="Knda" typeface="Tunga"/>
+        <a:font script="Guru" typeface="Raavi"/>
+        <a:font script="Cans" typeface="Euphemia"/>
+        <a:font script="Cher" typeface="Plantagenet Cherokee"/>
+        <a:font script="Yiii" typeface="Microsoft Yi Baiti"/>
+        <a:font script="Tibt" typeface="Microsoft Himalaya"/>
+        <a:font script="Thaa" typeface="MV Boli"/>
+        <a:font script="Deva" typeface="Mangal"/>
+        <a:font script="Telu" typeface="Gautami"/>
+        <a:font script="Taml" typeface="Latha"/>
+        <a:font script="Syrc" typeface="Estrangelo Edessa"/>
+        <a:font script="Orya" typeface="Kalinga"/>
+        <a:font script="Mlym" typeface="Kartika"/>
+        <a:font script="Laoo" typeface="DokChampa"/>
+        <a:font script="Sinh" typeface="Iskoola Pota"/>
+        <a:font script="Mong" typeface="Mongolian Baiti"/>
+        <a:font script="Viet" typeface="Times New Roman"/>
+        <a:font script="Uigh" typeface="Microsoft Uighur"/>
+        <a:font script="Geor" typeface="Sylfaen"/>
+      </a:majorFont>
+      <a:minorFont>
+        <a:latin typeface="Arial"/>
+        <a:ea typeface=""/>
+        <a:cs typeface=""/>
+        <a:font script="Jpan" typeface="ＭＳ Ｐゴシック"/>
+        <a:font script="Hang" typeface="맑은 고딕"/>
+        <a:font script="Hans" typeface="宋体"/>
+        <a:font script="Hant" typeface="新細明體"/>
+        <a:font script="Arab" typeface="Arial"/>
+        <a:font script="Hebr" typeface="Arial"/>
+        <a:font script="Thai" typeface="Cordia New"/>
+        <a:font script="Ethi" typeface="Nyala"/>
+        <a:font script="Beng" typeface="Vrinda"/>
+        <a:font script="Gujr" typeface="Shruti"/>
+        <a:font script="Khmr" typeface="DaunPenh"/>
+        <a:font script="Knda" typeface="Tunga"/>
+        <a:font script="Guru" typeface="Raavi"/>
+        <a:font script="Cans" typeface="Euphemia"/>
+        <a:font script="Cher" typeface="Plantagenet Cherokee"/>
+        <a:font script="Yiii" typeface="Microsoft Yi Baiti"/>
+        <a:font script="Tibt" typeface="Microsoft Himalaya"/>
+        <a:font script="Thaa" typeface="MV Boli"/>
+        <a:font script="Deva" typeface="Mangal"/>
+        <a:font script="Telu" typeface="Gautami"/>
+        <a:font script="Taml" typeface="Latha"/>
+        <a:font script="Syrc" typeface="Estrangelo Edessa"/>
+        <a:font script="Orya" typeface="Kalinga"/>
+        <a:font script="Mlym" typeface="Kartika"/>
+        <a:font script="Laoo" typeface="DokChampa"/>
+        <a:font script="Sinh" typeface="Iskoola Pota"/>
+        <a:font script="Mong" typeface="Mongolian Baiti"/>
+        <a:font script="Viet" typeface="Arial"/>
+        <a:font script="Uigh" typeface="Microsoft Uighur"/>
+        <a:font script="Geor" typeface="Sylfaen"/>
+      </a:minorFont>
+    </a:fontScheme>
+    <a:fmtScheme name="Office">
+      <a:fillStyleLst>
+        <a:solidFill>
+          <a:schemeClr val="phClr"/>
+        </a:solidFill>
+        <a:gradFill rotWithShape="1">
+          <a:gsLst>
+            <a:gs pos="0">
+              <a:schemeClr val="phClr">
+                <a:tint val="50000"/>
+                <a:satMod val="300000"/>
+              </a:schemeClr>
+            </a:gs>
+            <a:gs pos="35000">
+              <a:schemeClr val="phClr">
+                <a:tint val="37000"/>
+                <a:satMod val="300000"/>
+              </a:schemeClr>
+            </a:gs>
+            <a:gs pos="100000">
+              <a:schemeClr val="phClr">
+                <a:tint val="15000"/>
+                <a:satMod val="350000"/>
+              </a:schemeClr>
+            </a:gs>
+          </a:gsLst>
+          <a:lin ang="16200000" scaled="1"/>
+        </a:gradFill>
+        <a:gradFill rotWithShape="1">
+          <a:gsLst>
+            <a:gs pos="0">
+              <a:schemeClr val="phClr">
+                <a:tint val="100000"/>
+                <a:shade val="100000"/>
+                <a:satMod val="130000"/>
+              </a:schemeClr>
+            </a:gs>
+            <a:gs pos="100000">
+              <a:schemeClr val="phClr">
+                <a:tint val="50000"/>
+                <a:shade val="100000"/>
+                <a:satMod val="350000"/>
+              </a:schemeClr>
+            </a:gs>
+          </a:gsLst>
+          <a:lin ang="16200000" scaled="0"/>
+        </a:gradFill>
+      </a:fillStyleLst>
+      <a:lnStyleLst>
+        <a:ln w="9525" cap="flat" cmpd="sng" algn="ctr">
+          <a:solidFill>
+            <a:schemeClr val="phClr">
+              <a:shade val="95000"/>
+              <a:satMod val="105000"/>
+            </a:schemeClr>
+          </a:solidFill>
+          <a:prstDash val="solid"/>
+        </a:ln>
+        <a:ln w="25400" cap="flat" cmpd="sng" algn="ctr">
+          <a:solidFill>
+            <a:schemeClr val="phClr"/>
+          </a:solidFill>
+          <a:prstDash val="solid"/>
+        </a:ln>
+        <a:ln w="38100" cap="flat" cmpd="sng" algn="ctr">
+          <a:solidFill>
+            <a:schemeClr val="phClr"/>
+          </a:solidFill>
+          <a:prstDash val="solid"/>
+        </a:ln>
+      </a:lnStyleLst>
+      <a:effectStyleLst>
+        <a:effectStyle>
+          <a:effectLst>
+            <a:outerShdw blurRad="40000" dist="20000" dir="5400000" rotWithShape="0">
+              <a:srgbClr val="000000">
+                <a:alpha val="38000"/>
+              </a:srgbClr>
+            </a:outerShdw>
+          </a:effectLst>
+        </a:effectStyle>
+        <a:effectStyle>
+          <a:effectLst>
+            <a:outerShdw blurRad="40000" dist="23000" dir="5400000" rotWithShape="0">
+              <a:srgbClr val="000000">
+                <a:alpha val="35000"/>
+              </a:srgbClr>
+            </a:outerShdw>
+          </a:effectLst>
+        </a:effectStyle>
+        <a:effectStyle>
+          <a:effectLst>
+            <a:outerShdw blurRad="40000" dist="23000" dir="5400000" rotWithShape="0">
+              <a:srgbClr val="000000">
+                <a:alpha val="35000"/>
+              </a:srgbClr>
+            </a:outerShdw>
+          </a:effectLst>
+          <a:scene3d>
+            <a:camera prst="orthographicFront">
+              <a:rot lat="0" lon="0" rev="0"/>
+            </a:camera>
+            <a:lightRig rig="threePt" dir="t">
+              <a:rot lat="0" lon="0" rev="1200000"/>
+            </a:lightRig>
+          </a:scene3d>
+          <a:sp3d>
+            <a:bevelT w="63500" h="25400"/>
+          </a:sp3d>
+        </a:effectStyle>
+      </a:effectStyleLst>
+      <a:bgFillStyleLst>
+        <a:solidFill>
+          <a:schemeClr val="phClr"/>
+        </a:solidFill>
+        <a:gradFill rotWithShape="1">
+          <a:gsLst>
+            <a:gs pos="0">
+              <a:schemeClr val="phClr">
+                <a:tint val="40000"/>
+                <a:satMod val="350000"/>
+              </a:schemeClr>
+            </a:gs>
+            <a:gs pos="40000">
+              <a:schemeClr val="phClr">
+                <a:tint val="45000"/>
+                <a:shade val="99000"/>
+                <a:satMod val="350000"/>
+              </a:schemeClr>
+            </a:gs>
+            <a:gs pos="100000">
+              <a:schemeClr val="phClr">
+                <a:shade val="20000"/>
+                <a:satMod val="255000"/>
+              </a:schemeClr>
+            </a:gs>
+          </a:gsLst>
+          <a:path path="circle">
+            <a:fillToRect l="50000" t="-80000" r="50000" b="180000"/>
+          </a:path>
+        </a:gradFill>
+        <a:gradFill rotWithShape="1">
+          <a:gsLst>
+            <a:gs pos="0">
+              <a:schemeClr val="phClr">
+                <a:tint val="80000"/>
+                <a:satMod val="300000"/>
+              </a:schemeClr>
+            </a:gs>
+            <a:gs pos="100000">
+              <a:schemeClr val="phClr">
+                <a:shade val="30000"/>
+                <a:satMod val="200000"/>
+              </a:schemeClr>
+            </a:gs>
+          </a:gsLst>
+          <a:path path="circle">
+            <a:fillToRect l="50000" t="50000" r="50000" b="50000"/>
+          </a:path>
+        </a:gradFill>
+      </a:bgFillStyleLst>
+    </a:fmtScheme>
+  </a:themeElements>
+</a:theme>
+</file>
+
+<file path=ppt/theme/theme2.xml><?xml version="1.0" encoding="utf-8"?>
 <a:theme xmlns:a="http://schemas.openxmlformats.org/drawingml/2006/main" xmlns:r="http://schemas.openxmlformats.org/officeDocument/2006/relationships">
   <a:themeElements>
     <a:clrScheme name="Default">
@@ -18007,283 +21378,4 @@
     </a:fmtScheme>
   </a:themeElements>
 </a:theme>
-</file>
-
-<file path=ppt/theme/theme2.xml><?xml version="1.0" encoding="utf-8"?>
-<a:theme xmlns:a="http://schemas.openxmlformats.org/drawingml/2006/main" xmlns:r="http://schemas.openxmlformats.org/officeDocument/2006/relationships" name="Simple Light">
-  <a:themeElements>
-    <a:clrScheme name="Simple Light">
-      <a:dk1>
-        <a:srgbClr val="000000"/>
-      </a:dk1>
-      <a:lt1>
-        <a:srgbClr val="FFFFFF"/>
-      </a:lt1>
-      <a:dk2>
-        <a:srgbClr val="595959"/>
-      </a:dk2>
-      <a:lt2>
-        <a:srgbClr val="EEEEEE"/>
-      </a:lt2>
-      <a:accent1>
-        <a:srgbClr val="FFAB40"/>
-      </a:accent1>
-      <a:accent2>
-        <a:srgbClr val="212121"/>
-      </a:accent2>
-      <a:accent3>
-        <a:srgbClr val="78909C"/>
-      </a:accent3>
-      <a:accent4>
-        <a:srgbClr val="FFAB40"/>
-      </a:accent4>
-      <a:accent5>
-        <a:srgbClr val="0097A7"/>
-      </a:accent5>
-      <a:accent6>
-        <a:srgbClr val="EEFF41"/>
-      </a:accent6>
-      <a:hlink>
-        <a:srgbClr val="0097A7"/>
-      </a:hlink>
-      <a:folHlink>
-        <a:srgbClr val="0097A7"/>
-      </a:folHlink>
-    </a:clrScheme>
-    <a:fontScheme name="Office">
-      <a:majorFont>
-        <a:latin typeface="Arial"/>
-        <a:ea typeface=""/>
-        <a:cs typeface=""/>
-        <a:font script="Jpan" typeface="ＭＳ Ｐゴシック"/>
-        <a:font script="Hang" typeface="맑은 고딕"/>
-        <a:font script="Hans" typeface="宋体"/>
-        <a:font script="Hant" typeface="新細明體"/>
-        <a:font script="Arab" typeface="Times New Roman"/>
-        <a:font script="Hebr" typeface="Times New Roman"/>
-        <a:font script="Thai" typeface="Angsana New"/>
-        <a:font script="Ethi" typeface="Nyala"/>
-        <a:font script="Beng" typeface="Vrinda"/>
-        <a:font script="Gujr" typeface="Shruti"/>
-        <a:font script="Khmr" typeface="MoolBoran"/>
-        <a:font script="Knda" typeface="Tunga"/>
-        <a:font script="Guru" typeface="Raavi"/>
-        <a:font script="Cans" typeface="Euphemia"/>
-        <a:font script="Cher" typeface="Plantagenet Cherokee"/>
-        <a:font script="Yiii" typeface="Microsoft Yi Baiti"/>
-        <a:font script="Tibt" typeface="Microsoft Himalaya"/>
-        <a:font script="Thaa" typeface="MV Boli"/>
-        <a:font script="Deva" typeface="Mangal"/>
-        <a:font script="Telu" typeface="Gautami"/>
-        <a:font script="Taml" typeface="Latha"/>
-        <a:font script="Syrc" typeface="Estrangelo Edessa"/>
-        <a:font script="Orya" typeface="Kalinga"/>
-        <a:font script="Mlym" typeface="Kartika"/>
-        <a:font script="Laoo" typeface="DokChampa"/>
-        <a:font script="Sinh" typeface="Iskoola Pota"/>
-        <a:font script="Mong" typeface="Mongolian Baiti"/>
-        <a:font script="Viet" typeface="Times New Roman"/>
-        <a:font script="Uigh" typeface="Microsoft Uighur"/>
-        <a:font script="Geor" typeface="Sylfaen"/>
-      </a:majorFont>
-      <a:minorFont>
-        <a:latin typeface="Arial"/>
-        <a:ea typeface=""/>
-        <a:cs typeface=""/>
-        <a:font script="Jpan" typeface="ＭＳ Ｐゴシック"/>
-        <a:font script="Hang" typeface="맑은 고딕"/>
-        <a:font script="Hans" typeface="宋体"/>
-        <a:font script="Hant" typeface="新細明體"/>
-        <a:font script="Arab" typeface="Arial"/>
-        <a:font script="Hebr" typeface="Arial"/>
-        <a:font script="Thai" typeface="Cordia New"/>
-        <a:font script="Ethi" typeface="Nyala"/>
-        <a:font script="Beng" typeface="Vrinda"/>
-        <a:font script="Gujr" typeface="Shruti"/>
-        <a:font script="Khmr" typeface="DaunPenh"/>
-        <a:font script="Knda" typeface="Tunga"/>
-        <a:font script="Guru" typeface="Raavi"/>
-        <a:font script="Cans" typeface="Euphemia"/>
-        <a:font script="Cher" typeface="Plantagenet Cherokee"/>
-        <a:font script="Yiii" typeface="Microsoft Yi Baiti"/>
-        <a:font script="Tibt" typeface="Microsoft Himalaya"/>
-        <a:font script="Thaa" typeface="MV Boli"/>
-        <a:font script="Deva" typeface="Mangal"/>
-        <a:font script="Telu" typeface="Gautami"/>
-        <a:font script="Taml" typeface="Latha"/>
-        <a:font script="Syrc" typeface="Estrangelo Edessa"/>
-        <a:font script="Orya" typeface="Kalinga"/>
-        <a:font script="Mlym" typeface="Kartika"/>
-        <a:font script="Laoo" typeface="DokChampa"/>
-        <a:font script="Sinh" typeface="Iskoola Pota"/>
-        <a:font script="Mong" typeface="Mongolian Baiti"/>
-        <a:font script="Viet" typeface="Arial"/>
-        <a:font script="Uigh" typeface="Microsoft Uighur"/>
-        <a:font script="Geor" typeface="Sylfaen"/>
-      </a:minorFont>
-    </a:fontScheme>
-    <a:fmtScheme name="Office">
-      <a:fillStyleLst>
-        <a:solidFill>
-          <a:schemeClr val="phClr"/>
-        </a:solidFill>
-        <a:gradFill rotWithShape="1">
-          <a:gsLst>
-            <a:gs pos="0">
-              <a:schemeClr val="phClr">
-                <a:tint val="50000"/>
-                <a:satMod val="300000"/>
-              </a:schemeClr>
-            </a:gs>
-            <a:gs pos="35000">
-              <a:schemeClr val="phClr">
-                <a:tint val="37000"/>
-                <a:satMod val="300000"/>
-              </a:schemeClr>
-            </a:gs>
-            <a:gs pos="100000">
-              <a:schemeClr val="phClr">
-                <a:tint val="15000"/>
-                <a:satMod val="350000"/>
-              </a:schemeClr>
-            </a:gs>
-          </a:gsLst>
-          <a:lin ang="16200000" scaled="1"/>
-        </a:gradFill>
-        <a:gradFill rotWithShape="1">
-          <a:gsLst>
-            <a:gs pos="0">
-              <a:schemeClr val="phClr">
-                <a:tint val="100000"/>
-                <a:shade val="100000"/>
-                <a:satMod val="130000"/>
-              </a:schemeClr>
-            </a:gs>
-            <a:gs pos="100000">
-              <a:schemeClr val="phClr">
-                <a:tint val="50000"/>
-                <a:shade val="100000"/>
-                <a:satMod val="350000"/>
-              </a:schemeClr>
-            </a:gs>
-          </a:gsLst>
-          <a:lin ang="16200000" scaled="0"/>
-        </a:gradFill>
-      </a:fillStyleLst>
-      <a:lnStyleLst>
-        <a:ln w="9525" cap="flat" cmpd="sng" algn="ctr">
-          <a:solidFill>
-            <a:schemeClr val="phClr">
-              <a:shade val="95000"/>
-              <a:satMod val="105000"/>
-            </a:schemeClr>
-          </a:solidFill>
-          <a:prstDash val="solid"/>
-        </a:ln>
-        <a:ln w="25400" cap="flat" cmpd="sng" algn="ctr">
-          <a:solidFill>
-            <a:schemeClr val="phClr"/>
-          </a:solidFill>
-          <a:prstDash val="solid"/>
-        </a:ln>
-        <a:ln w="38100" cap="flat" cmpd="sng" algn="ctr">
-          <a:solidFill>
-            <a:schemeClr val="phClr"/>
-          </a:solidFill>
-          <a:prstDash val="solid"/>
-        </a:ln>
-      </a:lnStyleLst>
-      <a:effectStyleLst>
-        <a:effectStyle>
-          <a:effectLst>
-            <a:outerShdw blurRad="40000" dist="20000" dir="5400000" rotWithShape="0">
-              <a:srgbClr val="000000">
-                <a:alpha val="38000"/>
-              </a:srgbClr>
-            </a:outerShdw>
-          </a:effectLst>
-        </a:effectStyle>
-        <a:effectStyle>
-          <a:effectLst>
-            <a:outerShdw blurRad="40000" dist="23000" dir="5400000" rotWithShape="0">
-              <a:srgbClr val="000000">
-                <a:alpha val="35000"/>
-              </a:srgbClr>
-            </a:outerShdw>
-          </a:effectLst>
-        </a:effectStyle>
-        <a:effectStyle>
-          <a:effectLst>
-            <a:outerShdw blurRad="40000" dist="23000" dir="5400000" rotWithShape="0">
-              <a:srgbClr val="000000">
-                <a:alpha val="35000"/>
-              </a:srgbClr>
-            </a:outerShdw>
-          </a:effectLst>
-          <a:scene3d>
-            <a:camera prst="orthographicFront">
-              <a:rot lat="0" lon="0" rev="0"/>
-            </a:camera>
-            <a:lightRig rig="threePt" dir="t">
-              <a:rot lat="0" lon="0" rev="1200000"/>
-            </a:lightRig>
-          </a:scene3d>
-          <a:sp3d>
-            <a:bevelT w="63500" h="25400"/>
-          </a:sp3d>
-        </a:effectStyle>
-      </a:effectStyleLst>
-      <a:bgFillStyleLst>
-        <a:solidFill>
-          <a:schemeClr val="phClr"/>
-        </a:solidFill>
-        <a:gradFill rotWithShape="1">
-          <a:gsLst>
-            <a:gs pos="0">
-              <a:schemeClr val="phClr">
-                <a:tint val="40000"/>
-                <a:satMod val="350000"/>
-              </a:schemeClr>
-            </a:gs>
-            <a:gs pos="40000">
-              <a:schemeClr val="phClr">
-                <a:tint val="45000"/>
-                <a:shade val="99000"/>
-                <a:satMod val="350000"/>
-              </a:schemeClr>
-            </a:gs>
-            <a:gs pos="100000">
-              <a:schemeClr val="phClr">
-                <a:shade val="20000"/>
-                <a:satMod val="255000"/>
-              </a:schemeClr>
-            </a:gs>
-          </a:gsLst>
-          <a:path path="circle">
-            <a:fillToRect l="50000" t="-80000" r="50000" b="180000"/>
-          </a:path>
-        </a:gradFill>
-        <a:gradFill rotWithShape="1">
-          <a:gsLst>
-            <a:gs pos="0">
-              <a:schemeClr val="phClr">
-                <a:tint val="80000"/>
-                <a:satMod val="300000"/>
-              </a:schemeClr>
-            </a:gs>
-            <a:gs pos="100000">
-              <a:schemeClr val="phClr">
-                <a:shade val="30000"/>
-                <a:satMod val="200000"/>
-              </a:schemeClr>
-            </a:gs>
-          </a:gsLst>
-          <a:path path="circle">
-            <a:fillToRect l="50000" t="50000" r="50000" b="50000"/>
-          </a:path>
-        </a:gradFill>
-      </a:bgFillStyleLst>
-    </a:fmtScheme>
-  </a:themeElements>
-</a:theme>
 </file>